--- a/other-talks/On Socially Fair Low-Rank Approximation and Column Subset.pptx
+++ b/other-talks/On Socially Fair Low-Rank Approximation and Column Subset.pptx
@@ -6,7 +6,14 @@
   </p:sldMasterIdLst>
   <p:sldIdLst>
     <p:sldId id="256" r:id="rId2"/>
-    <p:sldId id="257" r:id="rId3"/>
+    <p:sldId id="517" r:id="rId3"/>
+    <p:sldId id="520" r:id="rId4"/>
+    <p:sldId id="518" r:id="rId5"/>
+    <p:sldId id="521" r:id="rId6"/>
+    <p:sldId id="519" r:id="rId7"/>
+    <p:sldId id="522" r:id="rId8"/>
+    <p:sldId id="523" r:id="rId9"/>
+    <p:sldId id="524" r:id="rId10"/>
   </p:sldIdLst>
   <p:sldSz cx="12192000" cy="6858000"/>
   <p:notesSz cx="6858000" cy="9144000"/>
@@ -105,6 +112,11 @@
       </a:defRPr>
     </a:lvl9pPr>
   </p:defaultTextStyle>
+  <p:extLst>
+    <p:ext uri="{EFAFB233-063F-42B5-8137-9DF3F51BA10A}">
+      <p15:sldGuideLst xmlns:p15="http://schemas.microsoft.com/office/powerpoint/2012/main"/>
+    </p:ext>
+  </p:extLst>
 </p:presentation>
 </file>
 
@@ -255,7 +267,7 @@
           <a:p>
             <a:fld id="{AF27E92D-F2F1-40E4-ADBE-4E0078DBEE08}" type="datetimeFigureOut">
               <a:rPr lang="en-US" smtClean="0"/>
-              <a:t>11/11/2024</a:t>
+              <a:t>11/12/2024</a:t>
             </a:fld>
             <a:endParaRPr lang="en-US"/>
           </a:p>
@@ -453,7 +465,7 @@
           <a:p>
             <a:fld id="{AF27E92D-F2F1-40E4-ADBE-4E0078DBEE08}" type="datetimeFigureOut">
               <a:rPr lang="en-US" smtClean="0"/>
-              <a:t>11/11/2024</a:t>
+              <a:t>11/12/2024</a:t>
             </a:fld>
             <a:endParaRPr lang="en-US"/>
           </a:p>
@@ -661,7 +673,7 @@
           <a:p>
             <a:fld id="{AF27E92D-F2F1-40E4-ADBE-4E0078DBEE08}" type="datetimeFigureOut">
               <a:rPr lang="en-US" smtClean="0"/>
-              <a:t>11/11/2024</a:t>
+              <a:t>11/12/2024</a:t>
             </a:fld>
             <a:endParaRPr lang="en-US"/>
           </a:p>
@@ -859,7 +871,7 @@
           <a:p>
             <a:fld id="{AF27E92D-F2F1-40E4-ADBE-4E0078DBEE08}" type="datetimeFigureOut">
               <a:rPr lang="en-US" smtClean="0"/>
-              <a:t>11/11/2024</a:t>
+              <a:t>11/12/2024</a:t>
             </a:fld>
             <a:endParaRPr lang="en-US"/>
           </a:p>
@@ -1134,7 +1146,7 @@
           <a:p>
             <a:fld id="{AF27E92D-F2F1-40E4-ADBE-4E0078DBEE08}" type="datetimeFigureOut">
               <a:rPr lang="en-US" smtClean="0"/>
-              <a:t>11/11/2024</a:t>
+              <a:t>11/12/2024</a:t>
             </a:fld>
             <a:endParaRPr lang="en-US"/>
           </a:p>
@@ -1399,7 +1411,7 @@
           <a:p>
             <a:fld id="{AF27E92D-F2F1-40E4-ADBE-4E0078DBEE08}" type="datetimeFigureOut">
               <a:rPr lang="en-US" smtClean="0"/>
-              <a:t>11/11/2024</a:t>
+              <a:t>11/12/2024</a:t>
             </a:fld>
             <a:endParaRPr lang="en-US"/>
           </a:p>
@@ -1811,7 +1823,7 @@
           <a:p>
             <a:fld id="{AF27E92D-F2F1-40E4-ADBE-4E0078DBEE08}" type="datetimeFigureOut">
               <a:rPr lang="en-US" smtClean="0"/>
-              <a:t>11/11/2024</a:t>
+              <a:t>11/12/2024</a:t>
             </a:fld>
             <a:endParaRPr lang="en-US"/>
           </a:p>
@@ -1952,7 +1964,7 @@
           <a:p>
             <a:fld id="{AF27E92D-F2F1-40E4-ADBE-4E0078DBEE08}" type="datetimeFigureOut">
               <a:rPr lang="en-US" smtClean="0"/>
-              <a:t>11/11/2024</a:t>
+              <a:t>11/12/2024</a:t>
             </a:fld>
             <a:endParaRPr lang="en-US"/>
           </a:p>
@@ -2065,7 +2077,7 @@
           <a:p>
             <a:fld id="{AF27E92D-F2F1-40E4-ADBE-4E0078DBEE08}" type="datetimeFigureOut">
               <a:rPr lang="en-US" smtClean="0"/>
-              <a:t>11/11/2024</a:t>
+              <a:t>11/12/2024</a:t>
             </a:fld>
             <a:endParaRPr lang="en-US"/>
           </a:p>
@@ -2376,7 +2388,7 @@
           <a:p>
             <a:fld id="{AF27E92D-F2F1-40E4-ADBE-4E0078DBEE08}" type="datetimeFigureOut">
               <a:rPr lang="en-US" smtClean="0"/>
-              <a:t>11/11/2024</a:t>
+              <a:t>11/12/2024</a:t>
             </a:fld>
             <a:endParaRPr lang="en-US"/>
           </a:p>
@@ -2664,7 +2676,7 @@
           <a:p>
             <a:fld id="{AF27E92D-F2F1-40E4-ADBE-4E0078DBEE08}" type="datetimeFigureOut">
               <a:rPr lang="en-US" smtClean="0"/>
-              <a:t>11/11/2024</a:t>
+              <a:t>11/12/2024</a:t>
             </a:fld>
             <a:endParaRPr lang="en-US"/>
           </a:p>
@@ -2905,7 +2917,7 @@
           <a:p>
             <a:fld id="{AF27E92D-F2F1-40E4-ADBE-4E0078DBEE08}" type="datetimeFigureOut">
               <a:rPr lang="en-US" smtClean="0"/>
-              <a:t>11/11/2024</a:t>
+              <a:t>11/12/2024</a:t>
             </a:fld>
             <a:endParaRPr lang="en-US"/>
           </a:p>
@@ -3387,30 +3399,48 @@
           <a:lstStyle/>
           <a:p>
             <a:r>
-              <a:rPr lang="en-US" sz="2800" dirty="0"/>
+              <a:rPr lang="en-US" sz="2800" dirty="0">
+                <a:latin typeface="Calibri" panose="020F0502020204030204" pitchFamily="34" charset="0"/>
+                <a:cs typeface="Calibri" panose="020F0502020204030204" pitchFamily="34" charset="0"/>
+              </a:rPr>
               <a:t>Zhao Song</a:t>
             </a:r>
           </a:p>
           <a:p>
             <a:r>
-              <a:rPr lang="en-US" sz="2800" dirty="0"/>
+              <a:rPr lang="en-US" sz="2800" dirty="0">
+                <a:latin typeface="Calibri" panose="020F0502020204030204" pitchFamily="34" charset="0"/>
+                <a:cs typeface="Calibri" panose="020F0502020204030204" pitchFamily="34" charset="0"/>
+              </a:rPr>
               <a:t>Ali </a:t>
             </a:r>
             <a:r>
-              <a:rPr lang="en-US" sz="2800" dirty="0" err="1"/>
+              <a:rPr lang="en-US" sz="2800" dirty="0" err="1">
+                <a:latin typeface="Calibri" panose="020F0502020204030204" pitchFamily="34" charset="0"/>
+                <a:cs typeface="Calibri" panose="020F0502020204030204" pitchFamily="34" charset="0"/>
+              </a:rPr>
               <a:t>Vakilian</a:t>
             </a:r>
-            <a:endParaRPr lang="en-US" sz="2800" dirty="0"/>
+            <a:endParaRPr lang="en-US" sz="2800" dirty="0">
+              <a:latin typeface="Calibri" panose="020F0502020204030204" pitchFamily="34" charset="0"/>
+              <a:cs typeface="Calibri" panose="020F0502020204030204" pitchFamily="34" charset="0"/>
+            </a:endParaRPr>
           </a:p>
           <a:p>
             <a:r>
-              <a:rPr lang="en-US" sz="2800" dirty="0"/>
+              <a:rPr lang="en-US" sz="2800" dirty="0">
+                <a:latin typeface="Calibri" panose="020F0502020204030204" pitchFamily="34" charset="0"/>
+                <a:cs typeface="Calibri" panose="020F0502020204030204" pitchFamily="34" charset="0"/>
+              </a:rPr>
               <a:t>David P. Woodruff</a:t>
             </a:r>
           </a:p>
           <a:p>
             <a:r>
-              <a:rPr lang="en-US" sz="2800" dirty="0"/>
+              <a:rPr lang="en-US" sz="2800" dirty="0">
+                <a:latin typeface="Calibri" panose="020F0502020204030204" pitchFamily="34" charset="0"/>
+                <a:cs typeface="Calibri" panose="020F0502020204030204" pitchFamily="34" charset="0"/>
+              </a:rPr>
               <a:t>Samson Zhou</a:t>
             </a:r>
           </a:p>
@@ -3451,7 +3481,7 @@
           <p:cNvPr id="2" name="Title 1">
             <a:extLst>
               <a:ext uri="{FF2B5EF4-FFF2-40B4-BE49-F238E27FC236}">
-                <a16:creationId xmlns:a16="http://schemas.microsoft.com/office/drawing/2014/main" id="{E635959C-7B9B-CBB5-C45F-68BE2ECF1A23}"/>
+                <a16:creationId xmlns:a16="http://schemas.microsoft.com/office/drawing/2014/main" id="{6D984B7A-8516-47FC-9176-8158CF0B5C45}"/>
               </a:ext>
             </a:extLst>
           </p:cNvPr>
@@ -3467,7 +3497,20 @@
           <a:bodyPr/>
           <a:lstStyle/>
           <a:p>
-            <a:endParaRPr lang="en-US"/>
+            <a:r>
+              <a:rPr lang="en-US" dirty="0">
+                <a:solidFill>
+                  <a:srgbClr val="C00000"/>
+                </a:solidFill>
+                <a:latin typeface="Calibri Light" panose="020F0302020204030204" pitchFamily="34" charset="0"/>
+                <a:cs typeface="Calibri Light" panose="020F0302020204030204" pitchFamily="34" charset="0"/>
+              </a:rPr>
+              <a:t>Low-Rank Approximation</a:t>
+            </a:r>
+            <a:endParaRPr lang="en-US" dirty="0">
+              <a:latin typeface="Calibri Light" panose="020F0302020204030204" pitchFamily="34" charset="0"/>
+              <a:cs typeface="Calibri Light" panose="020F0302020204030204" pitchFamily="34" charset="0"/>
+            </a:endParaRPr>
           </a:p>
         </p:txBody>
       </p:sp>
@@ -3476,7 +3519,7 @@
           <p:cNvPr id="3" name="Content Placeholder 2">
             <a:extLst>
               <a:ext uri="{FF2B5EF4-FFF2-40B4-BE49-F238E27FC236}">
-                <a16:creationId xmlns:a16="http://schemas.microsoft.com/office/drawing/2014/main" id="{1ECA0AAB-F79B-18B9-E6AC-74B86F3F6123}"/>
+                <a16:creationId xmlns:a16="http://schemas.microsoft.com/office/drawing/2014/main" id="{15255D49-9D60-44DD-910D-2EBD0529DEC9}"/>
               </a:ext>
             </a:extLst>
           </p:cNvPr>
@@ -3492,14 +3535,6416 @@
           <a:bodyPr/>
           <a:lstStyle/>
           <a:p>
-            <a:endParaRPr lang="en-US"/>
+            <a:pPr marL="0" indent="0">
+              <a:buNone/>
+            </a:pPr>
+            <a:r>
+              <a:rPr lang="en-US" dirty="0"/>
+              <a:t>1  3  5 -2  7  0 11  4 -8</a:t>
+            </a:r>
+          </a:p>
+          <a:p>
+            <a:pPr marL="0" indent="0">
+              <a:buNone/>
+            </a:pPr>
+            <a:r>
+              <a:rPr lang="en-US" dirty="0"/>
+              <a:t>0  0 -1  3 13 2  8   6  2</a:t>
+            </a:r>
+          </a:p>
+          <a:p>
+            <a:pPr marL="0" indent="0">
+              <a:buNone/>
+            </a:pPr>
+            <a:r>
+              <a:rPr lang="en-US" dirty="0"/>
+              <a:t>2  5  6  1  4  0  -7  5  3</a:t>
+            </a:r>
+          </a:p>
+          <a:p>
+            <a:pPr marL="0" indent="0">
+              <a:buNone/>
+            </a:pPr>
+            <a:r>
+              <a:rPr lang="en-US" dirty="0"/>
+              <a:t>8  7  2  1 -1 -3 -2 -4 -6</a:t>
+            </a:r>
+          </a:p>
+          <a:p>
+            <a:pPr marL="0" indent="0">
+              <a:buNone/>
+            </a:pPr>
+            <a:r>
+              <a:rPr lang="en-US" dirty="0"/>
+              <a:t>-5 3 -4 -1 -2 -1 0 -3  -1</a:t>
+            </a:r>
+          </a:p>
+          <a:p>
+            <a:pPr marL="0" indent="0">
+              <a:buNone/>
+            </a:pPr>
+            <a:r>
+              <a:rPr lang="en-US" dirty="0"/>
+              <a:t>7  1  3  2  4  1  0  11  1</a:t>
+            </a:r>
+          </a:p>
+          <a:p>
+            <a:pPr marL="0" indent="0">
+              <a:buNone/>
+            </a:pPr>
+            <a:endParaRPr lang="en-US" dirty="0"/>
           </a:p>
         </p:txBody>
       </p:sp>
+      <p:sp>
+        <p:nvSpPr>
+          <p:cNvPr id="4" name="Rectangle 3">
+            <a:extLst>
+              <a:ext uri="{FF2B5EF4-FFF2-40B4-BE49-F238E27FC236}">
+                <a16:creationId xmlns:a16="http://schemas.microsoft.com/office/drawing/2014/main" id="{9AE4632A-DB15-4E1E-AF6A-9808F8A025F0}"/>
+              </a:ext>
+            </a:extLst>
+          </p:cNvPr>
+          <p:cNvSpPr/>
+          <p:nvPr/>
+        </p:nvSpPr>
+        <p:spPr>
+          <a:xfrm>
+            <a:off x="838200" y="1825625"/>
+            <a:ext cx="3304032" cy="3031638"/>
+          </a:xfrm>
+          <a:prstGeom prst="rect">
+            <a:avLst/>
+          </a:prstGeom>
+          <a:noFill/>
+          <a:ln w="57150">
+            <a:prstDash val="sysDash"/>
+          </a:ln>
+        </p:spPr>
+        <p:style>
+          <a:lnRef idx="2">
+            <a:schemeClr val="accent1">
+              <a:shade val="50000"/>
+            </a:schemeClr>
+          </a:lnRef>
+          <a:fillRef idx="1">
+            <a:schemeClr val="accent1"/>
+          </a:fillRef>
+          <a:effectRef idx="0">
+            <a:schemeClr val="accent1"/>
+          </a:effectRef>
+          <a:fontRef idx="minor">
+            <a:schemeClr val="lt1"/>
+          </a:fontRef>
+        </p:style>
+        <p:txBody>
+          <a:bodyPr rtlCol="0" anchor="ctr"/>
+          <a:lstStyle/>
+          <a:p>
+            <a:pPr algn="ctr"/>
+            <a:endParaRPr lang="en-US"/>
+          </a:p>
+        </p:txBody>
+      </p:sp>
+      <mc:AlternateContent xmlns:mc="http://schemas.openxmlformats.org/markup-compatibility/2006">
+        <mc:Choice xmlns:a14="http://schemas.microsoft.com/office/drawing/2010/main" Requires="a14">
+          <p:sp>
+            <p:nvSpPr>
+              <p:cNvPr id="6" name="Rectangle 5">
+                <a:extLst>
+                  <a:ext uri="{FF2B5EF4-FFF2-40B4-BE49-F238E27FC236}">
+                    <a16:creationId xmlns:a16="http://schemas.microsoft.com/office/drawing/2014/main" id="{ADE29DC0-5F55-4C0F-9250-42464CEC0C31}"/>
+                  </a:ext>
+                </a:extLst>
+              </p:cNvPr>
+              <p:cNvSpPr/>
+              <p:nvPr/>
+            </p:nvSpPr>
+            <p:spPr>
+              <a:xfrm>
+                <a:off x="4842217" y="1825625"/>
+                <a:ext cx="5700815" cy="2596737"/>
+              </a:xfrm>
+              <a:prstGeom prst="rect">
+                <a:avLst/>
+              </a:prstGeom>
+            </p:spPr>
+            <p:txBody>
+              <a:bodyPr wrap="square">
+                <a:spAutoFit/>
+              </a:bodyPr>
+              <a:lstStyle/>
+              <a:p>
+                <a:pPr marL="457200" indent="-457200">
+                  <a:buFont typeface="Arial" panose="020B0604020202020204" pitchFamily="34" charset="0"/>
+                  <a:buChar char="•"/>
+                </a:pPr>
+                <a:r>
+                  <a:rPr lang="en-US" sz="3200" dirty="0">
+                    <a:latin typeface="Calibri" panose="020F0502020204030204" pitchFamily="34" charset="0"/>
+                    <a:cs typeface="Calibri" panose="020F0502020204030204" pitchFamily="34" charset="0"/>
+                  </a:rPr>
+                  <a:t>Find rank </a:t>
+                </a:r>
+                <a14:m>
+                  <m:oMath xmlns:m="http://schemas.openxmlformats.org/officeDocument/2006/math">
+                    <m:r>
+                      <a:rPr lang="en-US" sz="3200" b="0" i="1" smtClean="0">
+                        <a:solidFill>
+                          <a:srgbClr val="C00000"/>
+                        </a:solidFill>
+                        <a:latin typeface="Cambria Math" panose="02040503050406030204" pitchFamily="18" charset="0"/>
+                      </a:rPr>
+                      <m:t>𝑘</m:t>
+                    </m:r>
+                  </m:oMath>
+                </a14:m>
+                <a:r>
+                  <a:rPr lang="en-US" sz="3200" dirty="0">
+                    <a:latin typeface="Calibri" panose="020F0502020204030204" pitchFamily="34" charset="0"/>
+                    <a:cs typeface="Calibri" panose="020F0502020204030204" pitchFamily="34" charset="0"/>
+                  </a:rPr>
+                  <a:t> matrices </a:t>
+                </a:r>
+                <a14:m>
+                  <m:oMath xmlns:m="http://schemas.openxmlformats.org/officeDocument/2006/math">
+                    <m:r>
+                      <a:rPr lang="en-US" sz="3200" b="0" i="1" smtClean="0">
+                        <a:solidFill>
+                          <a:srgbClr val="C00000"/>
+                        </a:solidFill>
+                        <a:latin typeface="Cambria Math" panose="02040503050406030204" pitchFamily="18" charset="0"/>
+                        <a:cs typeface="Calibri" panose="020F0502020204030204" pitchFamily="34" charset="0"/>
+                      </a:rPr>
+                      <m:t>𝑈</m:t>
+                    </m:r>
+                    <m:r>
+                      <a:rPr lang="en-US" sz="3200" b="0" i="1" smtClean="0">
+                        <a:solidFill>
+                          <a:srgbClr val="C00000"/>
+                        </a:solidFill>
+                        <a:latin typeface="Cambria Math" panose="02040503050406030204" pitchFamily="18" charset="0"/>
+                        <a:cs typeface="Calibri" panose="020F0502020204030204" pitchFamily="34" charset="0"/>
+                      </a:rPr>
+                      <m:t>∈</m:t>
+                    </m:r>
+                    <m:sSup>
+                      <m:sSupPr>
+                        <m:ctrlPr>
+                          <a:rPr lang="en-US" sz="3200" b="0" i="1" smtClean="0">
+                            <a:solidFill>
+                              <a:srgbClr val="C00000"/>
+                            </a:solidFill>
+                            <a:latin typeface="Cambria Math" panose="02040503050406030204" pitchFamily="18" charset="0"/>
+                            <a:cs typeface="Calibri" panose="020F0502020204030204" pitchFamily="34" charset="0"/>
+                          </a:rPr>
+                        </m:ctrlPr>
+                      </m:sSupPr>
+                      <m:e>
+                        <m:r>
+                          <a:rPr lang="en-US" sz="3200" b="0" i="1" smtClean="0">
+                            <a:solidFill>
+                              <a:srgbClr val="C00000"/>
+                            </a:solidFill>
+                            <a:latin typeface="Cambria Math" panose="02040503050406030204" pitchFamily="18" charset="0"/>
+                            <a:cs typeface="Calibri" panose="020F0502020204030204" pitchFamily="34" charset="0"/>
+                          </a:rPr>
+                          <m:t>ℝ</m:t>
+                        </m:r>
+                      </m:e>
+                      <m:sup>
+                        <m:r>
+                          <a:rPr lang="en-US" sz="3200" b="0" i="1" smtClean="0">
+                            <a:solidFill>
+                              <a:srgbClr val="C00000"/>
+                            </a:solidFill>
+                            <a:latin typeface="Cambria Math" panose="02040503050406030204" pitchFamily="18" charset="0"/>
+                            <a:cs typeface="Calibri" panose="020F0502020204030204" pitchFamily="34" charset="0"/>
+                          </a:rPr>
+                          <m:t>𝑛</m:t>
+                        </m:r>
+                        <m:r>
+                          <a:rPr lang="en-US" sz="3200" b="0" i="1" smtClean="0">
+                            <a:solidFill>
+                              <a:srgbClr val="C00000"/>
+                            </a:solidFill>
+                            <a:latin typeface="Cambria Math" panose="02040503050406030204" pitchFamily="18" charset="0"/>
+                            <a:cs typeface="Calibri" panose="020F0502020204030204" pitchFamily="34" charset="0"/>
+                          </a:rPr>
+                          <m:t>×</m:t>
+                        </m:r>
+                        <m:r>
+                          <a:rPr lang="en-US" sz="3200" b="0" i="1" smtClean="0">
+                            <a:solidFill>
+                              <a:srgbClr val="C00000"/>
+                            </a:solidFill>
+                            <a:latin typeface="Cambria Math" panose="02040503050406030204" pitchFamily="18" charset="0"/>
+                            <a:cs typeface="Calibri" panose="020F0502020204030204" pitchFamily="34" charset="0"/>
+                          </a:rPr>
+                          <m:t>𝑘</m:t>
+                        </m:r>
+                      </m:sup>
+                    </m:sSup>
+                  </m:oMath>
+                </a14:m>
+                <a:r>
+                  <a:rPr lang="en-US" sz="3200" dirty="0">
+                    <a:latin typeface="Calibri" panose="020F0502020204030204" pitchFamily="34" charset="0"/>
+                    <a:cs typeface="Calibri" panose="020F0502020204030204" pitchFamily="34" charset="0"/>
+                  </a:rPr>
+                  <a:t>,</a:t>
+                </a:r>
+                <a:r>
+                  <a:rPr lang="en-US" sz="3200" dirty="0">
+                    <a:solidFill>
+                      <a:srgbClr val="C00000"/>
+                    </a:solidFill>
+                  </a:rPr>
+                  <a:t> </a:t>
+                </a:r>
+                <a14:m>
+                  <m:oMath xmlns:m="http://schemas.openxmlformats.org/officeDocument/2006/math">
+                    <m:r>
+                      <a:rPr lang="en-US" sz="3200" b="0" i="1" smtClean="0">
+                        <a:solidFill>
+                          <a:srgbClr val="C00000"/>
+                        </a:solidFill>
+                        <a:latin typeface="Cambria Math" panose="02040503050406030204" pitchFamily="18" charset="0"/>
+                      </a:rPr>
+                      <m:t>𝑉</m:t>
+                    </m:r>
+                    <m:r>
+                      <a:rPr lang="en-US" sz="3200" b="0" i="1" smtClean="0">
+                        <a:solidFill>
+                          <a:srgbClr val="C00000"/>
+                        </a:solidFill>
+                        <a:latin typeface="Cambria Math" panose="02040503050406030204" pitchFamily="18" charset="0"/>
+                      </a:rPr>
+                      <m:t>∈</m:t>
+                    </m:r>
+                    <m:sSup>
+                      <m:sSupPr>
+                        <m:ctrlPr>
+                          <a:rPr lang="en-US" sz="3200" b="0" i="1" smtClean="0">
+                            <a:solidFill>
+                              <a:srgbClr val="C00000"/>
+                            </a:solidFill>
+                            <a:latin typeface="Cambria Math" panose="02040503050406030204" pitchFamily="18" charset="0"/>
+                          </a:rPr>
+                        </m:ctrlPr>
+                      </m:sSupPr>
+                      <m:e>
+                        <m:r>
+                          <a:rPr lang="en-US" sz="3200" b="0" i="1" smtClean="0">
+                            <a:solidFill>
+                              <a:srgbClr val="C00000"/>
+                            </a:solidFill>
+                            <a:latin typeface="Cambria Math" panose="02040503050406030204" pitchFamily="18" charset="0"/>
+                          </a:rPr>
+                          <m:t>ℝ</m:t>
+                        </m:r>
+                      </m:e>
+                      <m:sup>
+                        <m:r>
+                          <a:rPr lang="en-US" sz="3200" b="0" i="1" smtClean="0">
+                            <a:solidFill>
+                              <a:srgbClr val="C00000"/>
+                            </a:solidFill>
+                            <a:latin typeface="Cambria Math" panose="02040503050406030204" pitchFamily="18" charset="0"/>
+                          </a:rPr>
+                          <m:t>𝑘</m:t>
+                        </m:r>
+                        <m:r>
+                          <a:rPr lang="en-US" sz="3200" b="0" i="1" smtClean="0">
+                            <a:solidFill>
+                              <a:srgbClr val="C00000"/>
+                            </a:solidFill>
+                            <a:latin typeface="Cambria Math" panose="02040503050406030204" pitchFamily="18" charset="0"/>
+                          </a:rPr>
+                          <m:t>×</m:t>
+                        </m:r>
+                        <m:r>
+                          <a:rPr lang="en-US" sz="3200" b="0" i="1" smtClean="0">
+                            <a:solidFill>
+                              <a:srgbClr val="C00000"/>
+                            </a:solidFill>
+                            <a:latin typeface="Cambria Math" panose="02040503050406030204" pitchFamily="18" charset="0"/>
+                          </a:rPr>
+                          <m:t>𝑑</m:t>
+                        </m:r>
+                      </m:sup>
+                    </m:sSup>
+                  </m:oMath>
+                </a14:m>
+                <a:r>
+                  <a:rPr lang="en-US" sz="3200" dirty="0">
+                    <a:latin typeface="Calibri" panose="020F0502020204030204" pitchFamily="34" charset="0"/>
+                    <a:cs typeface="Calibri" panose="020F0502020204030204" pitchFamily="34" charset="0"/>
+                  </a:rPr>
+                  <a:t> that minimizes </a:t>
+                </a:r>
+                <a14:m>
+                  <m:oMath xmlns:m="http://schemas.openxmlformats.org/officeDocument/2006/math">
+                    <m:sSub>
+                      <m:sSubPr>
+                        <m:ctrlPr>
+                          <a:rPr lang="en-US" sz="3200" b="0" i="1" smtClean="0">
+                            <a:solidFill>
+                              <a:srgbClr val="C00000"/>
+                            </a:solidFill>
+                            <a:latin typeface="Cambria Math" panose="02040503050406030204" pitchFamily="18" charset="0"/>
+                          </a:rPr>
+                        </m:ctrlPr>
+                      </m:sSubPr>
+                      <m:e>
+                        <m:d>
+                          <m:dPr>
+                            <m:begChr m:val="‖"/>
+                            <m:endChr m:val="‖"/>
+                            <m:ctrlPr>
+                              <a:rPr lang="en-US" sz="3200" b="0" i="1" smtClean="0">
+                                <a:solidFill>
+                                  <a:srgbClr val="C00000"/>
+                                </a:solidFill>
+                                <a:latin typeface="Cambria Math" panose="02040503050406030204" pitchFamily="18" charset="0"/>
+                              </a:rPr>
+                            </m:ctrlPr>
+                          </m:dPr>
+                          <m:e>
+                            <m:r>
+                              <a:rPr lang="en-US" sz="3200" b="0" i="1" smtClean="0">
+                                <a:solidFill>
+                                  <a:srgbClr val="C00000"/>
+                                </a:solidFill>
+                                <a:latin typeface="Cambria Math" panose="02040503050406030204" pitchFamily="18" charset="0"/>
+                              </a:rPr>
+                              <m:t>𝑈𝑉</m:t>
+                            </m:r>
+                            <m:r>
+                              <a:rPr lang="en-US" sz="3200" b="0" i="1" smtClean="0">
+                                <a:solidFill>
+                                  <a:srgbClr val="C00000"/>
+                                </a:solidFill>
+                                <a:latin typeface="Cambria Math" panose="02040503050406030204" pitchFamily="18" charset="0"/>
+                              </a:rPr>
+                              <m:t>−</m:t>
+                            </m:r>
+                            <m:r>
+                              <a:rPr lang="en-US" sz="3200" b="0" i="1" smtClean="0">
+                                <a:solidFill>
+                                  <a:srgbClr val="C00000"/>
+                                </a:solidFill>
+                                <a:latin typeface="Cambria Math" panose="02040503050406030204" pitchFamily="18" charset="0"/>
+                              </a:rPr>
+                              <m:t>𝐴</m:t>
+                            </m:r>
+                          </m:e>
+                        </m:d>
+                      </m:e>
+                      <m:sub>
+                        <m:r>
+                          <a:rPr lang="en-US" sz="3200" b="0" i="1" smtClean="0">
+                            <a:solidFill>
+                              <a:srgbClr val="C00000"/>
+                            </a:solidFill>
+                            <a:latin typeface="Cambria Math" panose="02040503050406030204" pitchFamily="18" charset="0"/>
+                          </a:rPr>
+                          <m:t>𝐹</m:t>
+                        </m:r>
+                      </m:sub>
+                    </m:sSub>
+                  </m:oMath>
+                </a14:m>
+                <a:r>
+                  <a:rPr lang="en-US" sz="3200" dirty="0">
+                    <a:solidFill>
+                      <a:srgbClr val="C00000"/>
+                    </a:solidFill>
+                    <a:latin typeface="Calibri" panose="020F0502020204030204" pitchFamily="34" charset="0"/>
+                    <a:cs typeface="Calibri" panose="020F0502020204030204" pitchFamily="34" charset="0"/>
+                  </a:rPr>
+                  <a:t> </a:t>
+                </a:r>
+              </a:p>
+              <a:p>
+                <a:pPr marL="457200" indent="-457200">
+                  <a:buFont typeface="Arial" panose="020B0604020202020204" pitchFamily="34" charset="0"/>
+                  <a:buChar char="•"/>
+                </a:pPr>
+                <a:r>
+                  <a:rPr lang="en-US" sz="3200" dirty="0">
+                    <a:latin typeface="Calibri" panose="020F0502020204030204" pitchFamily="34" charset="0"/>
+                    <a:cs typeface="Calibri" panose="020F0502020204030204" pitchFamily="34" charset="0"/>
+                  </a:rPr>
+                  <a:t>Finding structure among noise</a:t>
+                </a:r>
+              </a:p>
+              <a:p>
+                <a:pPr marL="457200" indent="-457200">
+                  <a:buFont typeface="Arial" panose="020B0604020202020204" pitchFamily="34" charset="0"/>
+                  <a:buChar char="•"/>
+                </a:pPr>
+                <a:r>
+                  <a:rPr lang="en-US" sz="3200" dirty="0">
+                    <a:latin typeface="Calibri" panose="020F0502020204030204" pitchFamily="34" charset="0"/>
+                    <a:cs typeface="Calibri" panose="020F0502020204030204" pitchFamily="34" charset="0"/>
+                  </a:rPr>
+                  <a:t>Matrix completion problem</a:t>
+                </a:r>
+              </a:p>
+            </p:txBody>
+          </p:sp>
+        </mc:Choice>
+        <mc:Fallback>
+          <p:sp>
+            <p:nvSpPr>
+              <p:cNvPr id="6" name="Rectangle 5">
+                <a:extLst>
+                  <a:ext uri="{FF2B5EF4-FFF2-40B4-BE49-F238E27FC236}">
+                    <a16:creationId xmlns:a16="http://schemas.microsoft.com/office/drawing/2014/main" id="{ADE29DC0-5F55-4C0F-9250-42464CEC0C31}"/>
+                  </a:ext>
+                </a:extLst>
+              </p:cNvPr>
+              <p:cNvSpPr>
+                <a:spLocks noRot="1" noChangeAspect="1" noMove="1" noResize="1" noEditPoints="1" noAdjustHandles="1" noChangeArrowheads="1" noChangeShapeType="1" noTextEdit="1"/>
+              </p:cNvSpPr>
+              <p:nvPr/>
+            </p:nvSpPr>
+            <p:spPr>
+              <a:xfrm>
+                <a:off x="4842217" y="1825625"/>
+                <a:ext cx="5700815" cy="2596737"/>
+              </a:xfrm>
+              <a:prstGeom prst="rect">
+                <a:avLst/>
+              </a:prstGeom>
+              <a:blipFill>
+                <a:blip r:embed="rId2"/>
+                <a:stretch>
+                  <a:fillRect l="-2457" t="-2817" r="-1816" b="-5634"/>
+                </a:stretch>
+              </a:blipFill>
+            </p:spPr>
+            <p:txBody>
+              <a:bodyPr/>
+              <a:lstStyle/>
+              <a:p>
+                <a:r>
+                  <a:rPr lang="en-US">
+                    <a:noFill/>
+                  </a:rPr>
+                  <a:t> </a:t>
+                </a:r>
+              </a:p>
+            </p:txBody>
+          </p:sp>
+        </mc:Fallback>
+      </mc:AlternateContent>
+      <mc:AlternateContent xmlns:mc="http://schemas.openxmlformats.org/markup-compatibility/2006">
+        <mc:Choice xmlns:a14="http://schemas.microsoft.com/office/drawing/2010/main" Requires="a14">
+          <p:sp>
+            <p:nvSpPr>
+              <p:cNvPr id="7" name="Rectangle 6">
+                <a:extLst>
+                  <a:ext uri="{FF2B5EF4-FFF2-40B4-BE49-F238E27FC236}">
+                    <a16:creationId xmlns:a16="http://schemas.microsoft.com/office/drawing/2014/main" id="{E34C0BD3-17FA-4C89-B440-C5B1EB2729FE}"/>
+                  </a:ext>
+                </a:extLst>
+              </p:cNvPr>
+              <p:cNvSpPr/>
+              <p:nvPr/>
+            </p:nvSpPr>
+            <p:spPr>
+              <a:xfrm>
+                <a:off x="305260" y="3156778"/>
+                <a:ext cx="471347" cy="523220"/>
+              </a:xfrm>
+              <a:prstGeom prst="rect">
+                <a:avLst/>
+              </a:prstGeom>
+            </p:spPr>
+            <p:txBody>
+              <a:bodyPr wrap="none">
+                <a:spAutoFit/>
+              </a:bodyPr>
+              <a:lstStyle/>
+              <a:p>
+                <a:pPr/>
+                <a14:m>
+                  <m:oMathPara xmlns:m="http://schemas.openxmlformats.org/officeDocument/2006/math">
+                    <m:oMathParaPr>
+                      <m:jc m:val="centerGroup"/>
+                    </m:oMathParaPr>
+                    <m:oMath xmlns:m="http://schemas.openxmlformats.org/officeDocument/2006/math">
+                      <m:r>
+                        <a:rPr lang="en-US" sz="2800" b="0" i="1" smtClean="0">
+                          <a:solidFill>
+                            <a:srgbClr val="C00000"/>
+                          </a:solidFill>
+                          <a:latin typeface="Cambria Math" panose="02040503050406030204" pitchFamily="18" charset="0"/>
+                        </a:rPr>
+                        <m:t>𝑛</m:t>
+                      </m:r>
+                    </m:oMath>
+                  </m:oMathPara>
+                </a14:m>
+                <a:endParaRPr lang="en-US" sz="2800" dirty="0">
+                  <a:solidFill>
+                    <a:srgbClr val="C00000"/>
+                  </a:solidFill>
+                </a:endParaRPr>
+              </a:p>
+            </p:txBody>
+          </p:sp>
+        </mc:Choice>
+        <mc:Fallback>
+          <p:sp>
+            <p:nvSpPr>
+              <p:cNvPr id="7" name="Rectangle 6">
+                <a:extLst>
+                  <a:ext uri="{FF2B5EF4-FFF2-40B4-BE49-F238E27FC236}">
+                    <a16:creationId xmlns:a16="http://schemas.microsoft.com/office/drawing/2014/main" id="{E34C0BD3-17FA-4C89-B440-C5B1EB2729FE}"/>
+                  </a:ext>
+                </a:extLst>
+              </p:cNvPr>
+              <p:cNvSpPr>
+                <a:spLocks noRot="1" noChangeAspect="1" noMove="1" noResize="1" noEditPoints="1" noAdjustHandles="1" noChangeArrowheads="1" noChangeShapeType="1" noTextEdit="1"/>
+              </p:cNvSpPr>
+              <p:nvPr/>
+            </p:nvSpPr>
+            <p:spPr>
+              <a:xfrm>
+                <a:off x="305260" y="3156778"/>
+                <a:ext cx="471347" cy="523220"/>
+              </a:xfrm>
+              <a:prstGeom prst="rect">
+                <a:avLst/>
+              </a:prstGeom>
+              <a:blipFill>
+                <a:blip r:embed="rId3"/>
+                <a:stretch>
+                  <a:fillRect/>
+                </a:stretch>
+              </a:blipFill>
+            </p:spPr>
+            <p:txBody>
+              <a:bodyPr/>
+              <a:lstStyle/>
+              <a:p>
+                <a:r>
+                  <a:rPr lang="en-US">
+                    <a:noFill/>
+                  </a:rPr>
+                  <a:t> </a:t>
+                </a:r>
+              </a:p>
+            </p:txBody>
+          </p:sp>
+        </mc:Fallback>
+      </mc:AlternateContent>
+      <mc:AlternateContent xmlns:mc="http://schemas.openxmlformats.org/markup-compatibility/2006">
+        <mc:Choice xmlns:a14="http://schemas.microsoft.com/office/drawing/2010/main" Requires="a14">
+          <p:sp>
+            <p:nvSpPr>
+              <p:cNvPr id="8" name="Rectangle 7">
+                <a:extLst>
+                  <a:ext uri="{FF2B5EF4-FFF2-40B4-BE49-F238E27FC236}">
+                    <a16:creationId xmlns:a16="http://schemas.microsoft.com/office/drawing/2014/main" id="{1BE03EE9-5338-44CC-A0E3-C885075F2E77}"/>
+                  </a:ext>
+                </a:extLst>
+              </p:cNvPr>
+              <p:cNvSpPr/>
+              <p:nvPr/>
+            </p:nvSpPr>
+            <p:spPr>
+              <a:xfrm>
+                <a:off x="2207212" y="4916948"/>
+                <a:ext cx="478208" cy="523220"/>
+              </a:xfrm>
+              <a:prstGeom prst="rect">
+                <a:avLst/>
+              </a:prstGeom>
+            </p:spPr>
+            <p:txBody>
+              <a:bodyPr wrap="none">
+                <a:spAutoFit/>
+              </a:bodyPr>
+              <a:lstStyle/>
+              <a:p>
+                <a:pPr/>
+                <a14:m>
+                  <m:oMathPara xmlns:m="http://schemas.openxmlformats.org/officeDocument/2006/math">
+                    <m:oMathParaPr>
+                      <m:jc m:val="centerGroup"/>
+                    </m:oMathParaPr>
+                    <m:oMath xmlns:m="http://schemas.openxmlformats.org/officeDocument/2006/math">
+                      <m:r>
+                        <a:rPr lang="en-US" sz="2800" b="0" i="1" smtClean="0">
+                          <a:solidFill>
+                            <a:srgbClr val="C00000"/>
+                          </a:solidFill>
+                          <a:latin typeface="Cambria Math" panose="02040503050406030204" pitchFamily="18" charset="0"/>
+                        </a:rPr>
+                        <m:t>𝑑</m:t>
+                      </m:r>
+                    </m:oMath>
+                  </m:oMathPara>
+                </a14:m>
+                <a:endParaRPr lang="en-US" sz="2400" dirty="0">
+                  <a:solidFill>
+                    <a:srgbClr val="C00000"/>
+                  </a:solidFill>
+                </a:endParaRPr>
+              </a:p>
+            </p:txBody>
+          </p:sp>
+        </mc:Choice>
+        <mc:Fallback>
+          <p:sp>
+            <p:nvSpPr>
+              <p:cNvPr id="8" name="Rectangle 7">
+                <a:extLst>
+                  <a:ext uri="{FF2B5EF4-FFF2-40B4-BE49-F238E27FC236}">
+                    <a16:creationId xmlns:a16="http://schemas.microsoft.com/office/drawing/2014/main" id="{1BE03EE9-5338-44CC-A0E3-C885075F2E77}"/>
+                  </a:ext>
+                </a:extLst>
+              </p:cNvPr>
+              <p:cNvSpPr>
+                <a:spLocks noRot="1" noChangeAspect="1" noMove="1" noResize="1" noEditPoints="1" noAdjustHandles="1" noChangeArrowheads="1" noChangeShapeType="1" noTextEdit="1"/>
+              </p:cNvSpPr>
+              <p:nvPr/>
+            </p:nvSpPr>
+            <p:spPr>
+              <a:xfrm>
+                <a:off x="2207212" y="4916948"/>
+                <a:ext cx="478208" cy="523220"/>
+              </a:xfrm>
+              <a:prstGeom prst="rect">
+                <a:avLst/>
+              </a:prstGeom>
+              <a:blipFill>
+                <a:blip r:embed="rId4"/>
+                <a:stretch>
+                  <a:fillRect/>
+                </a:stretch>
+              </a:blipFill>
+            </p:spPr>
+            <p:txBody>
+              <a:bodyPr/>
+              <a:lstStyle/>
+              <a:p>
+                <a:r>
+                  <a:rPr lang="en-US">
+                    <a:noFill/>
+                  </a:rPr>
+                  <a:t> </a:t>
+                </a:r>
+              </a:p>
+            </p:txBody>
+          </p:sp>
+        </mc:Fallback>
+      </mc:AlternateContent>
+      <p:pic>
+        <p:nvPicPr>
+          <p:cNvPr id="9" name="Picture 2" descr="Image result for netflix">
+            <a:extLst>
+              <a:ext uri="{FF2B5EF4-FFF2-40B4-BE49-F238E27FC236}">
+                <a16:creationId xmlns:a16="http://schemas.microsoft.com/office/drawing/2014/main" id="{08B93FF4-7BD3-4BA2-9C67-FF74F862766D}"/>
+              </a:ext>
+            </a:extLst>
+          </p:cNvPr>
+          <p:cNvPicPr>
+            <a:picLocks noChangeAspect="1" noChangeArrowheads="1"/>
+          </p:cNvPicPr>
+          <p:nvPr/>
+        </p:nvPicPr>
+        <p:blipFill>
+          <a:blip r:embed="rId5">
+            <a:extLst>
+              <a:ext uri="{28A0092B-C50C-407E-A947-70E740481C1C}">
+                <a14:useLocalDpi xmlns:a14="http://schemas.microsoft.com/office/drawing/2010/main" val="0"/>
+              </a:ext>
+            </a:extLst>
+          </a:blip>
+          <a:srcRect/>
+          <a:stretch>
+            <a:fillRect/>
+          </a:stretch>
+        </p:blipFill>
+        <p:spPr bwMode="auto">
+          <a:xfrm>
+            <a:off x="6671624" y="5002953"/>
+            <a:ext cx="2823795" cy="1308947"/>
+          </a:xfrm>
+          <a:prstGeom prst="rect">
+            <a:avLst/>
+          </a:prstGeom>
+          <a:noFill/>
+          <a:extLst>
+            <a:ext uri="{909E8E84-426E-40DD-AFC4-6F175D3DCCD1}">
+              <a14:hiddenFill xmlns:a14="http://schemas.microsoft.com/office/drawing/2010/main">
+                <a:solidFill>
+                  <a:srgbClr val="FFFFFF"/>
+                </a:solidFill>
+              </a14:hiddenFill>
+            </a:ext>
+          </a:extLst>
+        </p:spPr>
+      </p:pic>
     </p:spTree>
     <p:extLst>
       <p:ext uri="{BB962C8B-B14F-4D97-AF65-F5344CB8AC3E}">
-        <p14:creationId xmlns:p14="http://schemas.microsoft.com/office/powerpoint/2010/main" val="2883032003"/>
+        <p14:creationId xmlns:p14="http://schemas.microsoft.com/office/powerpoint/2010/main" val="285747095"/>
+      </p:ext>
+    </p:extLst>
+  </p:cSld>
+  <p:clrMapOvr>
+    <a:masterClrMapping/>
+  </p:clrMapOvr>
+</p:sld>
+</file>
+
+<file path=ppt/slides/slide3.xml><?xml version="1.0" encoding="utf-8"?>
+<p:sld xmlns:a="http://schemas.openxmlformats.org/drawingml/2006/main" xmlns:r="http://schemas.openxmlformats.org/officeDocument/2006/relationships" xmlns:p="http://schemas.openxmlformats.org/presentationml/2006/main">
+  <p:cSld>
+    <p:spTree>
+      <p:nvGrpSpPr>
+        <p:cNvPr id="1" name="">
+          <a:extLst>
+            <a:ext uri="{FF2B5EF4-FFF2-40B4-BE49-F238E27FC236}">
+              <a16:creationId xmlns:a16="http://schemas.microsoft.com/office/drawing/2014/main" id="{9D723F1A-676E-8E96-0BC0-F5E2E79B6C37}"/>
+            </a:ext>
+          </a:extLst>
+        </p:cNvPr>
+        <p:cNvGrpSpPr/>
+        <p:nvPr/>
+      </p:nvGrpSpPr>
+      <p:grpSpPr>
+        <a:xfrm>
+          <a:off x="0" y="0"/>
+          <a:ext cx="0" cy="0"/>
+          <a:chOff x="0" y="0"/>
+          <a:chExt cx="0" cy="0"/>
+        </a:xfrm>
+      </p:grpSpPr>
+      <p:sp>
+        <p:nvSpPr>
+          <p:cNvPr id="2" name="Title 1">
+            <a:extLst>
+              <a:ext uri="{FF2B5EF4-FFF2-40B4-BE49-F238E27FC236}">
+                <a16:creationId xmlns:a16="http://schemas.microsoft.com/office/drawing/2014/main" id="{F2F695F2-C29A-80B9-6B13-655EC8952599}"/>
+              </a:ext>
+            </a:extLst>
+          </p:cNvPr>
+          <p:cNvSpPr>
+            <a:spLocks noGrp="1"/>
+          </p:cNvSpPr>
+          <p:nvPr>
+            <p:ph type="title"/>
+          </p:nvPr>
+        </p:nvSpPr>
+        <p:spPr/>
+        <p:txBody>
+          <a:bodyPr/>
+          <a:lstStyle/>
+          <a:p>
+            <a:r>
+              <a:rPr lang="en-US" dirty="0">
+                <a:solidFill>
+                  <a:srgbClr val="C00000"/>
+                </a:solidFill>
+                <a:latin typeface="Calibri Light" panose="020F0302020204030204" pitchFamily="34" charset="0"/>
+                <a:cs typeface="Calibri Light" panose="020F0302020204030204" pitchFamily="34" charset="0"/>
+              </a:rPr>
+              <a:t>Low-Rank Approximation</a:t>
+            </a:r>
+            <a:endParaRPr lang="en-US" dirty="0">
+              <a:latin typeface="Calibri Light" panose="020F0302020204030204" pitchFamily="34" charset="0"/>
+              <a:cs typeface="Calibri Light" panose="020F0302020204030204" pitchFamily="34" charset="0"/>
+            </a:endParaRPr>
+          </a:p>
+        </p:txBody>
+      </p:sp>
+      <mc:AlternateContent xmlns:mc="http://schemas.openxmlformats.org/markup-compatibility/2006">
+        <mc:Choice xmlns:a14="http://schemas.microsoft.com/office/drawing/2010/main" Requires="a14">
+          <p:sp>
+            <p:nvSpPr>
+              <p:cNvPr id="3" name="Content Placeholder 2">
+                <a:extLst>
+                  <a:ext uri="{FF2B5EF4-FFF2-40B4-BE49-F238E27FC236}">
+                    <a16:creationId xmlns:a16="http://schemas.microsoft.com/office/drawing/2014/main" id="{D0034A5B-6048-1266-3132-33C238F8C1D7}"/>
+                  </a:ext>
+                </a:extLst>
+              </p:cNvPr>
+              <p:cNvSpPr>
+                <a:spLocks noGrp="1"/>
+              </p:cNvSpPr>
+              <p:nvPr>
+                <p:ph idx="1"/>
+              </p:nvPr>
+            </p:nvSpPr>
+            <p:spPr/>
+            <p:txBody>
+              <a:bodyPr>
+                <a:normAutofit/>
+              </a:bodyPr>
+              <a:lstStyle/>
+              <a:p>
+                <a:pPr>
+                  <a:buClr>
+                    <a:schemeClr val="tx1"/>
+                  </a:buClr>
+                </a:pPr>
+                <a:r>
+                  <a:rPr lang="en-US" sz="3200" dirty="0">
+                    <a:latin typeface="Calibri" panose="020F0502020204030204" pitchFamily="34" charset="0"/>
+                    <a:cs typeface="Calibri" panose="020F0502020204030204" pitchFamily="34" charset="0"/>
+                  </a:rPr>
+                  <a:t>Closed form solution to find optimal </a:t>
+                </a:r>
+                <a14:m>
+                  <m:oMath xmlns:m="http://schemas.openxmlformats.org/officeDocument/2006/math">
+                    <m:r>
+                      <a:rPr lang="en-US" sz="3200" b="0" i="1" smtClean="0">
+                        <a:solidFill>
+                          <a:srgbClr val="C00000"/>
+                        </a:solidFill>
+                        <a:latin typeface="Cambria Math" panose="02040503050406030204" pitchFamily="18" charset="0"/>
+                        <a:cs typeface="Calibri" panose="020F0502020204030204" pitchFamily="34" charset="0"/>
+                      </a:rPr>
+                      <m:t>𝑈</m:t>
+                    </m:r>
+                    <m:r>
+                      <a:rPr lang="en-US" sz="3200" b="0" i="1" smtClean="0">
+                        <a:solidFill>
+                          <a:srgbClr val="C00000"/>
+                        </a:solidFill>
+                        <a:latin typeface="Cambria Math" panose="02040503050406030204" pitchFamily="18" charset="0"/>
+                        <a:cs typeface="Calibri" panose="020F0502020204030204" pitchFamily="34" charset="0"/>
+                      </a:rPr>
+                      <m:t>∈</m:t>
+                    </m:r>
+                    <m:sSup>
+                      <m:sSupPr>
+                        <m:ctrlPr>
+                          <a:rPr lang="en-US" sz="3200" b="0" i="1" smtClean="0">
+                            <a:solidFill>
+                              <a:srgbClr val="C00000"/>
+                            </a:solidFill>
+                            <a:latin typeface="Cambria Math" panose="02040503050406030204" pitchFamily="18" charset="0"/>
+                            <a:cs typeface="Calibri" panose="020F0502020204030204" pitchFamily="34" charset="0"/>
+                          </a:rPr>
+                        </m:ctrlPr>
+                      </m:sSupPr>
+                      <m:e>
+                        <m:r>
+                          <a:rPr lang="en-US" sz="3200" b="0" i="1" smtClean="0">
+                            <a:solidFill>
+                              <a:srgbClr val="C00000"/>
+                            </a:solidFill>
+                            <a:latin typeface="Cambria Math" panose="02040503050406030204" pitchFamily="18" charset="0"/>
+                            <a:cs typeface="Calibri" panose="020F0502020204030204" pitchFamily="34" charset="0"/>
+                          </a:rPr>
+                          <m:t>ℝ</m:t>
+                        </m:r>
+                      </m:e>
+                      <m:sup>
+                        <m:r>
+                          <a:rPr lang="en-US" sz="3200" b="0" i="1" smtClean="0">
+                            <a:solidFill>
+                              <a:srgbClr val="C00000"/>
+                            </a:solidFill>
+                            <a:latin typeface="Cambria Math" panose="02040503050406030204" pitchFamily="18" charset="0"/>
+                            <a:cs typeface="Calibri" panose="020F0502020204030204" pitchFamily="34" charset="0"/>
+                          </a:rPr>
+                          <m:t>𝑛</m:t>
+                        </m:r>
+                        <m:r>
+                          <a:rPr lang="en-US" sz="3200" b="0" i="1" smtClean="0">
+                            <a:solidFill>
+                              <a:srgbClr val="C00000"/>
+                            </a:solidFill>
+                            <a:latin typeface="Cambria Math" panose="02040503050406030204" pitchFamily="18" charset="0"/>
+                            <a:cs typeface="Calibri" panose="020F0502020204030204" pitchFamily="34" charset="0"/>
+                          </a:rPr>
+                          <m:t>×</m:t>
+                        </m:r>
+                        <m:r>
+                          <a:rPr lang="en-US" sz="3200" b="0" i="1" smtClean="0">
+                            <a:solidFill>
+                              <a:srgbClr val="C00000"/>
+                            </a:solidFill>
+                            <a:latin typeface="Cambria Math" panose="02040503050406030204" pitchFamily="18" charset="0"/>
+                            <a:cs typeface="Calibri" panose="020F0502020204030204" pitchFamily="34" charset="0"/>
+                          </a:rPr>
+                          <m:t>𝑘</m:t>
+                        </m:r>
+                      </m:sup>
+                    </m:sSup>
+                  </m:oMath>
+                </a14:m>
+                <a:r>
+                  <a:rPr lang="en-US" sz="3200" dirty="0">
+                    <a:latin typeface="Calibri" panose="020F0502020204030204" pitchFamily="34" charset="0"/>
+                    <a:cs typeface="Calibri" panose="020F0502020204030204" pitchFamily="34" charset="0"/>
+                  </a:rPr>
+                  <a:t>,</a:t>
+                </a:r>
+                <a:r>
+                  <a:rPr lang="en-US" sz="3200" dirty="0">
+                    <a:solidFill>
+                      <a:srgbClr val="C00000"/>
+                    </a:solidFill>
+                    <a:latin typeface="Calibri" panose="020F0502020204030204" pitchFamily="34" charset="0"/>
+                    <a:cs typeface="Calibri" panose="020F0502020204030204" pitchFamily="34" charset="0"/>
+                  </a:rPr>
+                  <a:t> </a:t>
+                </a:r>
+                <a14:m>
+                  <m:oMath xmlns:m="http://schemas.openxmlformats.org/officeDocument/2006/math">
+                    <m:r>
+                      <a:rPr lang="en-US" sz="3200" b="0" i="1" smtClean="0">
+                        <a:solidFill>
+                          <a:srgbClr val="C00000"/>
+                        </a:solidFill>
+                        <a:latin typeface="Cambria Math" panose="02040503050406030204" pitchFamily="18" charset="0"/>
+                      </a:rPr>
+                      <m:t>𝑉</m:t>
+                    </m:r>
+                    <m:r>
+                      <a:rPr lang="en-US" sz="3200" b="0" i="1" smtClean="0">
+                        <a:solidFill>
+                          <a:srgbClr val="C00000"/>
+                        </a:solidFill>
+                        <a:latin typeface="Cambria Math" panose="02040503050406030204" pitchFamily="18" charset="0"/>
+                      </a:rPr>
+                      <m:t>∈</m:t>
+                    </m:r>
+                    <m:sSup>
+                      <m:sSupPr>
+                        <m:ctrlPr>
+                          <a:rPr lang="en-US" sz="3200" b="0" i="1" smtClean="0">
+                            <a:solidFill>
+                              <a:srgbClr val="C00000"/>
+                            </a:solidFill>
+                            <a:latin typeface="Cambria Math" panose="02040503050406030204" pitchFamily="18" charset="0"/>
+                          </a:rPr>
+                        </m:ctrlPr>
+                      </m:sSupPr>
+                      <m:e>
+                        <m:r>
+                          <a:rPr lang="en-US" sz="3200" b="0" i="1" smtClean="0">
+                            <a:solidFill>
+                              <a:srgbClr val="C00000"/>
+                            </a:solidFill>
+                            <a:latin typeface="Cambria Math" panose="02040503050406030204" pitchFamily="18" charset="0"/>
+                          </a:rPr>
+                          <m:t>ℝ</m:t>
+                        </m:r>
+                      </m:e>
+                      <m:sup>
+                        <m:r>
+                          <a:rPr lang="en-US" sz="3200" b="0" i="1" smtClean="0">
+                            <a:solidFill>
+                              <a:srgbClr val="C00000"/>
+                            </a:solidFill>
+                            <a:latin typeface="Cambria Math" panose="02040503050406030204" pitchFamily="18" charset="0"/>
+                          </a:rPr>
+                          <m:t>𝑘</m:t>
+                        </m:r>
+                        <m:r>
+                          <a:rPr lang="en-US" sz="3200" b="0" i="1" smtClean="0">
+                            <a:solidFill>
+                              <a:srgbClr val="C00000"/>
+                            </a:solidFill>
+                            <a:latin typeface="Cambria Math" panose="02040503050406030204" pitchFamily="18" charset="0"/>
+                          </a:rPr>
+                          <m:t>×</m:t>
+                        </m:r>
+                        <m:r>
+                          <a:rPr lang="en-US" sz="3200" b="0" i="1" smtClean="0">
+                            <a:solidFill>
+                              <a:srgbClr val="C00000"/>
+                            </a:solidFill>
+                            <a:latin typeface="Cambria Math" panose="02040503050406030204" pitchFamily="18" charset="0"/>
+                          </a:rPr>
+                          <m:t>𝑑</m:t>
+                        </m:r>
+                      </m:sup>
+                    </m:sSup>
+                  </m:oMath>
+                </a14:m>
+                <a:r>
+                  <a:rPr lang="en-US" sz="3200" dirty="0">
+                    <a:latin typeface="Calibri" panose="020F0502020204030204" pitchFamily="34" charset="0"/>
+                    <a:cs typeface="Calibri" panose="020F0502020204030204" pitchFamily="34" charset="0"/>
+                  </a:rPr>
+                  <a:t> that minimizes </a:t>
+                </a:r>
+                <a14:m>
+                  <m:oMath xmlns:m="http://schemas.openxmlformats.org/officeDocument/2006/math">
+                    <m:sSub>
+                      <m:sSubPr>
+                        <m:ctrlPr>
+                          <a:rPr lang="en-US" sz="3200" b="0" i="1" smtClean="0">
+                            <a:solidFill>
+                              <a:srgbClr val="C00000"/>
+                            </a:solidFill>
+                            <a:latin typeface="Cambria Math" panose="02040503050406030204" pitchFamily="18" charset="0"/>
+                          </a:rPr>
+                        </m:ctrlPr>
+                      </m:sSubPr>
+                      <m:e>
+                        <m:d>
+                          <m:dPr>
+                            <m:begChr m:val="‖"/>
+                            <m:endChr m:val="‖"/>
+                            <m:ctrlPr>
+                              <a:rPr lang="en-US" sz="3200" b="0" i="1" smtClean="0">
+                                <a:solidFill>
+                                  <a:srgbClr val="C00000"/>
+                                </a:solidFill>
+                                <a:latin typeface="Cambria Math" panose="02040503050406030204" pitchFamily="18" charset="0"/>
+                              </a:rPr>
+                            </m:ctrlPr>
+                          </m:dPr>
+                          <m:e>
+                            <m:r>
+                              <a:rPr lang="en-US" sz="3200" b="0" i="1" smtClean="0">
+                                <a:solidFill>
+                                  <a:srgbClr val="C00000"/>
+                                </a:solidFill>
+                                <a:latin typeface="Cambria Math" panose="02040503050406030204" pitchFamily="18" charset="0"/>
+                              </a:rPr>
+                              <m:t>𝑈𝑉</m:t>
+                            </m:r>
+                            <m:r>
+                              <a:rPr lang="en-US" sz="3200" b="0" i="1" smtClean="0">
+                                <a:solidFill>
+                                  <a:srgbClr val="C00000"/>
+                                </a:solidFill>
+                                <a:latin typeface="Cambria Math" panose="02040503050406030204" pitchFamily="18" charset="0"/>
+                              </a:rPr>
+                              <m:t>−</m:t>
+                            </m:r>
+                            <m:r>
+                              <a:rPr lang="en-US" sz="3200" b="0" i="1" smtClean="0">
+                                <a:solidFill>
+                                  <a:srgbClr val="C00000"/>
+                                </a:solidFill>
+                                <a:latin typeface="Cambria Math" panose="02040503050406030204" pitchFamily="18" charset="0"/>
+                              </a:rPr>
+                              <m:t>𝐴</m:t>
+                            </m:r>
+                          </m:e>
+                        </m:d>
+                      </m:e>
+                      <m:sub>
+                        <m:r>
+                          <a:rPr lang="en-US" sz="3200" b="0" i="1" smtClean="0">
+                            <a:solidFill>
+                              <a:srgbClr val="C00000"/>
+                            </a:solidFill>
+                            <a:latin typeface="Cambria Math" panose="02040503050406030204" pitchFamily="18" charset="0"/>
+                          </a:rPr>
+                          <m:t>𝐹</m:t>
+                        </m:r>
+                      </m:sub>
+                    </m:sSub>
+                  </m:oMath>
+                </a14:m>
+                <a:r>
+                  <a:rPr lang="en-US" sz="3200" dirty="0">
+                    <a:solidFill>
+                      <a:srgbClr val="C00000"/>
+                    </a:solidFill>
+                    <a:latin typeface="Calibri" panose="020F0502020204030204" pitchFamily="34" charset="0"/>
+                    <a:cs typeface="Calibri" panose="020F0502020204030204" pitchFamily="34" charset="0"/>
+                  </a:rPr>
+                  <a:t> </a:t>
+                </a:r>
+              </a:p>
+              <a:p>
+                <a:pPr marL="0" indent="0">
+                  <a:buClr>
+                    <a:schemeClr val="tx1"/>
+                  </a:buClr>
+                  <a:buNone/>
+                </a:pPr>
+                <a:endParaRPr lang="en-US" sz="3200" dirty="0">
+                  <a:latin typeface="Calibri" panose="020F0502020204030204" pitchFamily="34" charset="0"/>
+                  <a:cs typeface="Calibri" panose="020F0502020204030204" pitchFamily="34" charset="0"/>
+                </a:endParaRPr>
+              </a:p>
+              <a:p>
+                <a:pPr>
+                  <a:buClr>
+                    <a:schemeClr val="tx1"/>
+                  </a:buClr>
+                </a:pPr>
+                <a14:m>
+                  <m:oMath xmlns:m="http://schemas.openxmlformats.org/officeDocument/2006/math">
+                    <m:r>
+                      <a:rPr lang="en-US" sz="3200" b="0" i="1" smtClean="0">
+                        <a:solidFill>
+                          <a:srgbClr val="C00000"/>
+                        </a:solidFill>
+                        <a:latin typeface="Cambria Math" panose="02040503050406030204" pitchFamily="18" charset="0"/>
+                      </a:rPr>
+                      <m:t>𝑉</m:t>
+                    </m:r>
+                  </m:oMath>
+                </a14:m>
+                <a:r>
+                  <a:rPr lang="en-US" sz="3200" dirty="0">
+                    <a:latin typeface="Calibri" panose="020F0502020204030204" pitchFamily="34" charset="0"/>
+                    <a:cs typeface="Calibri" panose="020F0502020204030204" pitchFamily="34" charset="0"/>
+                  </a:rPr>
+                  <a:t> is the top </a:t>
+                </a:r>
+                <a14:m>
+                  <m:oMath xmlns:m="http://schemas.openxmlformats.org/officeDocument/2006/math">
+                    <m:r>
+                      <a:rPr lang="en-US" sz="3200" i="1">
+                        <a:solidFill>
+                          <a:srgbClr val="C00000"/>
+                        </a:solidFill>
+                        <a:latin typeface="Cambria Math" panose="02040503050406030204" pitchFamily="18" charset="0"/>
+                      </a:rPr>
+                      <m:t>𝑘</m:t>
+                    </m:r>
+                  </m:oMath>
+                </a14:m>
+                <a:r>
+                  <a:rPr lang="en-US" sz="3200" dirty="0">
+                    <a:latin typeface="Calibri" panose="020F0502020204030204" pitchFamily="34" charset="0"/>
+                    <a:cs typeface="Calibri" panose="020F0502020204030204" pitchFamily="34" charset="0"/>
+                  </a:rPr>
+                  <a:t> right singular vectors of </a:t>
+                </a:r>
+                <a14:m>
+                  <m:oMath xmlns:m="http://schemas.openxmlformats.org/officeDocument/2006/math">
+                    <m:r>
+                      <a:rPr lang="en-US" sz="3200" b="0" i="1" smtClean="0">
+                        <a:solidFill>
+                          <a:srgbClr val="C00000"/>
+                        </a:solidFill>
+                        <a:latin typeface="Cambria Math" panose="02040503050406030204" pitchFamily="18" charset="0"/>
+                      </a:rPr>
+                      <m:t>𝐴</m:t>
+                    </m:r>
+                  </m:oMath>
+                </a14:m>
+                <a:endParaRPr lang="en-US" sz="3200" dirty="0">
+                  <a:latin typeface="Calibri" panose="020F0502020204030204" pitchFamily="34" charset="0"/>
+                  <a:cs typeface="Calibri" panose="020F0502020204030204" pitchFamily="34" charset="0"/>
+                </a:endParaRPr>
+              </a:p>
+              <a:p>
+                <a:pPr>
+                  <a:buClr>
+                    <a:schemeClr val="tx1"/>
+                  </a:buClr>
+                </a:pPr>
+                <a:endParaRPr lang="en-US" sz="3200" dirty="0">
+                  <a:latin typeface="Calibri" panose="020F0502020204030204" pitchFamily="34" charset="0"/>
+                  <a:cs typeface="Calibri" panose="020F0502020204030204" pitchFamily="34" charset="0"/>
+                </a:endParaRPr>
+              </a:p>
+              <a:p>
+                <a:pPr>
+                  <a:buClr>
+                    <a:schemeClr val="tx1"/>
+                  </a:buClr>
+                </a:pPr>
+                <a:r>
+                  <a:rPr lang="en-US" sz="3200" dirty="0">
+                    <a:latin typeface="Calibri" panose="020F0502020204030204" pitchFamily="34" charset="0"/>
+                    <a:cs typeface="Calibri" panose="020F0502020204030204" pitchFamily="34" charset="0"/>
+                  </a:rPr>
+                  <a:t>Can be computed in polynomial time using singular value decomposition (SVD)</a:t>
+                </a:r>
+              </a:p>
+            </p:txBody>
+          </p:sp>
+        </mc:Choice>
+        <mc:Fallback>
+          <p:sp>
+            <p:nvSpPr>
+              <p:cNvPr id="3" name="Content Placeholder 2">
+                <a:extLst>
+                  <a:ext uri="{FF2B5EF4-FFF2-40B4-BE49-F238E27FC236}">
+                    <a16:creationId xmlns:a16="http://schemas.microsoft.com/office/drawing/2014/main" id="{D0034A5B-6048-1266-3132-33C238F8C1D7}"/>
+                  </a:ext>
+                </a:extLst>
+              </p:cNvPr>
+              <p:cNvSpPr>
+                <a:spLocks noGrp="1" noRot="1" noChangeAspect="1" noMove="1" noResize="1" noEditPoints="1" noAdjustHandles="1" noChangeArrowheads="1" noChangeShapeType="1" noTextEdit="1"/>
+              </p:cNvSpPr>
+              <p:nvPr>
+                <p:ph idx="1"/>
+              </p:nvPr>
+            </p:nvSpPr>
+            <p:spPr>
+              <a:blipFill>
+                <a:blip r:embed="rId2"/>
+                <a:stretch>
+                  <a:fillRect l="-1333" t="-2661"/>
+                </a:stretch>
+              </a:blipFill>
+            </p:spPr>
+            <p:txBody>
+              <a:bodyPr/>
+              <a:lstStyle/>
+              <a:p>
+                <a:r>
+                  <a:rPr lang="en-US">
+                    <a:noFill/>
+                  </a:rPr>
+                  <a:t> </a:t>
+                </a:r>
+              </a:p>
+            </p:txBody>
+          </p:sp>
+        </mc:Fallback>
+      </mc:AlternateContent>
+    </p:spTree>
+    <p:extLst>
+      <p:ext uri="{BB962C8B-B14F-4D97-AF65-F5344CB8AC3E}">
+        <p14:creationId xmlns:p14="http://schemas.microsoft.com/office/powerpoint/2010/main" val="3530320203"/>
+      </p:ext>
+    </p:extLst>
+  </p:cSld>
+  <p:clrMapOvr>
+    <a:masterClrMapping/>
+  </p:clrMapOvr>
+</p:sld>
+</file>
+
+<file path=ppt/slides/slide4.xml><?xml version="1.0" encoding="utf-8"?>
+<p:sld xmlns:a="http://schemas.openxmlformats.org/drawingml/2006/main" xmlns:r="http://schemas.openxmlformats.org/officeDocument/2006/relationships" xmlns:p="http://schemas.openxmlformats.org/presentationml/2006/main">
+  <p:cSld>
+    <p:spTree>
+      <p:nvGrpSpPr>
+        <p:cNvPr id="1" name="">
+          <a:extLst>
+            <a:ext uri="{FF2B5EF4-FFF2-40B4-BE49-F238E27FC236}">
+              <a16:creationId xmlns:a16="http://schemas.microsoft.com/office/drawing/2014/main" id="{B9C88D3D-6312-30DC-5911-09ECDB106AE0}"/>
+            </a:ext>
+          </a:extLst>
+        </p:cNvPr>
+        <p:cNvGrpSpPr/>
+        <p:nvPr/>
+      </p:nvGrpSpPr>
+      <p:grpSpPr>
+        <a:xfrm>
+          <a:off x="0" y="0"/>
+          <a:ext cx="0" cy="0"/>
+          <a:chOff x="0" y="0"/>
+          <a:chExt cx="0" cy="0"/>
+        </a:xfrm>
+      </p:grpSpPr>
+      <p:sp>
+        <p:nvSpPr>
+          <p:cNvPr id="2" name="Title 1">
+            <a:extLst>
+              <a:ext uri="{FF2B5EF4-FFF2-40B4-BE49-F238E27FC236}">
+                <a16:creationId xmlns:a16="http://schemas.microsoft.com/office/drawing/2014/main" id="{1A5F749F-2C74-DB80-5481-09482F83B7AD}"/>
+              </a:ext>
+            </a:extLst>
+          </p:cNvPr>
+          <p:cNvSpPr>
+            <a:spLocks noGrp="1"/>
+          </p:cNvSpPr>
+          <p:nvPr>
+            <p:ph type="title"/>
+          </p:nvPr>
+        </p:nvSpPr>
+        <p:spPr/>
+        <p:txBody>
+          <a:bodyPr/>
+          <a:lstStyle/>
+          <a:p>
+            <a:r>
+              <a:rPr lang="en-US" dirty="0">
+                <a:solidFill>
+                  <a:srgbClr val="C00000"/>
+                </a:solidFill>
+                <a:latin typeface="Calibri Light" panose="020F0302020204030204" pitchFamily="34" charset="0"/>
+                <a:cs typeface="Calibri Light" panose="020F0302020204030204" pitchFamily="34" charset="0"/>
+              </a:rPr>
+              <a:t>Column Subset Selection</a:t>
+            </a:r>
+          </a:p>
+        </p:txBody>
+      </p:sp>
+      <p:sp>
+        <p:nvSpPr>
+          <p:cNvPr id="3" name="Content Placeholder 2">
+            <a:extLst>
+              <a:ext uri="{FF2B5EF4-FFF2-40B4-BE49-F238E27FC236}">
+                <a16:creationId xmlns:a16="http://schemas.microsoft.com/office/drawing/2014/main" id="{C2CD096F-4431-A84E-21D3-C7E1C3F43307}"/>
+              </a:ext>
+            </a:extLst>
+          </p:cNvPr>
+          <p:cNvSpPr>
+            <a:spLocks noGrp="1"/>
+          </p:cNvSpPr>
+          <p:nvPr>
+            <p:ph idx="1"/>
+          </p:nvPr>
+        </p:nvSpPr>
+        <p:spPr/>
+        <p:txBody>
+          <a:bodyPr/>
+          <a:lstStyle/>
+          <a:p>
+            <a:pPr marL="0" indent="0">
+              <a:buNone/>
+            </a:pPr>
+            <a:r>
+              <a:rPr lang="en-US" dirty="0"/>
+              <a:t>1  3  5 -2  7  0 11  4 -8</a:t>
+            </a:r>
+          </a:p>
+          <a:p>
+            <a:pPr marL="0" indent="0">
+              <a:buNone/>
+            </a:pPr>
+            <a:r>
+              <a:rPr lang="en-US" dirty="0"/>
+              <a:t>0  0 -1  3 13 2  8   6  2</a:t>
+            </a:r>
+          </a:p>
+          <a:p>
+            <a:pPr marL="0" indent="0">
+              <a:buNone/>
+            </a:pPr>
+            <a:r>
+              <a:rPr lang="en-US" dirty="0"/>
+              <a:t>2  5  6  1  4  0  -7  5  3</a:t>
+            </a:r>
+          </a:p>
+          <a:p>
+            <a:pPr marL="0" indent="0">
+              <a:buNone/>
+            </a:pPr>
+            <a:r>
+              <a:rPr lang="en-US" dirty="0"/>
+              <a:t>8  7  2  1 -1 -3 -2 -4 -6</a:t>
+            </a:r>
+          </a:p>
+          <a:p>
+            <a:pPr marL="0" indent="0">
+              <a:buNone/>
+            </a:pPr>
+            <a:r>
+              <a:rPr lang="en-US" dirty="0"/>
+              <a:t>-5 3 -4 -1 -2 -1 0 -3  -1</a:t>
+            </a:r>
+          </a:p>
+          <a:p>
+            <a:pPr marL="0" indent="0">
+              <a:buNone/>
+            </a:pPr>
+            <a:r>
+              <a:rPr lang="en-US" dirty="0"/>
+              <a:t>7  1  3  2  4  1  0  11  1</a:t>
+            </a:r>
+          </a:p>
+          <a:p>
+            <a:pPr marL="0" indent="0">
+              <a:buNone/>
+            </a:pPr>
+            <a:endParaRPr lang="en-US" dirty="0"/>
+          </a:p>
+        </p:txBody>
+      </p:sp>
+      <p:sp>
+        <p:nvSpPr>
+          <p:cNvPr id="4" name="Rectangle 3">
+            <a:extLst>
+              <a:ext uri="{FF2B5EF4-FFF2-40B4-BE49-F238E27FC236}">
+                <a16:creationId xmlns:a16="http://schemas.microsoft.com/office/drawing/2014/main" id="{9A05C659-7830-91FC-4A61-14031BF6CFBE}"/>
+              </a:ext>
+            </a:extLst>
+          </p:cNvPr>
+          <p:cNvSpPr/>
+          <p:nvPr/>
+        </p:nvSpPr>
+        <p:spPr>
+          <a:xfrm>
+            <a:off x="838200" y="1825625"/>
+            <a:ext cx="3304032" cy="3031638"/>
+          </a:xfrm>
+          <a:prstGeom prst="rect">
+            <a:avLst/>
+          </a:prstGeom>
+          <a:noFill/>
+          <a:ln w="57150">
+            <a:prstDash val="sysDash"/>
+          </a:ln>
+        </p:spPr>
+        <p:style>
+          <a:lnRef idx="2">
+            <a:schemeClr val="accent1">
+              <a:shade val="50000"/>
+            </a:schemeClr>
+          </a:lnRef>
+          <a:fillRef idx="1">
+            <a:schemeClr val="accent1"/>
+          </a:fillRef>
+          <a:effectRef idx="0">
+            <a:schemeClr val="accent1"/>
+          </a:effectRef>
+          <a:fontRef idx="minor">
+            <a:schemeClr val="lt1"/>
+          </a:fontRef>
+        </p:style>
+        <p:txBody>
+          <a:bodyPr rtlCol="0" anchor="ctr"/>
+          <a:lstStyle/>
+          <a:p>
+            <a:pPr algn="ctr"/>
+            <a:endParaRPr lang="en-US"/>
+          </a:p>
+        </p:txBody>
+      </p:sp>
+      <mc:AlternateContent xmlns:mc="http://schemas.openxmlformats.org/markup-compatibility/2006">
+        <mc:Choice xmlns:a14="http://schemas.microsoft.com/office/drawing/2010/main" Requires="a14">
+          <p:sp>
+            <p:nvSpPr>
+              <p:cNvPr id="6" name="Rectangle 5">
+                <a:extLst>
+                  <a:ext uri="{FF2B5EF4-FFF2-40B4-BE49-F238E27FC236}">
+                    <a16:creationId xmlns:a16="http://schemas.microsoft.com/office/drawing/2014/main" id="{4EC399B9-6B7D-0B87-D5B4-0D6AC515BFE7}"/>
+                  </a:ext>
+                </a:extLst>
+              </p:cNvPr>
+              <p:cNvSpPr/>
+              <p:nvPr/>
+            </p:nvSpPr>
+            <p:spPr>
+              <a:xfrm>
+                <a:off x="4842217" y="1825625"/>
+                <a:ext cx="5700815" cy="4049570"/>
+              </a:xfrm>
+              <a:prstGeom prst="rect">
+                <a:avLst/>
+              </a:prstGeom>
+            </p:spPr>
+            <p:txBody>
+              <a:bodyPr wrap="square">
+                <a:spAutoFit/>
+              </a:bodyPr>
+              <a:lstStyle/>
+              <a:p>
+                <a:pPr marL="457200" indent="-457200">
+                  <a:buFont typeface="Arial" panose="020B0604020202020204" pitchFamily="34" charset="0"/>
+                  <a:buChar char="•"/>
+                </a:pPr>
+                <a:r>
+                  <a:rPr lang="en-US" sz="3200" dirty="0">
+                    <a:latin typeface="Calibri" panose="020F0502020204030204" pitchFamily="34" charset="0"/>
+                    <a:cs typeface="Calibri" panose="020F0502020204030204" pitchFamily="34" charset="0"/>
+                  </a:rPr>
+                  <a:t>Find matrices </a:t>
+                </a:r>
+                <a14:m>
+                  <m:oMath xmlns:m="http://schemas.openxmlformats.org/officeDocument/2006/math">
+                    <m:r>
+                      <a:rPr lang="en-US" sz="3200" i="1">
+                        <a:solidFill>
+                          <a:srgbClr val="C00000"/>
+                        </a:solidFill>
+                        <a:latin typeface="Cambria Math" panose="02040503050406030204" pitchFamily="18" charset="0"/>
+                        <a:cs typeface="Calibri" panose="020F0502020204030204" pitchFamily="34" charset="0"/>
+                      </a:rPr>
+                      <m:t>𝑈</m:t>
+                    </m:r>
+                    <m:r>
+                      <a:rPr lang="en-US" sz="3200" i="1">
+                        <a:solidFill>
+                          <a:srgbClr val="C00000"/>
+                        </a:solidFill>
+                        <a:latin typeface="Cambria Math" panose="02040503050406030204" pitchFamily="18" charset="0"/>
+                        <a:cs typeface="Calibri" panose="020F0502020204030204" pitchFamily="34" charset="0"/>
+                      </a:rPr>
+                      <m:t>∈</m:t>
+                    </m:r>
+                    <m:sSup>
+                      <m:sSupPr>
+                        <m:ctrlPr>
+                          <a:rPr lang="en-US" sz="3200" i="1">
+                            <a:solidFill>
+                              <a:srgbClr val="C00000"/>
+                            </a:solidFill>
+                            <a:latin typeface="Cambria Math" panose="02040503050406030204" pitchFamily="18" charset="0"/>
+                            <a:cs typeface="Calibri" panose="020F0502020204030204" pitchFamily="34" charset="0"/>
+                          </a:rPr>
+                        </m:ctrlPr>
+                      </m:sSupPr>
+                      <m:e>
+                        <m:r>
+                          <a:rPr lang="en-US" sz="3200" i="1">
+                            <a:solidFill>
+                              <a:srgbClr val="C00000"/>
+                            </a:solidFill>
+                            <a:latin typeface="Cambria Math" panose="02040503050406030204" pitchFamily="18" charset="0"/>
+                            <a:cs typeface="Calibri" panose="020F0502020204030204" pitchFamily="34" charset="0"/>
+                          </a:rPr>
+                          <m:t>ℝ</m:t>
+                        </m:r>
+                      </m:e>
+                      <m:sup>
+                        <m:r>
+                          <a:rPr lang="en-US" sz="3200" i="1">
+                            <a:solidFill>
+                              <a:srgbClr val="C00000"/>
+                            </a:solidFill>
+                            <a:latin typeface="Cambria Math" panose="02040503050406030204" pitchFamily="18" charset="0"/>
+                            <a:cs typeface="Calibri" panose="020F0502020204030204" pitchFamily="34" charset="0"/>
+                          </a:rPr>
+                          <m:t>𝑛</m:t>
+                        </m:r>
+                        <m:r>
+                          <a:rPr lang="en-US" sz="3200" i="1">
+                            <a:solidFill>
+                              <a:srgbClr val="C00000"/>
+                            </a:solidFill>
+                            <a:latin typeface="Cambria Math" panose="02040503050406030204" pitchFamily="18" charset="0"/>
+                            <a:cs typeface="Calibri" panose="020F0502020204030204" pitchFamily="34" charset="0"/>
+                          </a:rPr>
+                          <m:t>×</m:t>
+                        </m:r>
+                        <m:r>
+                          <a:rPr lang="en-US" sz="3200" i="1">
+                            <a:solidFill>
+                              <a:srgbClr val="C00000"/>
+                            </a:solidFill>
+                            <a:latin typeface="Cambria Math" panose="02040503050406030204" pitchFamily="18" charset="0"/>
+                            <a:cs typeface="Calibri" panose="020F0502020204030204" pitchFamily="34" charset="0"/>
+                          </a:rPr>
+                          <m:t>𝑘</m:t>
+                        </m:r>
+                      </m:sup>
+                    </m:sSup>
+                  </m:oMath>
+                </a14:m>
+                <a:r>
+                  <a:rPr lang="en-US" sz="3200" dirty="0">
+                    <a:latin typeface="Calibri" panose="020F0502020204030204" pitchFamily="34" charset="0"/>
+                    <a:cs typeface="Calibri" panose="020F0502020204030204" pitchFamily="34" charset="0"/>
+                  </a:rPr>
+                  <a:t>,</a:t>
+                </a:r>
+                <a:r>
+                  <a:rPr lang="en-US" sz="3200" dirty="0">
+                    <a:solidFill>
+                      <a:srgbClr val="C00000"/>
+                    </a:solidFill>
+                  </a:rPr>
+                  <a:t> </a:t>
+                </a:r>
+                <a14:m>
+                  <m:oMath xmlns:m="http://schemas.openxmlformats.org/officeDocument/2006/math">
+                    <m:r>
+                      <a:rPr lang="en-US" sz="3200" i="1">
+                        <a:solidFill>
+                          <a:srgbClr val="C00000"/>
+                        </a:solidFill>
+                        <a:latin typeface="Cambria Math" panose="02040503050406030204" pitchFamily="18" charset="0"/>
+                      </a:rPr>
+                      <m:t>𝑉</m:t>
+                    </m:r>
+                    <m:r>
+                      <a:rPr lang="en-US" sz="3200" i="1">
+                        <a:solidFill>
+                          <a:srgbClr val="C00000"/>
+                        </a:solidFill>
+                        <a:latin typeface="Cambria Math" panose="02040503050406030204" pitchFamily="18" charset="0"/>
+                      </a:rPr>
+                      <m:t>∈</m:t>
+                    </m:r>
+                    <m:sSup>
+                      <m:sSupPr>
+                        <m:ctrlPr>
+                          <a:rPr lang="en-US" sz="3200" i="1">
+                            <a:solidFill>
+                              <a:srgbClr val="C00000"/>
+                            </a:solidFill>
+                            <a:latin typeface="Cambria Math" panose="02040503050406030204" pitchFamily="18" charset="0"/>
+                          </a:rPr>
+                        </m:ctrlPr>
+                      </m:sSupPr>
+                      <m:e>
+                        <m:r>
+                          <a:rPr lang="en-US" sz="3200" i="1">
+                            <a:solidFill>
+                              <a:srgbClr val="C00000"/>
+                            </a:solidFill>
+                            <a:latin typeface="Cambria Math" panose="02040503050406030204" pitchFamily="18" charset="0"/>
+                          </a:rPr>
+                          <m:t>ℝ</m:t>
+                        </m:r>
+                      </m:e>
+                      <m:sup>
+                        <m:r>
+                          <a:rPr lang="en-US" sz="3200" i="1">
+                            <a:solidFill>
+                              <a:srgbClr val="C00000"/>
+                            </a:solidFill>
+                            <a:latin typeface="Cambria Math" panose="02040503050406030204" pitchFamily="18" charset="0"/>
+                          </a:rPr>
+                          <m:t>𝑘</m:t>
+                        </m:r>
+                        <m:r>
+                          <a:rPr lang="en-US" sz="3200" i="1">
+                            <a:solidFill>
+                              <a:srgbClr val="C00000"/>
+                            </a:solidFill>
+                            <a:latin typeface="Cambria Math" panose="02040503050406030204" pitchFamily="18" charset="0"/>
+                          </a:rPr>
+                          <m:t>×</m:t>
+                        </m:r>
+                        <m:r>
+                          <a:rPr lang="en-US" sz="3200" i="1">
+                            <a:solidFill>
+                              <a:srgbClr val="C00000"/>
+                            </a:solidFill>
+                            <a:latin typeface="Cambria Math" panose="02040503050406030204" pitchFamily="18" charset="0"/>
+                          </a:rPr>
+                          <m:t>𝑑</m:t>
+                        </m:r>
+                      </m:sup>
+                    </m:sSup>
+                  </m:oMath>
+                </a14:m>
+                <a:r>
+                  <a:rPr lang="en-US" sz="3200" dirty="0">
+                    <a:latin typeface="Calibri" panose="020F0502020204030204" pitchFamily="34" charset="0"/>
+                    <a:cs typeface="Calibri" panose="020F0502020204030204" pitchFamily="34" charset="0"/>
+                  </a:rPr>
+                  <a:t> that minimizes </a:t>
+                </a:r>
+                <a14:m>
+                  <m:oMath xmlns:m="http://schemas.openxmlformats.org/officeDocument/2006/math">
+                    <m:sSub>
+                      <m:sSubPr>
+                        <m:ctrlPr>
+                          <a:rPr lang="en-US" sz="3200" i="1">
+                            <a:solidFill>
+                              <a:srgbClr val="C00000"/>
+                            </a:solidFill>
+                            <a:latin typeface="Cambria Math" panose="02040503050406030204" pitchFamily="18" charset="0"/>
+                          </a:rPr>
+                        </m:ctrlPr>
+                      </m:sSubPr>
+                      <m:e>
+                        <m:d>
+                          <m:dPr>
+                            <m:begChr m:val="‖"/>
+                            <m:endChr m:val="‖"/>
+                            <m:ctrlPr>
+                              <a:rPr lang="en-US" sz="3200" i="1">
+                                <a:solidFill>
+                                  <a:srgbClr val="C00000"/>
+                                </a:solidFill>
+                                <a:latin typeface="Cambria Math" panose="02040503050406030204" pitchFamily="18" charset="0"/>
+                              </a:rPr>
+                            </m:ctrlPr>
+                          </m:dPr>
+                          <m:e>
+                            <m:r>
+                              <a:rPr lang="en-US" sz="3200" i="1">
+                                <a:solidFill>
+                                  <a:srgbClr val="C00000"/>
+                                </a:solidFill>
+                                <a:latin typeface="Cambria Math" panose="02040503050406030204" pitchFamily="18" charset="0"/>
+                              </a:rPr>
+                              <m:t>𝑈𝑉</m:t>
+                            </m:r>
+                            <m:r>
+                              <a:rPr lang="en-US" sz="3200" i="1">
+                                <a:solidFill>
+                                  <a:srgbClr val="C00000"/>
+                                </a:solidFill>
+                                <a:latin typeface="Cambria Math" panose="02040503050406030204" pitchFamily="18" charset="0"/>
+                              </a:rPr>
+                              <m:t>−</m:t>
+                            </m:r>
+                            <m:r>
+                              <a:rPr lang="en-US" sz="3200" i="1">
+                                <a:solidFill>
+                                  <a:srgbClr val="C00000"/>
+                                </a:solidFill>
+                                <a:latin typeface="Cambria Math" panose="02040503050406030204" pitchFamily="18" charset="0"/>
+                              </a:rPr>
+                              <m:t>𝐴</m:t>
+                            </m:r>
+                          </m:e>
+                        </m:d>
+                      </m:e>
+                      <m:sub>
+                        <m:r>
+                          <a:rPr lang="en-US" sz="3200" i="1">
+                            <a:solidFill>
+                              <a:srgbClr val="C00000"/>
+                            </a:solidFill>
+                            <a:latin typeface="Cambria Math" panose="02040503050406030204" pitchFamily="18" charset="0"/>
+                          </a:rPr>
+                          <m:t>𝐹</m:t>
+                        </m:r>
+                      </m:sub>
+                    </m:sSub>
+                  </m:oMath>
+                </a14:m>
+                <a:r>
+                  <a:rPr lang="en-US" sz="3200" dirty="0">
+                    <a:latin typeface="Calibri" panose="020F0502020204030204" pitchFamily="34" charset="0"/>
+                    <a:cs typeface="Calibri" panose="020F0502020204030204" pitchFamily="34" charset="0"/>
+                  </a:rPr>
+                  <a:t>, where </a:t>
+                </a:r>
+                <a14:m>
+                  <m:oMath xmlns:m="http://schemas.openxmlformats.org/officeDocument/2006/math">
+                    <m:r>
+                      <a:rPr lang="en-US" sz="3200" i="1">
+                        <a:solidFill>
+                          <a:srgbClr val="C00000"/>
+                        </a:solidFill>
+                        <a:latin typeface="Cambria Math" panose="02040503050406030204" pitchFamily="18" charset="0"/>
+                      </a:rPr>
+                      <m:t>𝑉</m:t>
+                    </m:r>
+                  </m:oMath>
+                </a14:m>
+                <a:r>
+                  <a:rPr lang="en-US" sz="3200" dirty="0">
+                    <a:latin typeface="Calibri" panose="020F0502020204030204" pitchFamily="34" charset="0"/>
+                    <a:cs typeface="Calibri" panose="020F0502020204030204" pitchFamily="34" charset="0"/>
+                  </a:rPr>
+                  <a:t> is </a:t>
+                </a:r>
+                <a14:m>
+                  <m:oMath xmlns:m="http://schemas.openxmlformats.org/officeDocument/2006/math">
+                    <m:r>
+                      <a:rPr lang="en-US" sz="3200" i="1">
+                        <a:solidFill>
+                          <a:srgbClr val="C00000"/>
+                        </a:solidFill>
+                        <a:latin typeface="Cambria Math" panose="02040503050406030204" pitchFamily="18" charset="0"/>
+                      </a:rPr>
+                      <m:t>𝑘</m:t>
+                    </m:r>
+                  </m:oMath>
+                </a14:m>
+                <a:r>
+                  <a:rPr lang="en-US" sz="3200" dirty="0">
+                    <a:latin typeface="Calibri" panose="020F0502020204030204" pitchFamily="34" charset="0"/>
+                    <a:cs typeface="Calibri" panose="020F0502020204030204" pitchFamily="34" charset="0"/>
+                  </a:rPr>
+                  <a:t> columns of </a:t>
+                </a:r>
+                <a14:m>
+                  <m:oMath xmlns:m="http://schemas.openxmlformats.org/officeDocument/2006/math">
+                    <m:r>
+                      <a:rPr lang="en-US" sz="3200" b="0" i="1" smtClean="0">
+                        <a:solidFill>
+                          <a:srgbClr val="C00000"/>
+                        </a:solidFill>
+                        <a:latin typeface="Cambria Math" panose="02040503050406030204" pitchFamily="18" charset="0"/>
+                      </a:rPr>
+                      <m:t>𝐴</m:t>
+                    </m:r>
+                  </m:oMath>
+                </a14:m>
+                <a:endParaRPr lang="en-US" sz="3200" dirty="0">
+                  <a:solidFill>
+                    <a:srgbClr val="C00000"/>
+                  </a:solidFill>
+                  <a:latin typeface="Calibri" panose="020F0502020204030204" pitchFamily="34" charset="0"/>
+                  <a:cs typeface="Calibri" panose="020F0502020204030204" pitchFamily="34" charset="0"/>
+                </a:endParaRPr>
+              </a:p>
+              <a:p>
+                <a:pPr marL="457200" indent="-457200">
+                  <a:buFont typeface="Arial" panose="020B0604020202020204" pitchFamily="34" charset="0"/>
+                  <a:buChar char="•"/>
+                </a:pPr>
+                <a:r>
+                  <a:rPr lang="en-US" sz="3200" dirty="0">
+                    <a:latin typeface="Calibri" panose="020F0502020204030204" pitchFamily="34" charset="0"/>
+                    <a:cs typeface="Calibri" panose="020F0502020204030204" pitchFamily="34" charset="0"/>
+                  </a:rPr>
+                  <a:t>Finding structure among noise</a:t>
+                </a:r>
+              </a:p>
+              <a:p>
+                <a:pPr marL="457200" indent="-457200">
+                  <a:buFont typeface="Arial" panose="020B0604020202020204" pitchFamily="34" charset="0"/>
+                  <a:buChar char="•"/>
+                </a:pPr>
+                <a:r>
+                  <a:rPr lang="en-US" sz="3200" dirty="0">
+                    <a:latin typeface="Calibri" panose="020F0502020204030204" pitchFamily="34" charset="0"/>
+                    <a:cs typeface="Calibri" panose="020F0502020204030204" pitchFamily="34" charset="0"/>
+                  </a:rPr>
+                  <a:t>Low-rank approximation variant with better interpretability</a:t>
+                </a:r>
+              </a:p>
+            </p:txBody>
+          </p:sp>
+        </mc:Choice>
+        <mc:Fallback>
+          <p:sp>
+            <p:nvSpPr>
+              <p:cNvPr id="6" name="Rectangle 5">
+                <a:extLst>
+                  <a:ext uri="{FF2B5EF4-FFF2-40B4-BE49-F238E27FC236}">
+                    <a16:creationId xmlns:a16="http://schemas.microsoft.com/office/drawing/2014/main" id="{4EC399B9-6B7D-0B87-D5B4-0D6AC515BFE7}"/>
+                  </a:ext>
+                </a:extLst>
+              </p:cNvPr>
+              <p:cNvSpPr>
+                <a:spLocks noRot="1" noChangeAspect="1" noMove="1" noResize="1" noEditPoints="1" noAdjustHandles="1" noChangeArrowheads="1" noChangeShapeType="1" noTextEdit="1"/>
+              </p:cNvSpPr>
+              <p:nvPr/>
+            </p:nvSpPr>
+            <p:spPr>
+              <a:xfrm>
+                <a:off x="4842217" y="1825625"/>
+                <a:ext cx="5700815" cy="4049570"/>
+              </a:xfrm>
+              <a:prstGeom prst="rect">
+                <a:avLst/>
+              </a:prstGeom>
+              <a:blipFill>
+                <a:blip r:embed="rId2"/>
+                <a:stretch>
+                  <a:fillRect l="-2457" t="-1654" r="-1816" b="-3910"/>
+                </a:stretch>
+              </a:blipFill>
+            </p:spPr>
+            <p:txBody>
+              <a:bodyPr/>
+              <a:lstStyle/>
+              <a:p>
+                <a:r>
+                  <a:rPr lang="en-US">
+                    <a:noFill/>
+                  </a:rPr>
+                  <a:t> </a:t>
+                </a:r>
+              </a:p>
+            </p:txBody>
+          </p:sp>
+        </mc:Fallback>
+      </mc:AlternateContent>
+      <mc:AlternateContent xmlns:mc="http://schemas.openxmlformats.org/markup-compatibility/2006">
+        <mc:Choice xmlns:a14="http://schemas.microsoft.com/office/drawing/2010/main" Requires="a14">
+          <p:sp>
+            <p:nvSpPr>
+              <p:cNvPr id="7" name="Rectangle 6">
+                <a:extLst>
+                  <a:ext uri="{FF2B5EF4-FFF2-40B4-BE49-F238E27FC236}">
+                    <a16:creationId xmlns:a16="http://schemas.microsoft.com/office/drawing/2014/main" id="{D2100A14-6A3F-12EB-CB4F-3DCD1B11B78B}"/>
+                  </a:ext>
+                </a:extLst>
+              </p:cNvPr>
+              <p:cNvSpPr/>
+              <p:nvPr/>
+            </p:nvSpPr>
+            <p:spPr>
+              <a:xfrm>
+                <a:off x="305260" y="3156778"/>
+                <a:ext cx="471347" cy="523220"/>
+              </a:xfrm>
+              <a:prstGeom prst="rect">
+                <a:avLst/>
+              </a:prstGeom>
+            </p:spPr>
+            <p:txBody>
+              <a:bodyPr wrap="none">
+                <a:spAutoFit/>
+              </a:bodyPr>
+              <a:lstStyle/>
+              <a:p>
+                <a:pPr/>
+                <a14:m>
+                  <m:oMathPara xmlns:m="http://schemas.openxmlformats.org/officeDocument/2006/math">
+                    <m:oMathParaPr>
+                      <m:jc m:val="centerGroup"/>
+                    </m:oMathParaPr>
+                    <m:oMath xmlns:m="http://schemas.openxmlformats.org/officeDocument/2006/math">
+                      <m:r>
+                        <a:rPr lang="en-US" sz="2800" b="0" i="1" smtClean="0">
+                          <a:solidFill>
+                            <a:srgbClr val="C00000"/>
+                          </a:solidFill>
+                          <a:latin typeface="Cambria Math" panose="02040503050406030204" pitchFamily="18" charset="0"/>
+                        </a:rPr>
+                        <m:t>𝑛</m:t>
+                      </m:r>
+                    </m:oMath>
+                  </m:oMathPara>
+                </a14:m>
+                <a:endParaRPr lang="en-US" sz="2800" dirty="0">
+                  <a:solidFill>
+                    <a:srgbClr val="C00000"/>
+                  </a:solidFill>
+                </a:endParaRPr>
+              </a:p>
+            </p:txBody>
+          </p:sp>
+        </mc:Choice>
+        <mc:Fallback>
+          <p:sp>
+            <p:nvSpPr>
+              <p:cNvPr id="7" name="Rectangle 6">
+                <a:extLst>
+                  <a:ext uri="{FF2B5EF4-FFF2-40B4-BE49-F238E27FC236}">
+                    <a16:creationId xmlns:a16="http://schemas.microsoft.com/office/drawing/2014/main" id="{D2100A14-6A3F-12EB-CB4F-3DCD1B11B78B}"/>
+                  </a:ext>
+                </a:extLst>
+              </p:cNvPr>
+              <p:cNvSpPr>
+                <a:spLocks noRot="1" noChangeAspect="1" noMove="1" noResize="1" noEditPoints="1" noAdjustHandles="1" noChangeArrowheads="1" noChangeShapeType="1" noTextEdit="1"/>
+              </p:cNvSpPr>
+              <p:nvPr/>
+            </p:nvSpPr>
+            <p:spPr>
+              <a:xfrm>
+                <a:off x="305260" y="3156778"/>
+                <a:ext cx="471347" cy="523220"/>
+              </a:xfrm>
+              <a:prstGeom prst="rect">
+                <a:avLst/>
+              </a:prstGeom>
+              <a:blipFill>
+                <a:blip r:embed="rId3"/>
+                <a:stretch>
+                  <a:fillRect/>
+                </a:stretch>
+              </a:blipFill>
+            </p:spPr>
+            <p:txBody>
+              <a:bodyPr/>
+              <a:lstStyle/>
+              <a:p>
+                <a:r>
+                  <a:rPr lang="en-US">
+                    <a:noFill/>
+                  </a:rPr>
+                  <a:t> </a:t>
+                </a:r>
+              </a:p>
+            </p:txBody>
+          </p:sp>
+        </mc:Fallback>
+      </mc:AlternateContent>
+      <mc:AlternateContent xmlns:mc="http://schemas.openxmlformats.org/markup-compatibility/2006">
+        <mc:Choice xmlns:a14="http://schemas.microsoft.com/office/drawing/2010/main" Requires="a14">
+          <p:sp>
+            <p:nvSpPr>
+              <p:cNvPr id="8" name="Rectangle 7">
+                <a:extLst>
+                  <a:ext uri="{FF2B5EF4-FFF2-40B4-BE49-F238E27FC236}">
+                    <a16:creationId xmlns:a16="http://schemas.microsoft.com/office/drawing/2014/main" id="{4BB9CFBF-DEB1-8F25-DD61-D46C5FF76FFF}"/>
+                  </a:ext>
+                </a:extLst>
+              </p:cNvPr>
+              <p:cNvSpPr/>
+              <p:nvPr/>
+            </p:nvSpPr>
+            <p:spPr>
+              <a:xfrm>
+                <a:off x="2207212" y="4916948"/>
+                <a:ext cx="478208" cy="523220"/>
+              </a:xfrm>
+              <a:prstGeom prst="rect">
+                <a:avLst/>
+              </a:prstGeom>
+            </p:spPr>
+            <p:txBody>
+              <a:bodyPr wrap="none">
+                <a:spAutoFit/>
+              </a:bodyPr>
+              <a:lstStyle/>
+              <a:p>
+                <a:pPr/>
+                <a14:m>
+                  <m:oMathPara xmlns:m="http://schemas.openxmlformats.org/officeDocument/2006/math">
+                    <m:oMathParaPr>
+                      <m:jc m:val="centerGroup"/>
+                    </m:oMathParaPr>
+                    <m:oMath xmlns:m="http://schemas.openxmlformats.org/officeDocument/2006/math">
+                      <m:r>
+                        <a:rPr lang="en-US" sz="2800" b="0" i="1" smtClean="0">
+                          <a:solidFill>
+                            <a:srgbClr val="C00000"/>
+                          </a:solidFill>
+                          <a:latin typeface="Cambria Math" panose="02040503050406030204" pitchFamily="18" charset="0"/>
+                        </a:rPr>
+                        <m:t>𝑑</m:t>
+                      </m:r>
+                    </m:oMath>
+                  </m:oMathPara>
+                </a14:m>
+                <a:endParaRPr lang="en-US" sz="2400" dirty="0">
+                  <a:solidFill>
+                    <a:srgbClr val="C00000"/>
+                  </a:solidFill>
+                </a:endParaRPr>
+              </a:p>
+            </p:txBody>
+          </p:sp>
+        </mc:Choice>
+        <mc:Fallback>
+          <p:sp>
+            <p:nvSpPr>
+              <p:cNvPr id="8" name="Rectangle 7">
+                <a:extLst>
+                  <a:ext uri="{FF2B5EF4-FFF2-40B4-BE49-F238E27FC236}">
+                    <a16:creationId xmlns:a16="http://schemas.microsoft.com/office/drawing/2014/main" id="{4BB9CFBF-DEB1-8F25-DD61-D46C5FF76FFF}"/>
+                  </a:ext>
+                </a:extLst>
+              </p:cNvPr>
+              <p:cNvSpPr>
+                <a:spLocks noRot="1" noChangeAspect="1" noMove="1" noResize="1" noEditPoints="1" noAdjustHandles="1" noChangeArrowheads="1" noChangeShapeType="1" noTextEdit="1"/>
+              </p:cNvSpPr>
+              <p:nvPr/>
+            </p:nvSpPr>
+            <p:spPr>
+              <a:xfrm>
+                <a:off x="2207212" y="4916948"/>
+                <a:ext cx="478208" cy="523220"/>
+              </a:xfrm>
+              <a:prstGeom prst="rect">
+                <a:avLst/>
+              </a:prstGeom>
+              <a:blipFill>
+                <a:blip r:embed="rId4"/>
+                <a:stretch>
+                  <a:fillRect/>
+                </a:stretch>
+              </a:blipFill>
+            </p:spPr>
+            <p:txBody>
+              <a:bodyPr/>
+              <a:lstStyle/>
+              <a:p>
+                <a:r>
+                  <a:rPr lang="en-US">
+                    <a:noFill/>
+                  </a:rPr>
+                  <a:t> </a:t>
+                </a:r>
+              </a:p>
+            </p:txBody>
+          </p:sp>
+        </mc:Fallback>
+      </mc:AlternateContent>
+      <mc:AlternateContent xmlns:mc="http://schemas.openxmlformats.org/markup-compatibility/2006">
+        <mc:Choice xmlns:a14="http://schemas.microsoft.com/office/drawing/2010/main" Requires="a14">
+          <p:sp>
+            <p:nvSpPr>
+              <p:cNvPr id="10" name="TextBox 9">
+                <a:extLst>
+                  <a:ext uri="{FF2B5EF4-FFF2-40B4-BE49-F238E27FC236}">
+                    <a16:creationId xmlns:a16="http://schemas.microsoft.com/office/drawing/2014/main" id="{929E7568-ED84-624E-096A-BA66A6F69891}"/>
+                  </a:ext>
+                </a:extLst>
+              </p:cNvPr>
+              <p:cNvSpPr txBox="1"/>
+              <p:nvPr/>
+            </p:nvSpPr>
+            <p:spPr>
+              <a:xfrm>
+                <a:off x="0" y="4857263"/>
+                <a:ext cx="1365636" cy="523220"/>
+              </a:xfrm>
+              <a:prstGeom prst="rect">
+                <a:avLst/>
+              </a:prstGeom>
+              <a:noFill/>
+            </p:spPr>
+            <p:txBody>
+              <a:bodyPr wrap="square">
+                <a:spAutoFit/>
+              </a:bodyPr>
+              <a:lstStyle/>
+              <a:p>
+                <a:pPr/>
+                <a14:m>
+                  <m:oMathPara xmlns:m="http://schemas.openxmlformats.org/officeDocument/2006/math">
+                    <m:oMathParaPr>
+                      <m:jc m:val="centerGroup"/>
+                    </m:oMathParaPr>
+                    <m:oMath xmlns:m="http://schemas.openxmlformats.org/officeDocument/2006/math">
+                      <m:r>
+                        <a:rPr lang="en-US" sz="2800" b="0" i="1" smtClean="0">
+                          <a:solidFill>
+                            <a:srgbClr val="C00000"/>
+                          </a:solidFill>
+                          <a:latin typeface="Cambria Math" panose="02040503050406030204" pitchFamily="18" charset="0"/>
+                        </a:rPr>
+                        <m:t>𝐴</m:t>
+                      </m:r>
+                    </m:oMath>
+                  </m:oMathPara>
+                </a14:m>
+                <a:endParaRPr lang="en-US" sz="2800" dirty="0"/>
+              </a:p>
+            </p:txBody>
+          </p:sp>
+        </mc:Choice>
+        <mc:Fallback>
+          <p:sp>
+            <p:nvSpPr>
+              <p:cNvPr id="10" name="TextBox 9">
+                <a:extLst>
+                  <a:ext uri="{FF2B5EF4-FFF2-40B4-BE49-F238E27FC236}">
+                    <a16:creationId xmlns:a16="http://schemas.microsoft.com/office/drawing/2014/main" id="{929E7568-ED84-624E-096A-BA66A6F69891}"/>
+                  </a:ext>
+                </a:extLst>
+              </p:cNvPr>
+              <p:cNvSpPr txBox="1">
+                <a:spLocks noRot="1" noChangeAspect="1" noMove="1" noResize="1" noEditPoints="1" noAdjustHandles="1" noChangeArrowheads="1" noChangeShapeType="1" noTextEdit="1"/>
+              </p:cNvSpPr>
+              <p:nvPr/>
+            </p:nvSpPr>
+            <p:spPr>
+              <a:xfrm>
+                <a:off x="0" y="4857263"/>
+                <a:ext cx="1365636" cy="523220"/>
+              </a:xfrm>
+              <a:prstGeom prst="rect">
+                <a:avLst/>
+              </a:prstGeom>
+              <a:blipFill>
+                <a:blip r:embed="rId5"/>
+                <a:stretch>
+                  <a:fillRect/>
+                </a:stretch>
+              </a:blipFill>
+            </p:spPr>
+            <p:txBody>
+              <a:bodyPr/>
+              <a:lstStyle/>
+              <a:p>
+                <a:r>
+                  <a:rPr lang="en-US">
+                    <a:noFill/>
+                  </a:rPr>
+                  <a:t> </a:t>
+                </a:r>
+              </a:p>
+            </p:txBody>
+          </p:sp>
+        </mc:Fallback>
+      </mc:AlternateContent>
+    </p:spTree>
+    <p:extLst>
+      <p:ext uri="{BB962C8B-B14F-4D97-AF65-F5344CB8AC3E}">
+        <p14:creationId xmlns:p14="http://schemas.microsoft.com/office/powerpoint/2010/main" val="4195839766"/>
+      </p:ext>
+    </p:extLst>
+  </p:cSld>
+  <p:clrMapOvr>
+    <a:masterClrMapping/>
+  </p:clrMapOvr>
+</p:sld>
+</file>
+
+<file path=ppt/slides/slide5.xml><?xml version="1.0" encoding="utf-8"?>
+<p:sld xmlns:a="http://schemas.openxmlformats.org/drawingml/2006/main" xmlns:r="http://schemas.openxmlformats.org/officeDocument/2006/relationships" xmlns:p="http://schemas.openxmlformats.org/presentationml/2006/main">
+  <p:cSld>
+    <p:spTree>
+      <p:nvGrpSpPr>
+        <p:cNvPr id="1" name="">
+          <a:extLst>
+            <a:ext uri="{FF2B5EF4-FFF2-40B4-BE49-F238E27FC236}">
+              <a16:creationId xmlns:a16="http://schemas.microsoft.com/office/drawing/2014/main" id="{0FC5C901-8F02-E85C-C59E-F0444AFD6CBC}"/>
+            </a:ext>
+          </a:extLst>
+        </p:cNvPr>
+        <p:cNvGrpSpPr/>
+        <p:nvPr/>
+      </p:nvGrpSpPr>
+      <p:grpSpPr>
+        <a:xfrm>
+          <a:off x="0" y="0"/>
+          <a:ext cx="0" cy="0"/>
+          <a:chOff x="0" y="0"/>
+          <a:chExt cx="0" cy="0"/>
+        </a:xfrm>
+      </p:grpSpPr>
+      <p:sp>
+        <p:nvSpPr>
+          <p:cNvPr id="2" name="Title 1">
+            <a:extLst>
+              <a:ext uri="{FF2B5EF4-FFF2-40B4-BE49-F238E27FC236}">
+                <a16:creationId xmlns:a16="http://schemas.microsoft.com/office/drawing/2014/main" id="{5F468822-C000-C2A4-9F9B-0B79F012EBE3}"/>
+              </a:ext>
+            </a:extLst>
+          </p:cNvPr>
+          <p:cNvSpPr>
+            <a:spLocks noGrp="1"/>
+          </p:cNvSpPr>
+          <p:nvPr>
+            <p:ph type="title"/>
+          </p:nvPr>
+        </p:nvSpPr>
+        <p:spPr/>
+        <p:txBody>
+          <a:bodyPr/>
+          <a:lstStyle/>
+          <a:p>
+            <a:r>
+              <a:rPr lang="en-US" dirty="0">
+                <a:solidFill>
+                  <a:srgbClr val="C00000"/>
+                </a:solidFill>
+                <a:latin typeface="Calibri Light" panose="020F0302020204030204" pitchFamily="34" charset="0"/>
+                <a:cs typeface="Calibri Light" panose="020F0302020204030204" pitchFamily="34" charset="0"/>
+              </a:rPr>
+              <a:t>Column Subset Selection</a:t>
+            </a:r>
+            <a:endParaRPr lang="en-US" dirty="0">
+              <a:latin typeface="Calibri Light" panose="020F0302020204030204" pitchFamily="34" charset="0"/>
+              <a:cs typeface="Calibri Light" panose="020F0302020204030204" pitchFamily="34" charset="0"/>
+            </a:endParaRPr>
+          </a:p>
+        </p:txBody>
+      </p:sp>
+      <mc:AlternateContent xmlns:mc="http://schemas.openxmlformats.org/markup-compatibility/2006">
+        <mc:Choice xmlns:a14="http://schemas.microsoft.com/office/drawing/2010/main" Requires="a14">
+          <p:sp>
+            <p:nvSpPr>
+              <p:cNvPr id="3" name="Content Placeholder 2">
+                <a:extLst>
+                  <a:ext uri="{FF2B5EF4-FFF2-40B4-BE49-F238E27FC236}">
+                    <a16:creationId xmlns:a16="http://schemas.microsoft.com/office/drawing/2014/main" id="{DCDF10A8-ED42-10AB-701F-CAC61EF0918F}"/>
+                  </a:ext>
+                </a:extLst>
+              </p:cNvPr>
+              <p:cNvSpPr>
+                <a:spLocks noGrp="1"/>
+              </p:cNvSpPr>
+              <p:nvPr>
+                <p:ph idx="1"/>
+              </p:nvPr>
+            </p:nvSpPr>
+            <p:spPr/>
+            <p:txBody>
+              <a:bodyPr>
+                <a:normAutofit/>
+              </a:bodyPr>
+              <a:lstStyle/>
+              <a:p>
+                <a:pPr>
+                  <a:buClr>
+                    <a:schemeClr val="tx1"/>
+                  </a:buClr>
+                </a:pPr>
+                <a:r>
+                  <a:rPr lang="en-US" sz="3200" dirty="0">
+                    <a:latin typeface="Calibri" panose="020F0502020204030204" pitchFamily="34" charset="0"/>
+                    <a:cs typeface="Calibri" panose="020F0502020204030204" pitchFamily="34" charset="0"/>
+                  </a:rPr>
+                  <a:t>NP-hard problem</a:t>
+                </a:r>
+              </a:p>
+              <a:p>
+                <a:pPr>
+                  <a:buClr>
+                    <a:schemeClr val="tx1"/>
+                  </a:buClr>
+                </a:pPr>
+                <a:endParaRPr lang="en-US" sz="3200" dirty="0">
+                  <a:latin typeface="Calibri" panose="020F0502020204030204" pitchFamily="34" charset="0"/>
+                  <a:cs typeface="Calibri" panose="020F0502020204030204" pitchFamily="34" charset="0"/>
+                </a:endParaRPr>
+              </a:p>
+              <a:p>
+                <a:pPr>
+                  <a:buClr>
+                    <a:schemeClr val="tx1"/>
+                  </a:buClr>
+                </a:pPr>
+                <a:r>
+                  <a:rPr lang="en-US" sz="3200" dirty="0">
+                    <a:latin typeface="Calibri" panose="020F0502020204030204" pitchFamily="34" charset="0"/>
+                    <a:cs typeface="Calibri" panose="020F0502020204030204" pitchFamily="34" charset="0"/>
+                  </a:rPr>
+                  <a:t>Can achieve </a:t>
+                </a:r>
+                <a14:m>
+                  <m:oMath xmlns:m="http://schemas.openxmlformats.org/officeDocument/2006/math">
+                    <m:r>
+                      <a:rPr lang="en-US" sz="3200" b="0" i="1" smtClean="0">
+                        <a:solidFill>
+                          <a:srgbClr val="C00000"/>
+                        </a:solidFill>
+                        <a:latin typeface="Cambria Math" panose="02040503050406030204" pitchFamily="18" charset="0"/>
+                      </a:rPr>
+                      <m:t>𝑂</m:t>
+                    </m:r>
+                    <m:r>
+                      <a:rPr lang="en-US" sz="3200" b="0" i="1" smtClean="0">
+                        <a:solidFill>
+                          <a:srgbClr val="C00000"/>
+                        </a:solidFill>
+                        <a:latin typeface="Cambria Math" panose="02040503050406030204" pitchFamily="18" charset="0"/>
+                      </a:rPr>
+                      <m:t>(</m:t>
+                    </m:r>
+                    <m:r>
+                      <a:rPr lang="en-US" sz="3200" b="0" i="1" smtClean="0">
+                        <a:solidFill>
+                          <a:srgbClr val="C00000"/>
+                        </a:solidFill>
+                        <a:latin typeface="Cambria Math" panose="02040503050406030204" pitchFamily="18" charset="0"/>
+                      </a:rPr>
+                      <m:t>𝑘</m:t>
+                    </m:r>
+                    <m:r>
+                      <a:rPr lang="en-US" sz="3200" b="0" i="1" smtClean="0">
+                        <a:solidFill>
+                          <a:srgbClr val="C00000"/>
+                        </a:solidFill>
+                        <a:latin typeface="Cambria Math" panose="02040503050406030204" pitchFamily="18" charset="0"/>
+                      </a:rPr>
+                      <m:t>)</m:t>
+                    </m:r>
+                  </m:oMath>
+                </a14:m>
+                <a:r>
+                  <a:rPr lang="en-US" sz="3200" dirty="0">
+                    <a:latin typeface="Calibri" panose="020F0502020204030204" pitchFamily="34" charset="0"/>
+                    <a:cs typeface="Calibri" panose="020F0502020204030204" pitchFamily="34" charset="0"/>
+                  </a:rPr>
+                  <a:t> approximation by volume sampling or local search</a:t>
+                </a:r>
+              </a:p>
+              <a:p>
+                <a:pPr>
+                  <a:buClr>
+                    <a:schemeClr val="tx1"/>
+                  </a:buClr>
+                </a:pPr>
+                <a:endParaRPr lang="en-US" sz="3200" dirty="0">
+                  <a:latin typeface="Calibri" panose="020F0502020204030204" pitchFamily="34" charset="0"/>
+                  <a:cs typeface="Calibri" panose="020F0502020204030204" pitchFamily="34" charset="0"/>
+                </a:endParaRPr>
+              </a:p>
+              <a:p>
+                <a:pPr>
+                  <a:buClr>
+                    <a:schemeClr val="tx1"/>
+                  </a:buClr>
+                </a:pPr>
+                <a:r>
+                  <a:rPr lang="en-US" sz="3200" dirty="0">
+                    <a:latin typeface="Calibri" panose="020F0502020204030204" pitchFamily="34" charset="0"/>
+                    <a:cs typeface="Calibri" panose="020F0502020204030204" pitchFamily="34" charset="0"/>
+                  </a:rPr>
+                  <a:t>Approximation algorithms use polynomial time</a:t>
+                </a:r>
+              </a:p>
+            </p:txBody>
+          </p:sp>
+        </mc:Choice>
+        <mc:Fallback>
+          <p:sp>
+            <p:nvSpPr>
+              <p:cNvPr id="3" name="Content Placeholder 2">
+                <a:extLst>
+                  <a:ext uri="{FF2B5EF4-FFF2-40B4-BE49-F238E27FC236}">
+                    <a16:creationId xmlns:a16="http://schemas.microsoft.com/office/drawing/2014/main" id="{DCDF10A8-ED42-10AB-701F-CAC61EF0918F}"/>
+                  </a:ext>
+                </a:extLst>
+              </p:cNvPr>
+              <p:cNvSpPr>
+                <a:spLocks noGrp="1" noRot="1" noChangeAspect="1" noMove="1" noResize="1" noEditPoints="1" noAdjustHandles="1" noChangeArrowheads="1" noChangeShapeType="1" noTextEdit="1"/>
+              </p:cNvSpPr>
+              <p:nvPr>
+                <p:ph idx="1"/>
+              </p:nvPr>
+            </p:nvSpPr>
+            <p:spPr>
+              <a:blipFill>
+                <a:blip r:embed="rId2"/>
+                <a:stretch>
+                  <a:fillRect l="-1333" t="-2941"/>
+                </a:stretch>
+              </a:blipFill>
+            </p:spPr>
+            <p:txBody>
+              <a:bodyPr/>
+              <a:lstStyle/>
+              <a:p>
+                <a:r>
+                  <a:rPr lang="en-US">
+                    <a:noFill/>
+                  </a:rPr>
+                  <a:t> </a:t>
+                </a:r>
+              </a:p>
+            </p:txBody>
+          </p:sp>
+        </mc:Fallback>
+      </mc:AlternateContent>
+    </p:spTree>
+    <p:extLst>
+      <p:ext uri="{BB962C8B-B14F-4D97-AF65-F5344CB8AC3E}">
+        <p14:creationId xmlns:p14="http://schemas.microsoft.com/office/powerpoint/2010/main" val="238933586"/>
+      </p:ext>
+    </p:extLst>
+  </p:cSld>
+  <p:clrMapOvr>
+    <a:masterClrMapping/>
+  </p:clrMapOvr>
+</p:sld>
+</file>
+
+<file path=ppt/slides/slide6.xml><?xml version="1.0" encoding="utf-8"?>
+<p:sld xmlns:a="http://schemas.openxmlformats.org/drawingml/2006/main" xmlns:r="http://schemas.openxmlformats.org/officeDocument/2006/relationships" xmlns:p="http://schemas.openxmlformats.org/presentationml/2006/main">
+  <p:cSld>
+    <p:spTree>
+      <p:nvGrpSpPr>
+        <p:cNvPr id="1" name="">
+          <a:extLst>
+            <a:ext uri="{FF2B5EF4-FFF2-40B4-BE49-F238E27FC236}">
+              <a16:creationId xmlns:a16="http://schemas.microsoft.com/office/drawing/2014/main" id="{C0D37979-C8C1-CBAE-A4C7-2D2842905F04}"/>
+            </a:ext>
+          </a:extLst>
+        </p:cNvPr>
+        <p:cNvGrpSpPr/>
+        <p:nvPr/>
+      </p:nvGrpSpPr>
+      <p:grpSpPr>
+        <a:xfrm>
+          <a:off x="0" y="0"/>
+          <a:ext cx="0" cy="0"/>
+          <a:chOff x="0" y="0"/>
+          <a:chExt cx="0" cy="0"/>
+        </a:xfrm>
+      </p:grpSpPr>
+      <p:sp>
+        <p:nvSpPr>
+          <p:cNvPr id="2" name="Title 1">
+            <a:extLst>
+              <a:ext uri="{FF2B5EF4-FFF2-40B4-BE49-F238E27FC236}">
+                <a16:creationId xmlns:a16="http://schemas.microsoft.com/office/drawing/2014/main" id="{85F72095-DC30-5749-51E9-BA5CD1D027A2}"/>
+              </a:ext>
+            </a:extLst>
+          </p:cNvPr>
+          <p:cNvSpPr>
+            <a:spLocks noGrp="1"/>
+          </p:cNvSpPr>
+          <p:nvPr>
+            <p:ph type="title"/>
+          </p:nvPr>
+        </p:nvSpPr>
+        <p:spPr/>
+        <p:txBody>
+          <a:bodyPr/>
+          <a:lstStyle/>
+          <a:p>
+            <a:r>
+              <a:rPr lang="en-US" dirty="0">
+                <a:solidFill>
+                  <a:srgbClr val="C00000"/>
+                </a:solidFill>
+                <a:latin typeface="Calibri Light" panose="020F0302020204030204" pitchFamily="34" charset="0"/>
+                <a:cs typeface="Calibri Light" panose="020F0302020204030204" pitchFamily="34" charset="0"/>
+              </a:rPr>
+              <a:t>Social Fairness</a:t>
+            </a:r>
+            <a:endParaRPr lang="en-US" dirty="0">
+              <a:latin typeface="Calibri Light" panose="020F0302020204030204" pitchFamily="34" charset="0"/>
+              <a:cs typeface="Calibri Light" panose="020F0302020204030204" pitchFamily="34" charset="0"/>
+            </a:endParaRPr>
+          </a:p>
+        </p:txBody>
+      </p:sp>
+      <p:sp>
+        <p:nvSpPr>
+          <p:cNvPr id="3" name="Content Placeholder 2">
+            <a:extLst>
+              <a:ext uri="{FF2B5EF4-FFF2-40B4-BE49-F238E27FC236}">
+                <a16:creationId xmlns:a16="http://schemas.microsoft.com/office/drawing/2014/main" id="{4BBBB30C-24FE-73FB-AAE6-4C5CA8879520}"/>
+              </a:ext>
+            </a:extLst>
+          </p:cNvPr>
+          <p:cNvSpPr>
+            <a:spLocks noGrp="1"/>
+          </p:cNvSpPr>
+          <p:nvPr>
+            <p:ph idx="1"/>
+          </p:nvPr>
+        </p:nvSpPr>
+        <p:spPr>
+          <a:xfrm>
+            <a:off x="838200" y="1825625"/>
+            <a:ext cx="3694043" cy="4351338"/>
+          </a:xfrm>
+        </p:spPr>
+        <p:txBody>
+          <a:bodyPr/>
+          <a:lstStyle/>
+          <a:p>
+            <a:pPr marL="0" indent="0">
+              <a:buNone/>
+            </a:pPr>
+            <a:r>
+              <a:rPr lang="en-US" dirty="0"/>
+              <a:t>1  3  5 -2  7  0 11  4 -8</a:t>
+            </a:r>
+          </a:p>
+          <a:p>
+            <a:pPr marL="0" indent="0">
+              <a:buNone/>
+            </a:pPr>
+            <a:r>
+              <a:rPr lang="en-US" dirty="0"/>
+              <a:t>0  0 -1  3 13 2  8   6  2</a:t>
+            </a:r>
+          </a:p>
+          <a:p>
+            <a:pPr marL="0" indent="0">
+              <a:buNone/>
+            </a:pPr>
+            <a:endParaRPr lang="en-US" dirty="0"/>
+          </a:p>
+        </p:txBody>
+      </p:sp>
+      <p:sp>
+        <p:nvSpPr>
+          <p:cNvPr id="4" name="Rectangle 3">
+            <a:extLst>
+              <a:ext uri="{FF2B5EF4-FFF2-40B4-BE49-F238E27FC236}">
+                <a16:creationId xmlns:a16="http://schemas.microsoft.com/office/drawing/2014/main" id="{A2125826-4995-D2A7-E0D3-4603248CFA8E}"/>
+              </a:ext>
+            </a:extLst>
+          </p:cNvPr>
+          <p:cNvSpPr/>
+          <p:nvPr/>
+        </p:nvSpPr>
+        <p:spPr>
+          <a:xfrm>
+            <a:off x="838200" y="1825625"/>
+            <a:ext cx="3304032" cy="949380"/>
+          </a:xfrm>
+          <a:prstGeom prst="rect">
+            <a:avLst/>
+          </a:prstGeom>
+          <a:noFill/>
+          <a:ln w="57150">
+            <a:prstDash val="sysDash"/>
+          </a:ln>
+        </p:spPr>
+        <p:style>
+          <a:lnRef idx="2">
+            <a:schemeClr val="accent1">
+              <a:shade val="50000"/>
+            </a:schemeClr>
+          </a:lnRef>
+          <a:fillRef idx="1">
+            <a:schemeClr val="accent1"/>
+          </a:fillRef>
+          <a:effectRef idx="0">
+            <a:schemeClr val="accent1"/>
+          </a:effectRef>
+          <a:fontRef idx="minor">
+            <a:schemeClr val="lt1"/>
+          </a:fontRef>
+        </p:style>
+        <p:txBody>
+          <a:bodyPr rtlCol="0" anchor="ctr"/>
+          <a:lstStyle/>
+          <a:p>
+            <a:pPr algn="ctr"/>
+            <a:endParaRPr lang="en-US"/>
+          </a:p>
+        </p:txBody>
+      </p:sp>
+      <mc:AlternateContent xmlns:mc="http://schemas.openxmlformats.org/markup-compatibility/2006">
+        <mc:Choice xmlns:a14="http://schemas.microsoft.com/office/drawing/2010/main" Requires="a14">
+          <p:sp>
+            <p:nvSpPr>
+              <p:cNvPr id="6" name="Rectangle 5">
+                <a:extLst>
+                  <a:ext uri="{FF2B5EF4-FFF2-40B4-BE49-F238E27FC236}">
+                    <a16:creationId xmlns:a16="http://schemas.microsoft.com/office/drawing/2014/main" id="{00A506F5-6270-2B1E-917E-B752990EB95A}"/>
+                  </a:ext>
+                </a:extLst>
+              </p:cNvPr>
+              <p:cNvSpPr/>
+              <p:nvPr/>
+            </p:nvSpPr>
+            <p:spPr>
+              <a:xfrm>
+                <a:off x="4842217" y="1825625"/>
+                <a:ext cx="6448635" cy="4748288"/>
+              </a:xfrm>
+              <a:prstGeom prst="rect">
+                <a:avLst/>
+              </a:prstGeom>
+            </p:spPr>
+            <p:txBody>
+              <a:bodyPr wrap="square">
+                <a:spAutoFit/>
+              </a:bodyPr>
+              <a:lstStyle/>
+              <a:p>
+                <a:pPr marL="457200" indent="-457200">
+                  <a:buFont typeface="Arial" panose="020B0604020202020204" pitchFamily="34" charset="0"/>
+                  <a:buChar char="•"/>
+                </a:pPr>
+                <a:r>
+                  <a:rPr lang="en-US" sz="3200" dirty="0">
+                    <a:latin typeface="Calibri" panose="020F0502020204030204" pitchFamily="34" charset="0"/>
+                    <a:cs typeface="Calibri" panose="020F0502020204030204" pitchFamily="34" charset="0"/>
+                  </a:rPr>
+                  <a:t>Find rank </a:t>
+                </a:r>
+                <a14:m>
+                  <m:oMath xmlns:m="http://schemas.openxmlformats.org/officeDocument/2006/math">
+                    <m:r>
+                      <a:rPr lang="en-US" sz="3200" b="0" i="1" smtClean="0">
+                        <a:solidFill>
+                          <a:srgbClr val="C00000"/>
+                        </a:solidFill>
+                        <a:latin typeface="Cambria Math" panose="02040503050406030204" pitchFamily="18" charset="0"/>
+                      </a:rPr>
+                      <m:t>𝑘</m:t>
+                    </m:r>
+                  </m:oMath>
+                </a14:m>
+                <a:r>
+                  <a:rPr lang="en-US" sz="3200" dirty="0">
+                    <a:latin typeface="Calibri" panose="020F0502020204030204" pitchFamily="34" charset="0"/>
+                    <a:cs typeface="Calibri" panose="020F0502020204030204" pitchFamily="34" charset="0"/>
+                  </a:rPr>
+                  <a:t> matrices </a:t>
+                </a:r>
+                <a14:m>
+                  <m:oMath xmlns:m="http://schemas.openxmlformats.org/officeDocument/2006/math">
+                    <m:sSub>
+                      <m:sSubPr>
+                        <m:ctrlPr>
+                          <a:rPr lang="en-US" sz="3200" b="0" i="1" smtClean="0">
+                            <a:solidFill>
+                              <a:srgbClr val="C00000"/>
+                            </a:solidFill>
+                            <a:latin typeface="Cambria Math" panose="02040503050406030204" pitchFamily="18" charset="0"/>
+                            <a:cs typeface="Calibri" panose="020F0502020204030204" pitchFamily="34" charset="0"/>
+                          </a:rPr>
+                        </m:ctrlPr>
+                      </m:sSubPr>
+                      <m:e>
+                        <m:r>
+                          <a:rPr lang="en-US" sz="3200" b="0" i="1" smtClean="0">
+                            <a:solidFill>
+                              <a:srgbClr val="C00000"/>
+                            </a:solidFill>
+                            <a:latin typeface="Cambria Math" panose="02040503050406030204" pitchFamily="18" charset="0"/>
+                            <a:cs typeface="Calibri" panose="020F0502020204030204" pitchFamily="34" charset="0"/>
+                          </a:rPr>
+                          <m:t>𝑈</m:t>
+                        </m:r>
+                      </m:e>
+                      <m:sub>
+                        <m:r>
+                          <a:rPr lang="en-US" sz="3200" b="0" i="1" smtClean="0">
+                            <a:solidFill>
+                              <a:srgbClr val="C00000"/>
+                            </a:solidFill>
+                            <a:latin typeface="Cambria Math" panose="02040503050406030204" pitchFamily="18" charset="0"/>
+                            <a:cs typeface="Calibri" panose="020F0502020204030204" pitchFamily="34" charset="0"/>
+                          </a:rPr>
+                          <m:t>1</m:t>
+                        </m:r>
+                      </m:sub>
+                    </m:sSub>
+                    <m:r>
+                      <a:rPr lang="en-US" sz="3200" b="0" i="1" smtClean="0">
+                        <a:solidFill>
+                          <a:srgbClr val="C00000"/>
+                        </a:solidFill>
+                        <a:latin typeface="Cambria Math" panose="02040503050406030204" pitchFamily="18" charset="0"/>
+                        <a:cs typeface="Calibri" panose="020F0502020204030204" pitchFamily="34" charset="0"/>
+                      </a:rPr>
+                      <m:t>∈</m:t>
+                    </m:r>
+                    <m:sSup>
+                      <m:sSupPr>
+                        <m:ctrlPr>
+                          <a:rPr lang="en-US" sz="3200" b="0" i="1" smtClean="0">
+                            <a:solidFill>
+                              <a:srgbClr val="C00000"/>
+                            </a:solidFill>
+                            <a:latin typeface="Cambria Math" panose="02040503050406030204" pitchFamily="18" charset="0"/>
+                            <a:cs typeface="Calibri" panose="020F0502020204030204" pitchFamily="34" charset="0"/>
+                          </a:rPr>
+                        </m:ctrlPr>
+                      </m:sSupPr>
+                      <m:e>
+                        <m:r>
+                          <a:rPr lang="en-US" sz="3200" b="0" i="1" smtClean="0">
+                            <a:solidFill>
+                              <a:srgbClr val="C00000"/>
+                            </a:solidFill>
+                            <a:latin typeface="Cambria Math" panose="02040503050406030204" pitchFamily="18" charset="0"/>
+                            <a:cs typeface="Calibri" panose="020F0502020204030204" pitchFamily="34" charset="0"/>
+                          </a:rPr>
+                          <m:t>ℝ</m:t>
+                        </m:r>
+                      </m:e>
+                      <m:sup>
+                        <m:sSub>
+                          <m:sSubPr>
+                            <m:ctrlPr>
+                              <a:rPr lang="en-US" sz="3200" b="0" i="1" smtClean="0">
+                                <a:solidFill>
+                                  <a:srgbClr val="C00000"/>
+                                </a:solidFill>
+                                <a:latin typeface="Cambria Math" panose="02040503050406030204" pitchFamily="18" charset="0"/>
+                                <a:cs typeface="Calibri" panose="020F0502020204030204" pitchFamily="34" charset="0"/>
+                              </a:rPr>
+                            </m:ctrlPr>
+                          </m:sSubPr>
+                          <m:e>
+                            <m:r>
+                              <a:rPr lang="en-US" sz="3200" b="0" i="1" smtClean="0">
+                                <a:solidFill>
+                                  <a:srgbClr val="C00000"/>
+                                </a:solidFill>
+                                <a:latin typeface="Cambria Math" panose="02040503050406030204" pitchFamily="18" charset="0"/>
+                                <a:cs typeface="Calibri" panose="020F0502020204030204" pitchFamily="34" charset="0"/>
+                              </a:rPr>
+                              <m:t>𝑛</m:t>
+                            </m:r>
+                          </m:e>
+                          <m:sub>
+                            <m:r>
+                              <a:rPr lang="en-US" sz="3200" b="0" i="1" smtClean="0">
+                                <a:solidFill>
+                                  <a:srgbClr val="C00000"/>
+                                </a:solidFill>
+                                <a:latin typeface="Cambria Math" panose="02040503050406030204" pitchFamily="18" charset="0"/>
+                                <a:cs typeface="Calibri" panose="020F0502020204030204" pitchFamily="34" charset="0"/>
+                              </a:rPr>
+                              <m:t>1</m:t>
+                            </m:r>
+                          </m:sub>
+                        </m:sSub>
+                        <m:r>
+                          <a:rPr lang="en-US" sz="3200" b="0" i="1" smtClean="0">
+                            <a:solidFill>
+                              <a:srgbClr val="C00000"/>
+                            </a:solidFill>
+                            <a:latin typeface="Cambria Math" panose="02040503050406030204" pitchFamily="18" charset="0"/>
+                            <a:cs typeface="Calibri" panose="020F0502020204030204" pitchFamily="34" charset="0"/>
+                          </a:rPr>
+                          <m:t>×</m:t>
+                        </m:r>
+                        <m:r>
+                          <a:rPr lang="en-US" sz="3200" b="0" i="1" smtClean="0">
+                            <a:solidFill>
+                              <a:srgbClr val="C00000"/>
+                            </a:solidFill>
+                            <a:latin typeface="Cambria Math" panose="02040503050406030204" pitchFamily="18" charset="0"/>
+                            <a:cs typeface="Calibri" panose="020F0502020204030204" pitchFamily="34" charset="0"/>
+                          </a:rPr>
+                          <m:t>𝑘</m:t>
+                        </m:r>
+                      </m:sup>
+                    </m:sSup>
+                  </m:oMath>
+                </a14:m>
+                <a:r>
+                  <a:rPr lang="en-US" sz="3200" dirty="0">
+                    <a:latin typeface="Calibri" panose="020F0502020204030204" pitchFamily="34" charset="0"/>
+                    <a:cs typeface="Calibri" panose="020F0502020204030204" pitchFamily="34" charset="0"/>
+                  </a:rPr>
+                  <a:t>, …, </a:t>
+                </a:r>
+                <a14:m>
+                  <m:oMath xmlns:m="http://schemas.openxmlformats.org/officeDocument/2006/math">
+                    <m:sSub>
+                      <m:sSubPr>
+                        <m:ctrlPr>
+                          <a:rPr lang="en-US" sz="3200" i="1">
+                            <a:solidFill>
+                              <a:srgbClr val="C00000"/>
+                            </a:solidFill>
+                            <a:latin typeface="Cambria Math" panose="02040503050406030204" pitchFamily="18" charset="0"/>
+                            <a:cs typeface="Calibri" panose="020F0502020204030204" pitchFamily="34" charset="0"/>
+                          </a:rPr>
+                        </m:ctrlPr>
+                      </m:sSubPr>
+                      <m:e>
+                        <m:r>
+                          <a:rPr lang="en-US" sz="3200" i="1">
+                            <a:solidFill>
+                              <a:srgbClr val="C00000"/>
+                            </a:solidFill>
+                            <a:latin typeface="Cambria Math" panose="02040503050406030204" pitchFamily="18" charset="0"/>
+                            <a:cs typeface="Calibri" panose="020F0502020204030204" pitchFamily="34" charset="0"/>
+                          </a:rPr>
+                          <m:t>𝑈</m:t>
+                        </m:r>
+                      </m:e>
+                      <m:sub>
+                        <m:r>
+                          <a:rPr lang="en-US" sz="3200" b="0" i="1" smtClean="0">
+                            <a:solidFill>
+                              <a:srgbClr val="C00000"/>
+                            </a:solidFill>
+                            <a:latin typeface="Cambria Math" panose="02040503050406030204" pitchFamily="18" charset="0"/>
+                            <a:cs typeface="Calibri" panose="020F0502020204030204" pitchFamily="34" charset="0"/>
+                          </a:rPr>
+                          <m:t>ℓ</m:t>
+                        </m:r>
+                      </m:sub>
+                    </m:sSub>
+                    <m:r>
+                      <a:rPr lang="en-US" sz="3200" i="1">
+                        <a:solidFill>
+                          <a:srgbClr val="C00000"/>
+                        </a:solidFill>
+                        <a:latin typeface="Cambria Math" panose="02040503050406030204" pitchFamily="18" charset="0"/>
+                        <a:cs typeface="Calibri" panose="020F0502020204030204" pitchFamily="34" charset="0"/>
+                      </a:rPr>
+                      <m:t>∈</m:t>
+                    </m:r>
+                    <m:sSup>
+                      <m:sSupPr>
+                        <m:ctrlPr>
+                          <a:rPr lang="en-US" sz="3200" i="1">
+                            <a:solidFill>
+                              <a:srgbClr val="C00000"/>
+                            </a:solidFill>
+                            <a:latin typeface="Cambria Math" panose="02040503050406030204" pitchFamily="18" charset="0"/>
+                            <a:cs typeface="Calibri" panose="020F0502020204030204" pitchFamily="34" charset="0"/>
+                          </a:rPr>
+                        </m:ctrlPr>
+                      </m:sSupPr>
+                      <m:e>
+                        <m:r>
+                          <a:rPr lang="en-US" sz="3200" i="1">
+                            <a:solidFill>
+                              <a:srgbClr val="C00000"/>
+                            </a:solidFill>
+                            <a:latin typeface="Cambria Math" panose="02040503050406030204" pitchFamily="18" charset="0"/>
+                            <a:cs typeface="Calibri" panose="020F0502020204030204" pitchFamily="34" charset="0"/>
+                          </a:rPr>
+                          <m:t>ℝ</m:t>
+                        </m:r>
+                      </m:e>
+                      <m:sup>
+                        <m:sSub>
+                          <m:sSubPr>
+                            <m:ctrlPr>
+                              <a:rPr lang="en-US" sz="3200" i="1">
+                                <a:solidFill>
+                                  <a:srgbClr val="C00000"/>
+                                </a:solidFill>
+                                <a:latin typeface="Cambria Math" panose="02040503050406030204" pitchFamily="18" charset="0"/>
+                                <a:cs typeface="Calibri" panose="020F0502020204030204" pitchFamily="34" charset="0"/>
+                              </a:rPr>
+                            </m:ctrlPr>
+                          </m:sSubPr>
+                          <m:e>
+                            <m:r>
+                              <a:rPr lang="en-US" sz="3200" i="1">
+                                <a:solidFill>
+                                  <a:srgbClr val="C00000"/>
+                                </a:solidFill>
+                                <a:latin typeface="Cambria Math" panose="02040503050406030204" pitchFamily="18" charset="0"/>
+                                <a:cs typeface="Calibri" panose="020F0502020204030204" pitchFamily="34" charset="0"/>
+                              </a:rPr>
+                              <m:t>𝑛</m:t>
+                            </m:r>
+                          </m:e>
+                          <m:sub>
+                            <m:r>
+                              <a:rPr lang="en-US" sz="3200" b="0" i="1" smtClean="0">
+                                <a:solidFill>
+                                  <a:srgbClr val="C00000"/>
+                                </a:solidFill>
+                                <a:latin typeface="Cambria Math" panose="02040503050406030204" pitchFamily="18" charset="0"/>
+                                <a:cs typeface="Calibri" panose="020F0502020204030204" pitchFamily="34" charset="0"/>
+                              </a:rPr>
+                              <m:t>ℓ</m:t>
+                            </m:r>
+                          </m:sub>
+                        </m:sSub>
+                        <m:r>
+                          <a:rPr lang="en-US" sz="3200" i="1">
+                            <a:solidFill>
+                              <a:srgbClr val="C00000"/>
+                            </a:solidFill>
+                            <a:latin typeface="Cambria Math" panose="02040503050406030204" pitchFamily="18" charset="0"/>
+                            <a:cs typeface="Calibri" panose="020F0502020204030204" pitchFamily="34" charset="0"/>
+                          </a:rPr>
+                          <m:t>×</m:t>
+                        </m:r>
+                        <m:r>
+                          <a:rPr lang="en-US" sz="3200" i="1">
+                            <a:solidFill>
+                              <a:srgbClr val="C00000"/>
+                            </a:solidFill>
+                            <a:latin typeface="Cambria Math" panose="02040503050406030204" pitchFamily="18" charset="0"/>
+                            <a:cs typeface="Calibri" panose="020F0502020204030204" pitchFamily="34" charset="0"/>
+                          </a:rPr>
+                          <m:t>𝑘</m:t>
+                        </m:r>
+                      </m:sup>
+                    </m:sSup>
+                  </m:oMath>
+                </a14:m>
+                <a:r>
+                  <a:rPr lang="en-US" sz="3200" dirty="0">
+                    <a:latin typeface="Calibri" panose="020F0502020204030204" pitchFamily="34" charset="0"/>
+                    <a:cs typeface="Calibri" panose="020F0502020204030204" pitchFamily="34" charset="0"/>
+                  </a:rPr>
+                  <a:t>,</a:t>
+                </a:r>
+                <a:r>
+                  <a:rPr lang="en-US" sz="3200" dirty="0">
+                    <a:solidFill>
+                      <a:srgbClr val="C00000"/>
+                    </a:solidFill>
+                  </a:rPr>
+                  <a:t> </a:t>
+                </a:r>
+                <a14:m>
+                  <m:oMath xmlns:m="http://schemas.openxmlformats.org/officeDocument/2006/math">
+                    <m:r>
+                      <a:rPr lang="en-US" sz="3200" b="0" i="1" smtClean="0">
+                        <a:solidFill>
+                          <a:srgbClr val="C00000"/>
+                        </a:solidFill>
+                        <a:latin typeface="Cambria Math" panose="02040503050406030204" pitchFamily="18" charset="0"/>
+                      </a:rPr>
+                      <m:t>𝑉</m:t>
+                    </m:r>
+                    <m:r>
+                      <a:rPr lang="en-US" sz="3200" b="0" i="1" smtClean="0">
+                        <a:solidFill>
+                          <a:srgbClr val="C00000"/>
+                        </a:solidFill>
+                        <a:latin typeface="Cambria Math" panose="02040503050406030204" pitchFamily="18" charset="0"/>
+                      </a:rPr>
+                      <m:t>∈</m:t>
+                    </m:r>
+                    <m:sSup>
+                      <m:sSupPr>
+                        <m:ctrlPr>
+                          <a:rPr lang="en-US" sz="3200" b="0" i="1" smtClean="0">
+                            <a:solidFill>
+                              <a:srgbClr val="C00000"/>
+                            </a:solidFill>
+                            <a:latin typeface="Cambria Math" panose="02040503050406030204" pitchFamily="18" charset="0"/>
+                          </a:rPr>
+                        </m:ctrlPr>
+                      </m:sSupPr>
+                      <m:e>
+                        <m:r>
+                          <a:rPr lang="en-US" sz="3200" b="0" i="1" smtClean="0">
+                            <a:solidFill>
+                              <a:srgbClr val="C00000"/>
+                            </a:solidFill>
+                            <a:latin typeface="Cambria Math" panose="02040503050406030204" pitchFamily="18" charset="0"/>
+                          </a:rPr>
+                          <m:t>ℝ</m:t>
+                        </m:r>
+                      </m:e>
+                      <m:sup>
+                        <m:r>
+                          <a:rPr lang="en-US" sz="3200" b="0" i="1" smtClean="0">
+                            <a:solidFill>
+                              <a:srgbClr val="C00000"/>
+                            </a:solidFill>
+                            <a:latin typeface="Cambria Math" panose="02040503050406030204" pitchFamily="18" charset="0"/>
+                          </a:rPr>
+                          <m:t>𝑘</m:t>
+                        </m:r>
+                        <m:r>
+                          <a:rPr lang="en-US" sz="3200" b="0" i="1" smtClean="0">
+                            <a:solidFill>
+                              <a:srgbClr val="C00000"/>
+                            </a:solidFill>
+                            <a:latin typeface="Cambria Math" panose="02040503050406030204" pitchFamily="18" charset="0"/>
+                          </a:rPr>
+                          <m:t>×</m:t>
+                        </m:r>
+                        <m:r>
+                          <a:rPr lang="en-US" sz="3200" b="0" i="1" smtClean="0">
+                            <a:solidFill>
+                              <a:srgbClr val="C00000"/>
+                            </a:solidFill>
+                            <a:latin typeface="Cambria Math" panose="02040503050406030204" pitchFamily="18" charset="0"/>
+                          </a:rPr>
+                          <m:t>𝑑</m:t>
+                        </m:r>
+                      </m:sup>
+                    </m:sSup>
+                  </m:oMath>
+                </a14:m>
+                <a:r>
+                  <a:rPr lang="en-US" sz="3200" dirty="0">
+                    <a:latin typeface="Calibri" panose="020F0502020204030204" pitchFamily="34" charset="0"/>
+                    <a:cs typeface="Calibri" panose="020F0502020204030204" pitchFamily="34" charset="0"/>
+                  </a:rPr>
+                  <a:t> that minimizes </a:t>
+                </a:r>
+                <a14:m>
+                  <m:oMath xmlns:m="http://schemas.openxmlformats.org/officeDocument/2006/math">
+                    <m:limLow>
+                      <m:limLowPr>
+                        <m:ctrlPr>
+                          <a:rPr lang="en-US" sz="3200" b="0" i="0" smtClean="0">
+                            <a:solidFill>
+                              <a:srgbClr val="C00000"/>
+                            </a:solidFill>
+                            <a:latin typeface="Cambria Math" panose="02040503050406030204" pitchFamily="18" charset="0"/>
+                          </a:rPr>
+                        </m:ctrlPr>
+                      </m:limLowPr>
+                      <m:e>
+                        <m:r>
+                          <m:rPr>
+                            <m:sty m:val="p"/>
+                          </m:rPr>
+                          <a:rPr lang="en-US" sz="3200" b="0" i="0" smtClean="0">
+                            <a:solidFill>
+                              <a:srgbClr val="C00000"/>
+                            </a:solidFill>
+                            <a:latin typeface="Cambria Math" panose="02040503050406030204" pitchFamily="18" charset="0"/>
+                          </a:rPr>
+                          <m:t>max</m:t>
+                        </m:r>
+                      </m:e>
+                      <m:lim>
+                        <m:r>
+                          <a:rPr lang="en-US" sz="3200" b="0" i="1" smtClean="0">
+                            <a:solidFill>
+                              <a:srgbClr val="C00000"/>
+                            </a:solidFill>
+                            <a:latin typeface="Cambria Math" panose="02040503050406030204" pitchFamily="18" charset="0"/>
+                          </a:rPr>
+                          <m:t>𝑖</m:t>
+                        </m:r>
+                        <m:r>
+                          <a:rPr lang="en-US" sz="3200" b="0" i="1" smtClean="0">
+                            <a:solidFill>
+                              <a:srgbClr val="C00000"/>
+                            </a:solidFill>
+                            <a:latin typeface="Cambria Math" panose="02040503050406030204" pitchFamily="18" charset="0"/>
+                          </a:rPr>
+                          <m:t>∈</m:t>
+                        </m:r>
+                        <m:d>
+                          <m:dPr>
+                            <m:begChr m:val="["/>
+                            <m:endChr m:val="]"/>
+                            <m:ctrlPr>
+                              <a:rPr lang="en-US" sz="3200" b="0" i="1" smtClean="0">
+                                <a:solidFill>
+                                  <a:srgbClr val="C00000"/>
+                                </a:solidFill>
+                                <a:latin typeface="Cambria Math" panose="02040503050406030204" pitchFamily="18" charset="0"/>
+                              </a:rPr>
+                            </m:ctrlPr>
+                          </m:dPr>
+                          <m:e>
+                            <m:r>
+                              <a:rPr lang="en-US" sz="3200" b="0" i="1" smtClean="0">
+                                <a:solidFill>
+                                  <a:srgbClr val="C00000"/>
+                                </a:solidFill>
+                                <a:latin typeface="Cambria Math" panose="02040503050406030204" pitchFamily="18" charset="0"/>
+                              </a:rPr>
+                              <m:t>ℓ</m:t>
+                            </m:r>
+                          </m:e>
+                        </m:d>
+                      </m:lim>
+                    </m:limLow>
+                    <m:sSub>
+                      <m:sSubPr>
+                        <m:ctrlPr>
+                          <a:rPr lang="en-US" sz="3200" b="0" i="1" smtClean="0">
+                            <a:solidFill>
+                              <a:srgbClr val="C00000"/>
+                            </a:solidFill>
+                            <a:latin typeface="Cambria Math" panose="02040503050406030204" pitchFamily="18" charset="0"/>
+                          </a:rPr>
+                        </m:ctrlPr>
+                      </m:sSubPr>
+                      <m:e>
+                        <m:r>
+                          <a:rPr lang="en-US" sz="3200" b="0" i="1" smtClean="0">
+                            <a:solidFill>
+                              <a:srgbClr val="C00000"/>
+                            </a:solidFill>
+                            <a:latin typeface="Cambria Math" panose="02040503050406030204" pitchFamily="18" charset="0"/>
+                          </a:rPr>
+                          <m:t> </m:t>
+                        </m:r>
+                        <m:d>
+                          <m:dPr>
+                            <m:begChr m:val="‖"/>
+                            <m:endChr m:val="‖"/>
+                            <m:ctrlPr>
+                              <a:rPr lang="en-US" sz="3200" b="0" i="1" smtClean="0">
+                                <a:solidFill>
+                                  <a:srgbClr val="C00000"/>
+                                </a:solidFill>
+                                <a:latin typeface="Cambria Math" panose="02040503050406030204" pitchFamily="18" charset="0"/>
+                              </a:rPr>
+                            </m:ctrlPr>
+                          </m:dPr>
+                          <m:e>
+                            <m:sSub>
+                              <m:sSubPr>
+                                <m:ctrlPr>
+                                  <a:rPr lang="en-US" sz="3200" b="0" i="1" smtClean="0">
+                                    <a:solidFill>
+                                      <a:srgbClr val="C00000"/>
+                                    </a:solidFill>
+                                    <a:latin typeface="Cambria Math" panose="02040503050406030204" pitchFamily="18" charset="0"/>
+                                  </a:rPr>
+                                </m:ctrlPr>
+                              </m:sSubPr>
+                              <m:e>
+                                <m:r>
+                                  <a:rPr lang="en-US" sz="3200" b="0" i="1" smtClean="0">
+                                    <a:solidFill>
+                                      <a:srgbClr val="C00000"/>
+                                    </a:solidFill>
+                                    <a:latin typeface="Cambria Math" panose="02040503050406030204" pitchFamily="18" charset="0"/>
+                                  </a:rPr>
+                                  <m:t>𝑈</m:t>
+                                </m:r>
+                              </m:e>
+                              <m:sub>
+                                <m:r>
+                                  <a:rPr lang="en-US" sz="3200" b="0" i="1" smtClean="0">
+                                    <a:solidFill>
+                                      <a:srgbClr val="C00000"/>
+                                    </a:solidFill>
+                                    <a:latin typeface="Cambria Math" panose="02040503050406030204" pitchFamily="18" charset="0"/>
+                                  </a:rPr>
+                                  <m:t>𝑖</m:t>
+                                </m:r>
+                              </m:sub>
+                            </m:sSub>
+                            <m:r>
+                              <a:rPr lang="en-US" sz="3200" b="0" i="1" smtClean="0">
+                                <a:solidFill>
+                                  <a:srgbClr val="C00000"/>
+                                </a:solidFill>
+                                <a:latin typeface="Cambria Math" panose="02040503050406030204" pitchFamily="18" charset="0"/>
+                              </a:rPr>
+                              <m:t>𝑉</m:t>
+                            </m:r>
+                            <m:r>
+                              <a:rPr lang="en-US" sz="3200" b="0" i="1" smtClean="0">
+                                <a:solidFill>
+                                  <a:srgbClr val="C00000"/>
+                                </a:solidFill>
+                                <a:latin typeface="Cambria Math" panose="02040503050406030204" pitchFamily="18" charset="0"/>
+                              </a:rPr>
+                              <m:t>−</m:t>
+                            </m:r>
+                            <m:sSub>
+                              <m:sSubPr>
+                                <m:ctrlPr>
+                                  <a:rPr lang="en-US" sz="3200" b="0" i="1" smtClean="0">
+                                    <a:solidFill>
+                                      <a:srgbClr val="C00000"/>
+                                    </a:solidFill>
+                                    <a:latin typeface="Cambria Math" panose="02040503050406030204" pitchFamily="18" charset="0"/>
+                                  </a:rPr>
+                                </m:ctrlPr>
+                              </m:sSubPr>
+                              <m:e>
+                                <m:r>
+                                  <a:rPr lang="en-US" sz="3200" b="0" i="1" smtClean="0">
+                                    <a:solidFill>
+                                      <a:srgbClr val="C00000"/>
+                                    </a:solidFill>
+                                    <a:latin typeface="Cambria Math" panose="02040503050406030204" pitchFamily="18" charset="0"/>
+                                  </a:rPr>
+                                  <m:t>𝐴</m:t>
+                                </m:r>
+                              </m:e>
+                              <m:sub>
+                                <m:r>
+                                  <a:rPr lang="en-US" sz="3200" b="0" i="1" smtClean="0">
+                                    <a:solidFill>
+                                      <a:srgbClr val="C00000"/>
+                                    </a:solidFill>
+                                    <a:latin typeface="Cambria Math" panose="02040503050406030204" pitchFamily="18" charset="0"/>
+                                  </a:rPr>
+                                  <m:t>𝑖</m:t>
+                                </m:r>
+                              </m:sub>
+                            </m:sSub>
+                          </m:e>
+                        </m:d>
+                      </m:e>
+                      <m:sub>
+                        <m:r>
+                          <a:rPr lang="en-US" sz="3200" b="0" i="1" smtClean="0">
+                            <a:solidFill>
+                              <a:srgbClr val="C00000"/>
+                            </a:solidFill>
+                            <a:latin typeface="Cambria Math" panose="02040503050406030204" pitchFamily="18" charset="0"/>
+                          </a:rPr>
+                          <m:t>𝐹</m:t>
+                        </m:r>
+                      </m:sub>
+                    </m:sSub>
+                  </m:oMath>
+                </a14:m>
+                <a:r>
+                  <a:rPr lang="en-US" sz="3200" dirty="0">
+                    <a:solidFill>
+                      <a:srgbClr val="C00000"/>
+                    </a:solidFill>
+                    <a:latin typeface="Calibri" panose="020F0502020204030204" pitchFamily="34" charset="0"/>
+                    <a:cs typeface="Calibri" panose="020F0502020204030204" pitchFamily="34" charset="0"/>
+                  </a:rPr>
+                  <a:t> </a:t>
+                </a:r>
+              </a:p>
+              <a:p>
+                <a:pPr marL="457200" indent="-457200">
+                  <a:buFont typeface="Arial" panose="020B0604020202020204" pitchFamily="34" charset="0"/>
+                  <a:buChar char="•"/>
+                </a:pPr>
+                <a:endParaRPr lang="en-US" sz="3200" dirty="0">
+                  <a:latin typeface="Calibri" panose="020F0502020204030204" pitchFamily="34" charset="0"/>
+                  <a:cs typeface="Calibri" panose="020F0502020204030204" pitchFamily="34" charset="0"/>
+                </a:endParaRPr>
+              </a:p>
+              <a:p>
+                <a:pPr marL="457200" indent="-457200">
+                  <a:buFont typeface="Arial" panose="020B0604020202020204" pitchFamily="34" charset="0"/>
+                  <a:buChar char="•"/>
+                </a:pPr>
+                <a:r>
+                  <a:rPr lang="en-US" sz="3200" dirty="0">
+                    <a:latin typeface="Calibri" panose="020F0502020204030204" pitchFamily="34" charset="0"/>
+                    <a:cs typeface="Calibri" panose="020F0502020204030204" pitchFamily="34" charset="0"/>
+                  </a:rPr>
+                  <a:t>Each matrix </a:t>
+                </a:r>
+                <a14:m>
+                  <m:oMath xmlns:m="http://schemas.openxmlformats.org/officeDocument/2006/math">
+                    <m:sSub>
+                      <m:sSubPr>
+                        <m:ctrlPr>
+                          <a:rPr lang="en-US" sz="3200" b="0" i="1" smtClean="0">
+                            <a:solidFill>
+                              <a:srgbClr val="C00000"/>
+                            </a:solidFill>
+                            <a:latin typeface="Cambria Math" panose="02040503050406030204" pitchFamily="18" charset="0"/>
+                            <a:cs typeface="Calibri" panose="020F0502020204030204" pitchFamily="34" charset="0"/>
+                          </a:rPr>
+                        </m:ctrlPr>
+                      </m:sSubPr>
+                      <m:e>
+                        <m:r>
+                          <a:rPr lang="en-US" sz="3200" b="0" i="1" smtClean="0">
+                            <a:solidFill>
+                              <a:srgbClr val="C00000"/>
+                            </a:solidFill>
+                            <a:latin typeface="Cambria Math" panose="02040503050406030204" pitchFamily="18" charset="0"/>
+                            <a:cs typeface="Calibri" panose="020F0502020204030204" pitchFamily="34" charset="0"/>
+                          </a:rPr>
+                          <m:t>𝐴</m:t>
+                        </m:r>
+                      </m:e>
+                      <m:sub>
+                        <m:r>
+                          <a:rPr lang="en-US" sz="3200" b="0" i="1" smtClean="0">
+                            <a:solidFill>
+                              <a:srgbClr val="C00000"/>
+                            </a:solidFill>
+                            <a:latin typeface="Cambria Math" panose="02040503050406030204" pitchFamily="18" charset="0"/>
+                            <a:cs typeface="Calibri" panose="020F0502020204030204" pitchFamily="34" charset="0"/>
+                          </a:rPr>
+                          <m:t>𝑖</m:t>
+                        </m:r>
+                      </m:sub>
+                    </m:sSub>
+                  </m:oMath>
+                </a14:m>
+                <a:r>
+                  <a:rPr lang="en-US" sz="3200" dirty="0">
+                    <a:latin typeface="Calibri" panose="020F0502020204030204" pitchFamily="34" charset="0"/>
+                    <a:cs typeface="Calibri" panose="020F0502020204030204" pitchFamily="34" charset="0"/>
+                  </a:rPr>
+                  <a:t> is the dataset of a protected subpopulation</a:t>
+                </a:r>
+              </a:p>
+              <a:p>
+                <a:pPr marL="457200" indent="-457200">
+                  <a:buFont typeface="Arial" panose="020B0604020202020204" pitchFamily="34" charset="0"/>
+                  <a:buChar char="•"/>
+                </a:pPr>
+                <a:endParaRPr lang="en-US" sz="3200" dirty="0">
+                  <a:latin typeface="Calibri" panose="020F0502020204030204" pitchFamily="34" charset="0"/>
+                  <a:cs typeface="Calibri" panose="020F0502020204030204" pitchFamily="34" charset="0"/>
+                </a:endParaRPr>
+              </a:p>
+              <a:p>
+                <a:pPr marL="457200" indent="-457200">
+                  <a:buFont typeface="Arial" panose="020B0604020202020204" pitchFamily="34" charset="0"/>
+                  <a:buChar char="•"/>
+                </a:pPr>
+                <a:r>
+                  <a:rPr lang="en-US" sz="3200" dirty="0">
+                    <a:latin typeface="Calibri" panose="020F0502020204030204" pitchFamily="34" charset="0"/>
+                    <a:cs typeface="Calibri" panose="020F0502020204030204" pitchFamily="34" charset="0"/>
+                  </a:rPr>
+                  <a:t>Ensure solution is equitable to all subpopulations</a:t>
+                </a:r>
+              </a:p>
+            </p:txBody>
+          </p:sp>
+        </mc:Choice>
+        <mc:Fallback>
+          <p:sp>
+            <p:nvSpPr>
+              <p:cNvPr id="6" name="Rectangle 5">
+                <a:extLst>
+                  <a:ext uri="{FF2B5EF4-FFF2-40B4-BE49-F238E27FC236}">
+                    <a16:creationId xmlns:a16="http://schemas.microsoft.com/office/drawing/2014/main" id="{00A506F5-6270-2B1E-917E-B752990EB95A}"/>
+                  </a:ext>
+                </a:extLst>
+              </p:cNvPr>
+              <p:cNvSpPr>
+                <a:spLocks noRot="1" noChangeAspect="1" noMove="1" noResize="1" noEditPoints="1" noAdjustHandles="1" noChangeArrowheads="1" noChangeShapeType="1" noTextEdit="1"/>
+              </p:cNvSpPr>
+              <p:nvPr/>
+            </p:nvSpPr>
+            <p:spPr>
+              <a:xfrm>
+                <a:off x="4842217" y="1825625"/>
+                <a:ext cx="6448635" cy="4748288"/>
+              </a:xfrm>
+              <a:prstGeom prst="rect">
+                <a:avLst/>
+              </a:prstGeom>
+              <a:blipFill>
+                <a:blip r:embed="rId2"/>
+                <a:stretch>
+                  <a:fillRect l="-2174" t="-1412" b="-3338"/>
+                </a:stretch>
+              </a:blipFill>
+            </p:spPr>
+            <p:txBody>
+              <a:bodyPr/>
+              <a:lstStyle/>
+              <a:p>
+                <a:r>
+                  <a:rPr lang="en-US">
+                    <a:noFill/>
+                  </a:rPr>
+                  <a:t> </a:t>
+                </a:r>
+              </a:p>
+            </p:txBody>
+          </p:sp>
+        </mc:Fallback>
+      </mc:AlternateContent>
+      <mc:AlternateContent xmlns:mc="http://schemas.openxmlformats.org/markup-compatibility/2006">
+        <mc:Choice xmlns:a14="http://schemas.microsoft.com/office/drawing/2010/main" Requires="a14">
+          <p:sp>
+            <p:nvSpPr>
+              <p:cNvPr id="7" name="Rectangle 6">
+                <a:extLst>
+                  <a:ext uri="{FF2B5EF4-FFF2-40B4-BE49-F238E27FC236}">
+                    <a16:creationId xmlns:a16="http://schemas.microsoft.com/office/drawing/2014/main" id="{86BF51A7-89B8-62A9-8D31-4064FC9DEF66}"/>
+                  </a:ext>
+                </a:extLst>
+              </p:cNvPr>
+              <p:cNvSpPr/>
+              <p:nvPr/>
+            </p:nvSpPr>
+            <p:spPr>
+              <a:xfrm>
+                <a:off x="292552" y="2038705"/>
+                <a:ext cx="624081" cy="523220"/>
+              </a:xfrm>
+              <a:prstGeom prst="rect">
+                <a:avLst/>
+              </a:prstGeom>
+            </p:spPr>
+            <p:txBody>
+              <a:bodyPr wrap="none">
+                <a:spAutoFit/>
+              </a:bodyPr>
+              <a:lstStyle/>
+              <a:p>
+                <a:pPr/>
+                <a14:m>
+                  <m:oMathPara xmlns:m="http://schemas.openxmlformats.org/officeDocument/2006/math">
+                    <m:oMathParaPr>
+                      <m:jc m:val="centerGroup"/>
+                    </m:oMathParaPr>
+                    <m:oMath xmlns:m="http://schemas.openxmlformats.org/officeDocument/2006/math">
+                      <m:sSub>
+                        <m:sSubPr>
+                          <m:ctrlPr>
+                            <a:rPr lang="en-US" sz="2800" b="0" i="1" smtClean="0">
+                              <a:solidFill>
+                                <a:srgbClr val="C00000"/>
+                              </a:solidFill>
+                              <a:latin typeface="Cambria Math" panose="02040503050406030204" pitchFamily="18" charset="0"/>
+                            </a:rPr>
+                          </m:ctrlPr>
+                        </m:sSubPr>
+                        <m:e>
+                          <m:r>
+                            <a:rPr lang="en-US" sz="2800" b="0" i="1" smtClean="0">
+                              <a:solidFill>
+                                <a:srgbClr val="C00000"/>
+                              </a:solidFill>
+                              <a:latin typeface="Cambria Math" panose="02040503050406030204" pitchFamily="18" charset="0"/>
+                            </a:rPr>
+                            <m:t>𝑛</m:t>
+                          </m:r>
+                        </m:e>
+                        <m:sub>
+                          <m:r>
+                            <a:rPr lang="en-US" sz="2800" b="0" i="1" smtClean="0">
+                              <a:solidFill>
+                                <a:srgbClr val="C00000"/>
+                              </a:solidFill>
+                              <a:latin typeface="Cambria Math" panose="02040503050406030204" pitchFamily="18" charset="0"/>
+                            </a:rPr>
+                            <m:t>1</m:t>
+                          </m:r>
+                        </m:sub>
+                      </m:sSub>
+                    </m:oMath>
+                  </m:oMathPara>
+                </a14:m>
+                <a:endParaRPr lang="en-US" sz="2800" dirty="0">
+                  <a:solidFill>
+                    <a:srgbClr val="C00000"/>
+                  </a:solidFill>
+                </a:endParaRPr>
+              </a:p>
+            </p:txBody>
+          </p:sp>
+        </mc:Choice>
+        <mc:Fallback>
+          <p:sp>
+            <p:nvSpPr>
+              <p:cNvPr id="7" name="Rectangle 6">
+                <a:extLst>
+                  <a:ext uri="{FF2B5EF4-FFF2-40B4-BE49-F238E27FC236}">
+                    <a16:creationId xmlns:a16="http://schemas.microsoft.com/office/drawing/2014/main" id="{86BF51A7-89B8-62A9-8D31-4064FC9DEF66}"/>
+                  </a:ext>
+                </a:extLst>
+              </p:cNvPr>
+              <p:cNvSpPr>
+                <a:spLocks noRot="1" noChangeAspect="1" noMove="1" noResize="1" noEditPoints="1" noAdjustHandles="1" noChangeArrowheads="1" noChangeShapeType="1" noTextEdit="1"/>
+              </p:cNvSpPr>
+              <p:nvPr/>
+            </p:nvSpPr>
+            <p:spPr>
+              <a:xfrm>
+                <a:off x="292552" y="2038705"/>
+                <a:ext cx="624081" cy="523220"/>
+              </a:xfrm>
+              <a:prstGeom prst="rect">
+                <a:avLst/>
+              </a:prstGeom>
+              <a:blipFill>
+                <a:blip r:embed="rId3"/>
+                <a:stretch>
+                  <a:fillRect/>
+                </a:stretch>
+              </a:blipFill>
+            </p:spPr>
+            <p:txBody>
+              <a:bodyPr/>
+              <a:lstStyle/>
+              <a:p>
+                <a:r>
+                  <a:rPr lang="en-US">
+                    <a:noFill/>
+                  </a:rPr>
+                  <a:t> </a:t>
+                </a:r>
+              </a:p>
+            </p:txBody>
+          </p:sp>
+        </mc:Fallback>
+      </mc:AlternateContent>
+      <mc:AlternateContent xmlns:mc="http://schemas.openxmlformats.org/markup-compatibility/2006">
+        <mc:Choice xmlns:a14="http://schemas.microsoft.com/office/drawing/2010/main" Requires="a14">
+          <p:sp>
+            <p:nvSpPr>
+              <p:cNvPr id="8" name="Rectangle 7">
+                <a:extLst>
+                  <a:ext uri="{FF2B5EF4-FFF2-40B4-BE49-F238E27FC236}">
+                    <a16:creationId xmlns:a16="http://schemas.microsoft.com/office/drawing/2014/main" id="{C5C1D819-2D6D-194C-C3A4-C65ECF6366E6}"/>
+                  </a:ext>
+                </a:extLst>
+              </p:cNvPr>
+              <p:cNvSpPr/>
+              <p:nvPr/>
+            </p:nvSpPr>
+            <p:spPr>
+              <a:xfrm>
+                <a:off x="2207013" y="2905633"/>
+                <a:ext cx="478208" cy="523220"/>
+              </a:xfrm>
+              <a:prstGeom prst="rect">
+                <a:avLst/>
+              </a:prstGeom>
+            </p:spPr>
+            <p:txBody>
+              <a:bodyPr wrap="none">
+                <a:spAutoFit/>
+              </a:bodyPr>
+              <a:lstStyle/>
+              <a:p>
+                <a:pPr/>
+                <a14:m>
+                  <m:oMathPara xmlns:m="http://schemas.openxmlformats.org/officeDocument/2006/math">
+                    <m:oMathParaPr>
+                      <m:jc m:val="centerGroup"/>
+                    </m:oMathParaPr>
+                    <m:oMath xmlns:m="http://schemas.openxmlformats.org/officeDocument/2006/math">
+                      <m:r>
+                        <a:rPr lang="en-US" sz="2800" b="0" i="1" smtClean="0">
+                          <a:solidFill>
+                            <a:srgbClr val="C00000"/>
+                          </a:solidFill>
+                          <a:latin typeface="Cambria Math" panose="02040503050406030204" pitchFamily="18" charset="0"/>
+                        </a:rPr>
+                        <m:t>𝑑</m:t>
+                      </m:r>
+                    </m:oMath>
+                  </m:oMathPara>
+                </a14:m>
+                <a:endParaRPr lang="en-US" sz="2400" dirty="0">
+                  <a:solidFill>
+                    <a:srgbClr val="C00000"/>
+                  </a:solidFill>
+                </a:endParaRPr>
+              </a:p>
+            </p:txBody>
+          </p:sp>
+        </mc:Choice>
+        <mc:Fallback>
+          <p:sp>
+            <p:nvSpPr>
+              <p:cNvPr id="8" name="Rectangle 7">
+                <a:extLst>
+                  <a:ext uri="{FF2B5EF4-FFF2-40B4-BE49-F238E27FC236}">
+                    <a16:creationId xmlns:a16="http://schemas.microsoft.com/office/drawing/2014/main" id="{C5C1D819-2D6D-194C-C3A4-C65ECF6366E6}"/>
+                  </a:ext>
+                </a:extLst>
+              </p:cNvPr>
+              <p:cNvSpPr>
+                <a:spLocks noRot="1" noChangeAspect="1" noMove="1" noResize="1" noEditPoints="1" noAdjustHandles="1" noChangeArrowheads="1" noChangeShapeType="1" noTextEdit="1"/>
+              </p:cNvSpPr>
+              <p:nvPr/>
+            </p:nvSpPr>
+            <p:spPr>
+              <a:xfrm>
+                <a:off x="2207013" y="2905633"/>
+                <a:ext cx="478208" cy="523220"/>
+              </a:xfrm>
+              <a:prstGeom prst="rect">
+                <a:avLst/>
+              </a:prstGeom>
+              <a:blipFill>
+                <a:blip r:embed="rId4"/>
+                <a:stretch>
+                  <a:fillRect/>
+                </a:stretch>
+              </a:blipFill>
+            </p:spPr>
+            <p:txBody>
+              <a:bodyPr/>
+              <a:lstStyle/>
+              <a:p>
+                <a:r>
+                  <a:rPr lang="en-US">
+                    <a:noFill/>
+                  </a:rPr>
+                  <a:t> </a:t>
+                </a:r>
+              </a:p>
+            </p:txBody>
+          </p:sp>
+        </mc:Fallback>
+      </mc:AlternateContent>
+      <p:sp>
+        <p:nvSpPr>
+          <p:cNvPr id="10" name="TextBox 9">
+            <a:extLst>
+              <a:ext uri="{FF2B5EF4-FFF2-40B4-BE49-F238E27FC236}">
+                <a16:creationId xmlns:a16="http://schemas.microsoft.com/office/drawing/2014/main" id="{438AE1BD-D81B-B9E4-C8E9-0E1AECC9F7FF}"/>
+              </a:ext>
+            </a:extLst>
+          </p:cNvPr>
+          <p:cNvSpPr txBox="1"/>
+          <p:nvPr/>
+        </p:nvSpPr>
+        <p:spPr>
+          <a:xfrm>
+            <a:off x="838200" y="3456546"/>
+            <a:ext cx="3503212" cy="1384995"/>
+          </a:xfrm>
+          <a:prstGeom prst="rect">
+            <a:avLst/>
+          </a:prstGeom>
+          <a:noFill/>
+        </p:spPr>
+        <p:txBody>
+          <a:bodyPr wrap="square">
+            <a:spAutoFit/>
+          </a:bodyPr>
+          <a:lstStyle/>
+          <a:p>
+            <a:pPr marL="0" indent="0">
+              <a:buNone/>
+            </a:pPr>
+            <a:r>
+              <a:rPr lang="en-US" sz="2800" dirty="0"/>
+              <a:t>2  5  6  1  4  0  -7  5  3</a:t>
+            </a:r>
+          </a:p>
+          <a:p>
+            <a:pPr marL="0" indent="0">
+              <a:buNone/>
+            </a:pPr>
+            <a:r>
+              <a:rPr lang="en-US" sz="2800" dirty="0"/>
+              <a:t>8  7  2  1 -1 -3 -2 -4 -6</a:t>
+            </a:r>
+          </a:p>
+          <a:p>
+            <a:pPr marL="0" indent="0">
+              <a:buNone/>
+            </a:pPr>
+            <a:r>
+              <a:rPr lang="en-US" sz="2800" dirty="0"/>
+              <a:t>-5 3 -4 -1 -2 -1 0 -3  -1</a:t>
+            </a:r>
+          </a:p>
+        </p:txBody>
+      </p:sp>
+      <p:sp>
+        <p:nvSpPr>
+          <p:cNvPr id="11" name="Rectangle 10">
+            <a:extLst>
+              <a:ext uri="{FF2B5EF4-FFF2-40B4-BE49-F238E27FC236}">
+                <a16:creationId xmlns:a16="http://schemas.microsoft.com/office/drawing/2014/main" id="{C6EB0CC4-7EB0-6D6F-4966-A40C1FAA356E}"/>
+              </a:ext>
+            </a:extLst>
+          </p:cNvPr>
+          <p:cNvSpPr/>
+          <p:nvPr/>
+        </p:nvSpPr>
+        <p:spPr>
+          <a:xfrm>
+            <a:off x="838200" y="3456546"/>
+            <a:ext cx="3304032" cy="1384994"/>
+          </a:xfrm>
+          <a:prstGeom prst="rect">
+            <a:avLst/>
+          </a:prstGeom>
+          <a:noFill/>
+          <a:ln w="57150">
+            <a:prstDash val="sysDash"/>
+          </a:ln>
+        </p:spPr>
+        <p:style>
+          <a:lnRef idx="2">
+            <a:schemeClr val="accent1">
+              <a:shade val="50000"/>
+            </a:schemeClr>
+          </a:lnRef>
+          <a:fillRef idx="1">
+            <a:schemeClr val="accent1"/>
+          </a:fillRef>
+          <a:effectRef idx="0">
+            <a:schemeClr val="accent1"/>
+          </a:effectRef>
+          <a:fontRef idx="minor">
+            <a:schemeClr val="lt1"/>
+          </a:fontRef>
+        </p:style>
+        <p:txBody>
+          <a:bodyPr rtlCol="0" anchor="ctr"/>
+          <a:lstStyle/>
+          <a:p>
+            <a:pPr algn="ctr"/>
+            <a:endParaRPr lang="en-US"/>
+          </a:p>
+        </p:txBody>
+      </p:sp>
+      <p:sp>
+        <p:nvSpPr>
+          <p:cNvPr id="13" name="TextBox 12">
+            <a:extLst>
+              <a:ext uri="{FF2B5EF4-FFF2-40B4-BE49-F238E27FC236}">
+                <a16:creationId xmlns:a16="http://schemas.microsoft.com/office/drawing/2014/main" id="{A96C2D23-B9C9-F2C3-88E7-792F97B206BF}"/>
+              </a:ext>
+            </a:extLst>
+          </p:cNvPr>
+          <p:cNvSpPr txBox="1"/>
+          <p:nvPr/>
+        </p:nvSpPr>
+        <p:spPr>
+          <a:xfrm>
+            <a:off x="838200" y="5660765"/>
+            <a:ext cx="3304032" cy="523220"/>
+          </a:xfrm>
+          <a:prstGeom prst="rect">
+            <a:avLst/>
+          </a:prstGeom>
+          <a:noFill/>
+        </p:spPr>
+        <p:txBody>
+          <a:bodyPr wrap="square">
+            <a:spAutoFit/>
+          </a:bodyPr>
+          <a:lstStyle/>
+          <a:p>
+            <a:pPr marL="0" indent="0">
+              <a:buNone/>
+            </a:pPr>
+            <a:r>
+              <a:rPr lang="en-US" sz="2800" dirty="0"/>
+              <a:t>7  1  3  2  4  1  0  11  1</a:t>
+            </a:r>
+          </a:p>
+        </p:txBody>
+      </p:sp>
+      <mc:AlternateContent xmlns:mc="http://schemas.openxmlformats.org/markup-compatibility/2006">
+        <mc:Choice xmlns:a14="http://schemas.microsoft.com/office/drawing/2010/main" Requires="a14">
+          <p:sp>
+            <p:nvSpPr>
+              <p:cNvPr id="15" name="Rectangle 14">
+                <a:extLst>
+                  <a:ext uri="{FF2B5EF4-FFF2-40B4-BE49-F238E27FC236}">
+                    <a16:creationId xmlns:a16="http://schemas.microsoft.com/office/drawing/2014/main" id="{EB827ACE-79AD-D17A-A7B6-329157AB8845}"/>
+                  </a:ext>
+                </a:extLst>
+              </p:cNvPr>
+              <p:cNvSpPr/>
+              <p:nvPr/>
+            </p:nvSpPr>
+            <p:spPr>
+              <a:xfrm>
+                <a:off x="292552" y="3869105"/>
+                <a:ext cx="632353" cy="523220"/>
+              </a:xfrm>
+              <a:prstGeom prst="rect">
+                <a:avLst/>
+              </a:prstGeom>
+            </p:spPr>
+            <p:txBody>
+              <a:bodyPr wrap="none">
+                <a:spAutoFit/>
+              </a:bodyPr>
+              <a:lstStyle/>
+              <a:p>
+                <a:pPr/>
+                <a14:m>
+                  <m:oMathPara xmlns:m="http://schemas.openxmlformats.org/officeDocument/2006/math">
+                    <m:oMathParaPr>
+                      <m:jc m:val="centerGroup"/>
+                    </m:oMathParaPr>
+                    <m:oMath xmlns:m="http://schemas.openxmlformats.org/officeDocument/2006/math">
+                      <m:sSub>
+                        <m:sSubPr>
+                          <m:ctrlPr>
+                            <a:rPr lang="en-US" sz="2800" b="0" i="1" smtClean="0">
+                              <a:solidFill>
+                                <a:srgbClr val="C00000"/>
+                              </a:solidFill>
+                              <a:latin typeface="Cambria Math" panose="02040503050406030204" pitchFamily="18" charset="0"/>
+                            </a:rPr>
+                          </m:ctrlPr>
+                        </m:sSubPr>
+                        <m:e>
+                          <m:r>
+                            <a:rPr lang="en-US" sz="2800" b="0" i="1" smtClean="0">
+                              <a:solidFill>
+                                <a:srgbClr val="C00000"/>
+                              </a:solidFill>
+                              <a:latin typeface="Cambria Math" panose="02040503050406030204" pitchFamily="18" charset="0"/>
+                            </a:rPr>
+                            <m:t>𝑛</m:t>
+                          </m:r>
+                        </m:e>
+                        <m:sub>
+                          <m:r>
+                            <a:rPr lang="en-US" sz="2800" b="0" i="1" smtClean="0">
+                              <a:solidFill>
+                                <a:srgbClr val="C00000"/>
+                              </a:solidFill>
+                              <a:latin typeface="Cambria Math" panose="02040503050406030204" pitchFamily="18" charset="0"/>
+                            </a:rPr>
+                            <m:t>2</m:t>
+                          </m:r>
+                        </m:sub>
+                      </m:sSub>
+                    </m:oMath>
+                  </m:oMathPara>
+                </a14:m>
+                <a:endParaRPr lang="en-US" sz="2800" dirty="0">
+                  <a:solidFill>
+                    <a:srgbClr val="C00000"/>
+                  </a:solidFill>
+                </a:endParaRPr>
+              </a:p>
+            </p:txBody>
+          </p:sp>
+        </mc:Choice>
+        <mc:Fallback>
+          <p:sp>
+            <p:nvSpPr>
+              <p:cNvPr id="15" name="Rectangle 14">
+                <a:extLst>
+                  <a:ext uri="{FF2B5EF4-FFF2-40B4-BE49-F238E27FC236}">
+                    <a16:creationId xmlns:a16="http://schemas.microsoft.com/office/drawing/2014/main" id="{EB827ACE-79AD-D17A-A7B6-329157AB8845}"/>
+                  </a:ext>
+                </a:extLst>
+              </p:cNvPr>
+              <p:cNvSpPr>
+                <a:spLocks noRot="1" noChangeAspect="1" noMove="1" noResize="1" noEditPoints="1" noAdjustHandles="1" noChangeArrowheads="1" noChangeShapeType="1" noTextEdit="1"/>
+              </p:cNvSpPr>
+              <p:nvPr/>
+            </p:nvSpPr>
+            <p:spPr>
+              <a:xfrm>
+                <a:off x="292552" y="3869105"/>
+                <a:ext cx="632353" cy="523220"/>
+              </a:xfrm>
+              <a:prstGeom prst="rect">
+                <a:avLst/>
+              </a:prstGeom>
+              <a:blipFill>
+                <a:blip r:embed="rId5"/>
+                <a:stretch>
+                  <a:fillRect/>
+                </a:stretch>
+              </a:blipFill>
+            </p:spPr>
+            <p:txBody>
+              <a:bodyPr/>
+              <a:lstStyle/>
+              <a:p>
+                <a:r>
+                  <a:rPr lang="en-US">
+                    <a:noFill/>
+                  </a:rPr>
+                  <a:t> </a:t>
+                </a:r>
+              </a:p>
+            </p:txBody>
+          </p:sp>
+        </mc:Fallback>
+      </mc:AlternateContent>
+      <p:sp>
+        <p:nvSpPr>
+          <p:cNvPr id="16" name="Rectangle 15">
+            <a:extLst>
+              <a:ext uri="{FF2B5EF4-FFF2-40B4-BE49-F238E27FC236}">
+                <a16:creationId xmlns:a16="http://schemas.microsoft.com/office/drawing/2014/main" id="{F838B5F1-3C0D-630F-906A-97C0162C667C}"/>
+              </a:ext>
+            </a:extLst>
+          </p:cNvPr>
+          <p:cNvSpPr/>
+          <p:nvPr/>
+        </p:nvSpPr>
+        <p:spPr>
+          <a:xfrm>
+            <a:off x="838200" y="5651139"/>
+            <a:ext cx="3304032" cy="516197"/>
+          </a:xfrm>
+          <a:prstGeom prst="rect">
+            <a:avLst/>
+          </a:prstGeom>
+          <a:noFill/>
+          <a:ln w="57150">
+            <a:prstDash val="sysDash"/>
+          </a:ln>
+        </p:spPr>
+        <p:style>
+          <a:lnRef idx="2">
+            <a:schemeClr val="accent1">
+              <a:shade val="50000"/>
+            </a:schemeClr>
+          </a:lnRef>
+          <a:fillRef idx="1">
+            <a:schemeClr val="accent1"/>
+          </a:fillRef>
+          <a:effectRef idx="0">
+            <a:schemeClr val="accent1"/>
+          </a:effectRef>
+          <a:fontRef idx="minor">
+            <a:schemeClr val="lt1"/>
+          </a:fontRef>
+        </p:style>
+        <p:txBody>
+          <a:bodyPr rtlCol="0" anchor="ctr"/>
+          <a:lstStyle/>
+          <a:p>
+            <a:pPr algn="ctr"/>
+            <a:endParaRPr lang="en-US"/>
+          </a:p>
+        </p:txBody>
+      </p:sp>
+      <mc:AlternateContent xmlns:mc="http://schemas.openxmlformats.org/markup-compatibility/2006">
+        <mc:Choice xmlns:a14="http://schemas.microsoft.com/office/drawing/2010/main" Requires="a14">
+          <p:sp>
+            <p:nvSpPr>
+              <p:cNvPr id="17" name="Rectangle 16">
+                <a:extLst>
+                  <a:ext uri="{FF2B5EF4-FFF2-40B4-BE49-F238E27FC236}">
+                    <a16:creationId xmlns:a16="http://schemas.microsoft.com/office/drawing/2014/main" id="{AF5E4BA5-18F7-97DA-F341-24DF4DC39C85}"/>
+                  </a:ext>
+                </a:extLst>
+              </p:cNvPr>
+              <p:cNvSpPr/>
+              <p:nvPr/>
+            </p:nvSpPr>
+            <p:spPr>
+              <a:xfrm>
+                <a:off x="284280" y="5634490"/>
+                <a:ext cx="616323" cy="523220"/>
+              </a:xfrm>
+              <a:prstGeom prst="rect">
+                <a:avLst/>
+              </a:prstGeom>
+            </p:spPr>
+            <p:txBody>
+              <a:bodyPr wrap="none">
+                <a:spAutoFit/>
+              </a:bodyPr>
+              <a:lstStyle/>
+              <a:p>
+                <a:pPr/>
+                <a14:m>
+                  <m:oMathPara xmlns:m="http://schemas.openxmlformats.org/officeDocument/2006/math">
+                    <m:oMathParaPr>
+                      <m:jc m:val="centerGroup"/>
+                    </m:oMathParaPr>
+                    <m:oMath xmlns:m="http://schemas.openxmlformats.org/officeDocument/2006/math">
+                      <m:sSub>
+                        <m:sSubPr>
+                          <m:ctrlPr>
+                            <a:rPr lang="en-US" sz="2800" b="0" i="1" smtClean="0">
+                              <a:solidFill>
+                                <a:srgbClr val="C00000"/>
+                              </a:solidFill>
+                              <a:latin typeface="Cambria Math" panose="02040503050406030204" pitchFamily="18" charset="0"/>
+                            </a:rPr>
+                          </m:ctrlPr>
+                        </m:sSubPr>
+                        <m:e>
+                          <m:r>
+                            <a:rPr lang="en-US" sz="2800" b="0" i="1" smtClean="0">
+                              <a:solidFill>
+                                <a:srgbClr val="C00000"/>
+                              </a:solidFill>
+                              <a:latin typeface="Cambria Math" panose="02040503050406030204" pitchFamily="18" charset="0"/>
+                            </a:rPr>
+                            <m:t>𝑛</m:t>
+                          </m:r>
+                        </m:e>
+                        <m:sub>
+                          <m:r>
+                            <a:rPr lang="en-US" sz="2800" b="0" i="1" smtClean="0">
+                              <a:solidFill>
+                                <a:srgbClr val="C00000"/>
+                              </a:solidFill>
+                              <a:latin typeface="Cambria Math" panose="02040503050406030204" pitchFamily="18" charset="0"/>
+                            </a:rPr>
+                            <m:t>ℓ</m:t>
+                          </m:r>
+                        </m:sub>
+                      </m:sSub>
+                    </m:oMath>
+                  </m:oMathPara>
+                </a14:m>
+                <a:endParaRPr lang="en-US" sz="2800" dirty="0">
+                  <a:solidFill>
+                    <a:srgbClr val="C00000"/>
+                  </a:solidFill>
+                </a:endParaRPr>
+              </a:p>
+            </p:txBody>
+          </p:sp>
+        </mc:Choice>
+        <mc:Fallback>
+          <p:sp>
+            <p:nvSpPr>
+              <p:cNvPr id="17" name="Rectangle 16">
+                <a:extLst>
+                  <a:ext uri="{FF2B5EF4-FFF2-40B4-BE49-F238E27FC236}">
+                    <a16:creationId xmlns:a16="http://schemas.microsoft.com/office/drawing/2014/main" id="{AF5E4BA5-18F7-97DA-F341-24DF4DC39C85}"/>
+                  </a:ext>
+                </a:extLst>
+              </p:cNvPr>
+              <p:cNvSpPr>
+                <a:spLocks noRot="1" noChangeAspect="1" noMove="1" noResize="1" noEditPoints="1" noAdjustHandles="1" noChangeArrowheads="1" noChangeShapeType="1" noTextEdit="1"/>
+              </p:cNvSpPr>
+              <p:nvPr/>
+            </p:nvSpPr>
+            <p:spPr>
+              <a:xfrm>
+                <a:off x="284280" y="5634490"/>
+                <a:ext cx="616323" cy="523220"/>
+              </a:xfrm>
+              <a:prstGeom prst="rect">
+                <a:avLst/>
+              </a:prstGeom>
+              <a:blipFill>
+                <a:blip r:embed="rId6"/>
+                <a:stretch>
+                  <a:fillRect/>
+                </a:stretch>
+              </a:blipFill>
+            </p:spPr>
+            <p:txBody>
+              <a:bodyPr/>
+              <a:lstStyle/>
+              <a:p>
+                <a:r>
+                  <a:rPr lang="en-US">
+                    <a:noFill/>
+                  </a:rPr>
+                  <a:t> </a:t>
+                </a:r>
+              </a:p>
+            </p:txBody>
+          </p:sp>
+        </mc:Fallback>
+      </mc:AlternateContent>
+      <mc:AlternateContent xmlns:mc="http://schemas.openxmlformats.org/markup-compatibility/2006">
+        <mc:Choice xmlns:a14="http://schemas.microsoft.com/office/drawing/2010/main" Requires="a14">
+          <p:sp>
+            <p:nvSpPr>
+              <p:cNvPr id="20" name="TextBox 19">
+                <a:extLst>
+                  <a:ext uri="{FF2B5EF4-FFF2-40B4-BE49-F238E27FC236}">
+                    <a16:creationId xmlns:a16="http://schemas.microsoft.com/office/drawing/2014/main" id="{19A1CD3E-A1A2-1067-C34D-A6E79BE65491}"/>
+                  </a:ext>
+                </a:extLst>
+              </p:cNvPr>
+              <p:cNvSpPr txBox="1"/>
+              <p:nvPr/>
+            </p:nvSpPr>
+            <p:spPr>
+              <a:xfrm>
+                <a:off x="3769388" y="5060451"/>
+                <a:ext cx="1365636" cy="523220"/>
+              </a:xfrm>
+              <a:prstGeom prst="rect">
+                <a:avLst/>
+              </a:prstGeom>
+              <a:noFill/>
+            </p:spPr>
+            <p:txBody>
+              <a:bodyPr wrap="square">
+                <a:spAutoFit/>
+              </a:bodyPr>
+              <a:lstStyle/>
+              <a:p>
+                <a:pPr/>
+                <a14:m>
+                  <m:oMathPara xmlns:m="http://schemas.openxmlformats.org/officeDocument/2006/math">
+                    <m:oMathParaPr>
+                      <m:jc m:val="centerGroup"/>
+                    </m:oMathParaPr>
+                    <m:oMath xmlns:m="http://schemas.openxmlformats.org/officeDocument/2006/math">
+                      <m:sSub>
+                        <m:sSubPr>
+                          <m:ctrlPr>
+                            <a:rPr lang="en-US" sz="2800" b="0" i="1" smtClean="0">
+                              <a:solidFill>
+                                <a:srgbClr val="C00000"/>
+                              </a:solidFill>
+                              <a:latin typeface="Cambria Math" panose="02040503050406030204" pitchFamily="18" charset="0"/>
+                            </a:rPr>
+                          </m:ctrlPr>
+                        </m:sSubPr>
+                        <m:e>
+                          <m:r>
+                            <a:rPr lang="en-US" sz="2800" b="0" i="1" smtClean="0">
+                              <a:solidFill>
+                                <a:srgbClr val="C00000"/>
+                              </a:solidFill>
+                              <a:latin typeface="Cambria Math" panose="02040503050406030204" pitchFamily="18" charset="0"/>
+                            </a:rPr>
+                            <m:t>𝐴</m:t>
+                          </m:r>
+                        </m:e>
+                        <m:sub>
+                          <m:r>
+                            <a:rPr lang="en-US" sz="2800" b="0" i="1" smtClean="0">
+                              <a:solidFill>
+                                <a:srgbClr val="C00000"/>
+                              </a:solidFill>
+                              <a:latin typeface="Cambria Math" panose="02040503050406030204" pitchFamily="18" charset="0"/>
+                            </a:rPr>
+                            <m:t>2</m:t>
+                          </m:r>
+                        </m:sub>
+                      </m:sSub>
+                    </m:oMath>
+                  </m:oMathPara>
+                </a14:m>
+                <a:endParaRPr lang="en-US" sz="2800" dirty="0"/>
+              </a:p>
+            </p:txBody>
+          </p:sp>
+        </mc:Choice>
+        <mc:Fallback>
+          <p:sp>
+            <p:nvSpPr>
+              <p:cNvPr id="20" name="TextBox 19">
+                <a:extLst>
+                  <a:ext uri="{FF2B5EF4-FFF2-40B4-BE49-F238E27FC236}">
+                    <a16:creationId xmlns:a16="http://schemas.microsoft.com/office/drawing/2014/main" id="{19A1CD3E-A1A2-1067-C34D-A6E79BE65491}"/>
+                  </a:ext>
+                </a:extLst>
+              </p:cNvPr>
+              <p:cNvSpPr txBox="1">
+                <a:spLocks noRot="1" noChangeAspect="1" noMove="1" noResize="1" noEditPoints="1" noAdjustHandles="1" noChangeArrowheads="1" noChangeShapeType="1" noTextEdit="1"/>
+              </p:cNvSpPr>
+              <p:nvPr/>
+            </p:nvSpPr>
+            <p:spPr>
+              <a:xfrm>
+                <a:off x="3769388" y="5060451"/>
+                <a:ext cx="1365636" cy="523220"/>
+              </a:xfrm>
+              <a:prstGeom prst="rect">
+                <a:avLst/>
+              </a:prstGeom>
+              <a:blipFill>
+                <a:blip r:embed="rId7"/>
+                <a:stretch>
+                  <a:fillRect/>
+                </a:stretch>
+              </a:blipFill>
+            </p:spPr>
+            <p:txBody>
+              <a:bodyPr/>
+              <a:lstStyle/>
+              <a:p>
+                <a:r>
+                  <a:rPr lang="en-US">
+                    <a:noFill/>
+                  </a:rPr>
+                  <a:t> </a:t>
+                </a:r>
+              </a:p>
+            </p:txBody>
+          </p:sp>
+        </mc:Fallback>
+      </mc:AlternateContent>
+      <mc:AlternateContent xmlns:mc="http://schemas.openxmlformats.org/markup-compatibility/2006">
+        <mc:Choice xmlns:a14="http://schemas.microsoft.com/office/drawing/2010/main" Requires="a14">
+          <p:sp>
+            <p:nvSpPr>
+              <p:cNvPr id="21" name="TextBox 20">
+                <a:extLst>
+                  <a:ext uri="{FF2B5EF4-FFF2-40B4-BE49-F238E27FC236}">
+                    <a16:creationId xmlns:a16="http://schemas.microsoft.com/office/drawing/2014/main" id="{0C210044-0375-3BD3-E266-A8CA85F1AD2D}"/>
+                  </a:ext>
+                </a:extLst>
+              </p:cNvPr>
+              <p:cNvSpPr txBox="1"/>
+              <p:nvPr/>
+            </p:nvSpPr>
+            <p:spPr>
+              <a:xfrm>
+                <a:off x="3798399" y="2763340"/>
+                <a:ext cx="1365636" cy="523220"/>
+              </a:xfrm>
+              <a:prstGeom prst="rect">
+                <a:avLst/>
+              </a:prstGeom>
+              <a:noFill/>
+            </p:spPr>
+            <p:txBody>
+              <a:bodyPr wrap="square">
+                <a:spAutoFit/>
+              </a:bodyPr>
+              <a:lstStyle/>
+              <a:p>
+                <a:pPr/>
+                <a14:m>
+                  <m:oMathPara xmlns:m="http://schemas.openxmlformats.org/officeDocument/2006/math">
+                    <m:oMathParaPr>
+                      <m:jc m:val="centerGroup"/>
+                    </m:oMathParaPr>
+                    <m:oMath xmlns:m="http://schemas.openxmlformats.org/officeDocument/2006/math">
+                      <m:sSub>
+                        <m:sSubPr>
+                          <m:ctrlPr>
+                            <a:rPr lang="en-US" sz="2800" b="0" i="1" smtClean="0">
+                              <a:solidFill>
+                                <a:srgbClr val="C00000"/>
+                              </a:solidFill>
+                              <a:latin typeface="Cambria Math" panose="02040503050406030204" pitchFamily="18" charset="0"/>
+                            </a:rPr>
+                          </m:ctrlPr>
+                        </m:sSubPr>
+                        <m:e>
+                          <m:r>
+                            <a:rPr lang="en-US" sz="2800" b="0" i="1" smtClean="0">
+                              <a:solidFill>
+                                <a:srgbClr val="C00000"/>
+                              </a:solidFill>
+                              <a:latin typeface="Cambria Math" panose="02040503050406030204" pitchFamily="18" charset="0"/>
+                            </a:rPr>
+                            <m:t>𝐴</m:t>
+                          </m:r>
+                        </m:e>
+                        <m:sub>
+                          <m:r>
+                            <a:rPr lang="en-US" sz="2800" b="0" i="1" smtClean="0">
+                              <a:solidFill>
+                                <a:srgbClr val="C00000"/>
+                              </a:solidFill>
+                              <a:latin typeface="Cambria Math" panose="02040503050406030204" pitchFamily="18" charset="0"/>
+                            </a:rPr>
+                            <m:t>1</m:t>
+                          </m:r>
+                        </m:sub>
+                      </m:sSub>
+                    </m:oMath>
+                  </m:oMathPara>
+                </a14:m>
+                <a:endParaRPr lang="en-US" sz="2800" dirty="0"/>
+              </a:p>
+            </p:txBody>
+          </p:sp>
+        </mc:Choice>
+        <mc:Fallback>
+          <p:sp>
+            <p:nvSpPr>
+              <p:cNvPr id="21" name="TextBox 20">
+                <a:extLst>
+                  <a:ext uri="{FF2B5EF4-FFF2-40B4-BE49-F238E27FC236}">
+                    <a16:creationId xmlns:a16="http://schemas.microsoft.com/office/drawing/2014/main" id="{0C210044-0375-3BD3-E266-A8CA85F1AD2D}"/>
+                  </a:ext>
+                </a:extLst>
+              </p:cNvPr>
+              <p:cNvSpPr txBox="1">
+                <a:spLocks noRot="1" noChangeAspect="1" noMove="1" noResize="1" noEditPoints="1" noAdjustHandles="1" noChangeArrowheads="1" noChangeShapeType="1" noTextEdit="1"/>
+              </p:cNvSpPr>
+              <p:nvPr/>
+            </p:nvSpPr>
+            <p:spPr>
+              <a:xfrm>
+                <a:off x="3798399" y="2763340"/>
+                <a:ext cx="1365636" cy="523220"/>
+              </a:xfrm>
+              <a:prstGeom prst="rect">
+                <a:avLst/>
+              </a:prstGeom>
+              <a:blipFill>
+                <a:blip r:embed="rId8"/>
+                <a:stretch>
+                  <a:fillRect/>
+                </a:stretch>
+              </a:blipFill>
+            </p:spPr>
+            <p:txBody>
+              <a:bodyPr/>
+              <a:lstStyle/>
+              <a:p>
+                <a:r>
+                  <a:rPr lang="en-US">
+                    <a:noFill/>
+                  </a:rPr>
+                  <a:t> </a:t>
+                </a:r>
+              </a:p>
+            </p:txBody>
+          </p:sp>
+        </mc:Fallback>
+      </mc:AlternateContent>
+      <mc:AlternateContent xmlns:mc="http://schemas.openxmlformats.org/markup-compatibility/2006">
+        <mc:Choice xmlns:a14="http://schemas.microsoft.com/office/drawing/2010/main" Requires="a14">
+          <p:sp>
+            <p:nvSpPr>
+              <p:cNvPr id="22" name="TextBox 21">
+                <a:extLst>
+                  <a:ext uri="{FF2B5EF4-FFF2-40B4-BE49-F238E27FC236}">
+                    <a16:creationId xmlns:a16="http://schemas.microsoft.com/office/drawing/2014/main" id="{F71F4543-187B-764C-22E3-4D1C57736F9B}"/>
+                  </a:ext>
+                </a:extLst>
+              </p:cNvPr>
+              <p:cNvSpPr txBox="1"/>
+              <p:nvPr/>
+            </p:nvSpPr>
+            <p:spPr>
+              <a:xfrm>
+                <a:off x="3769388" y="6214656"/>
+                <a:ext cx="1365636" cy="523220"/>
+              </a:xfrm>
+              <a:prstGeom prst="rect">
+                <a:avLst/>
+              </a:prstGeom>
+              <a:noFill/>
+            </p:spPr>
+            <p:txBody>
+              <a:bodyPr wrap="square">
+                <a:spAutoFit/>
+              </a:bodyPr>
+              <a:lstStyle/>
+              <a:p>
+                <a:pPr/>
+                <a14:m>
+                  <m:oMathPara xmlns:m="http://schemas.openxmlformats.org/officeDocument/2006/math">
+                    <m:oMathParaPr>
+                      <m:jc m:val="centerGroup"/>
+                    </m:oMathParaPr>
+                    <m:oMath xmlns:m="http://schemas.openxmlformats.org/officeDocument/2006/math">
+                      <m:sSub>
+                        <m:sSubPr>
+                          <m:ctrlPr>
+                            <a:rPr lang="en-US" sz="2800" b="0" i="1" smtClean="0">
+                              <a:solidFill>
+                                <a:srgbClr val="C00000"/>
+                              </a:solidFill>
+                              <a:latin typeface="Cambria Math" panose="02040503050406030204" pitchFamily="18" charset="0"/>
+                            </a:rPr>
+                          </m:ctrlPr>
+                        </m:sSubPr>
+                        <m:e>
+                          <m:r>
+                            <a:rPr lang="en-US" sz="2800" b="0" i="1" smtClean="0">
+                              <a:solidFill>
+                                <a:srgbClr val="C00000"/>
+                              </a:solidFill>
+                              <a:latin typeface="Cambria Math" panose="02040503050406030204" pitchFamily="18" charset="0"/>
+                            </a:rPr>
+                            <m:t>𝐴</m:t>
+                          </m:r>
+                        </m:e>
+                        <m:sub>
+                          <m:r>
+                            <a:rPr lang="en-US" sz="2800" b="0" i="1" smtClean="0">
+                              <a:solidFill>
+                                <a:srgbClr val="C00000"/>
+                              </a:solidFill>
+                              <a:latin typeface="Cambria Math" panose="02040503050406030204" pitchFamily="18" charset="0"/>
+                            </a:rPr>
+                            <m:t>ℓ</m:t>
+                          </m:r>
+                        </m:sub>
+                      </m:sSub>
+                    </m:oMath>
+                  </m:oMathPara>
+                </a14:m>
+                <a:endParaRPr lang="en-US" sz="2800" dirty="0"/>
+              </a:p>
+            </p:txBody>
+          </p:sp>
+        </mc:Choice>
+        <mc:Fallback>
+          <p:sp>
+            <p:nvSpPr>
+              <p:cNvPr id="22" name="TextBox 21">
+                <a:extLst>
+                  <a:ext uri="{FF2B5EF4-FFF2-40B4-BE49-F238E27FC236}">
+                    <a16:creationId xmlns:a16="http://schemas.microsoft.com/office/drawing/2014/main" id="{F71F4543-187B-764C-22E3-4D1C57736F9B}"/>
+                  </a:ext>
+                </a:extLst>
+              </p:cNvPr>
+              <p:cNvSpPr txBox="1">
+                <a:spLocks noRot="1" noChangeAspect="1" noMove="1" noResize="1" noEditPoints="1" noAdjustHandles="1" noChangeArrowheads="1" noChangeShapeType="1" noTextEdit="1"/>
+              </p:cNvSpPr>
+              <p:nvPr/>
+            </p:nvSpPr>
+            <p:spPr>
+              <a:xfrm>
+                <a:off x="3769388" y="6214656"/>
+                <a:ext cx="1365636" cy="523220"/>
+              </a:xfrm>
+              <a:prstGeom prst="rect">
+                <a:avLst/>
+              </a:prstGeom>
+              <a:blipFill>
+                <a:blip r:embed="rId9"/>
+                <a:stretch>
+                  <a:fillRect/>
+                </a:stretch>
+              </a:blipFill>
+            </p:spPr>
+            <p:txBody>
+              <a:bodyPr/>
+              <a:lstStyle/>
+              <a:p>
+                <a:r>
+                  <a:rPr lang="en-US">
+                    <a:noFill/>
+                  </a:rPr>
+                  <a:t> </a:t>
+                </a:r>
+              </a:p>
+            </p:txBody>
+          </p:sp>
+        </mc:Fallback>
+      </mc:AlternateContent>
+      <mc:AlternateContent xmlns:mc="http://schemas.openxmlformats.org/markup-compatibility/2006">
+        <mc:Choice xmlns:a14="http://schemas.microsoft.com/office/drawing/2010/main" Requires="a14">
+          <p:sp>
+            <p:nvSpPr>
+              <p:cNvPr id="23" name="TextBox 22">
+                <a:extLst>
+                  <a:ext uri="{FF2B5EF4-FFF2-40B4-BE49-F238E27FC236}">
+                    <a16:creationId xmlns:a16="http://schemas.microsoft.com/office/drawing/2014/main" id="{3981E3A7-51DF-7643-BC99-3047C840D2A8}"/>
+                  </a:ext>
+                </a:extLst>
+              </p:cNvPr>
+              <p:cNvSpPr txBox="1"/>
+              <p:nvPr/>
+            </p:nvSpPr>
+            <p:spPr>
+              <a:xfrm>
+                <a:off x="1763299" y="4976405"/>
+                <a:ext cx="1365636" cy="523220"/>
+              </a:xfrm>
+              <a:prstGeom prst="rect">
+                <a:avLst/>
+              </a:prstGeom>
+              <a:noFill/>
+            </p:spPr>
+            <p:txBody>
+              <a:bodyPr wrap="square">
+                <a:spAutoFit/>
+              </a:bodyPr>
+              <a:lstStyle/>
+              <a:p>
+                <a:pPr/>
+                <a14:m>
+                  <m:oMathPara xmlns:m="http://schemas.openxmlformats.org/officeDocument/2006/math">
+                    <m:oMathParaPr>
+                      <m:jc m:val="centerGroup"/>
+                    </m:oMathParaPr>
+                    <m:oMath xmlns:m="http://schemas.openxmlformats.org/officeDocument/2006/math">
+                      <m:r>
+                        <a:rPr lang="en-US" sz="2800" b="0" i="1" smtClean="0">
+                          <a:solidFill>
+                            <a:srgbClr val="C00000"/>
+                          </a:solidFill>
+                          <a:latin typeface="Cambria Math" panose="02040503050406030204" pitchFamily="18" charset="0"/>
+                        </a:rPr>
+                        <m:t>⋮</m:t>
+                      </m:r>
+                    </m:oMath>
+                  </m:oMathPara>
+                </a14:m>
+                <a:endParaRPr lang="en-US" sz="2800" dirty="0"/>
+              </a:p>
+            </p:txBody>
+          </p:sp>
+        </mc:Choice>
+        <mc:Fallback>
+          <p:sp>
+            <p:nvSpPr>
+              <p:cNvPr id="23" name="TextBox 22">
+                <a:extLst>
+                  <a:ext uri="{FF2B5EF4-FFF2-40B4-BE49-F238E27FC236}">
+                    <a16:creationId xmlns:a16="http://schemas.microsoft.com/office/drawing/2014/main" id="{3981E3A7-51DF-7643-BC99-3047C840D2A8}"/>
+                  </a:ext>
+                </a:extLst>
+              </p:cNvPr>
+              <p:cNvSpPr txBox="1">
+                <a:spLocks noRot="1" noChangeAspect="1" noMove="1" noResize="1" noEditPoints="1" noAdjustHandles="1" noChangeArrowheads="1" noChangeShapeType="1" noTextEdit="1"/>
+              </p:cNvSpPr>
+              <p:nvPr/>
+            </p:nvSpPr>
+            <p:spPr>
+              <a:xfrm>
+                <a:off x="1763299" y="4976405"/>
+                <a:ext cx="1365636" cy="523220"/>
+              </a:xfrm>
+              <a:prstGeom prst="rect">
+                <a:avLst/>
+              </a:prstGeom>
+              <a:blipFill>
+                <a:blip r:embed="rId10"/>
+                <a:stretch>
+                  <a:fillRect/>
+                </a:stretch>
+              </a:blipFill>
+            </p:spPr>
+            <p:txBody>
+              <a:bodyPr/>
+              <a:lstStyle/>
+              <a:p>
+                <a:r>
+                  <a:rPr lang="en-US">
+                    <a:noFill/>
+                  </a:rPr>
+                  <a:t> </a:t>
+                </a:r>
+              </a:p>
+            </p:txBody>
+          </p:sp>
+        </mc:Fallback>
+      </mc:AlternateContent>
+    </p:spTree>
+    <p:extLst>
+      <p:ext uri="{BB962C8B-B14F-4D97-AF65-F5344CB8AC3E}">
+        <p14:creationId xmlns:p14="http://schemas.microsoft.com/office/powerpoint/2010/main" val="3292870645"/>
+      </p:ext>
+    </p:extLst>
+  </p:cSld>
+  <p:clrMapOvr>
+    <a:masterClrMapping/>
+  </p:clrMapOvr>
+</p:sld>
+</file>
+
+<file path=ppt/slides/slide7.xml><?xml version="1.0" encoding="utf-8"?>
+<p:sld xmlns:a="http://schemas.openxmlformats.org/drawingml/2006/main" xmlns:r="http://schemas.openxmlformats.org/officeDocument/2006/relationships" xmlns:p="http://schemas.openxmlformats.org/presentationml/2006/main">
+  <p:cSld>
+    <p:spTree>
+      <p:nvGrpSpPr>
+        <p:cNvPr id="1" name="">
+          <a:extLst>
+            <a:ext uri="{FF2B5EF4-FFF2-40B4-BE49-F238E27FC236}">
+              <a16:creationId xmlns:a16="http://schemas.microsoft.com/office/drawing/2014/main" id="{F382AEE9-54B5-B9D2-704B-7262BCCBE6BD}"/>
+            </a:ext>
+          </a:extLst>
+        </p:cNvPr>
+        <p:cNvGrpSpPr/>
+        <p:nvPr/>
+      </p:nvGrpSpPr>
+      <p:grpSpPr>
+        <a:xfrm>
+          <a:off x="0" y="0"/>
+          <a:ext cx="0" cy="0"/>
+          <a:chOff x="0" y="0"/>
+          <a:chExt cx="0" cy="0"/>
+        </a:xfrm>
+      </p:grpSpPr>
+      <p:sp>
+        <p:nvSpPr>
+          <p:cNvPr id="2" name="Title 1">
+            <a:extLst>
+              <a:ext uri="{FF2B5EF4-FFF2-40B4-BE49-F238E27FC236}">
+                <a16:creationId xmlns:a16="http://schemas.microsoft.com/office/drawing/2014/main" id="{D5361E9E-562A-2FD6-D4CC-F73C67C13668}"/>
+              </a:ext>
+            </a:extLst>
+          </p:cNvPr>
+          <p:cNvSpPr>
+            <a:spLocks noGrp="1"/>
+          </p:cNvSpPr>
+          <p:nvPr>
+            <p:ph type="title"/>
+          </p:nvPr>
+        </p:nvSpPr>
+        <p:spPr/>
+        <p:txBody>
+          <a:bodyPr/>
+          <a:lstStyle/>
+          <a:p>
+            <a:r>
+              <a:rPr lang="en-US" dirty="0">
+                <a:solidFill>
+                  <a:srgbClr val="C00000"/>
+                </a:solidFill>
+                <a:latin typeface="Calibri Light" panose="020F0302020204030204" pitchFamily="34" charset="0"/>
+                <a:cs typeface="Calibri Light" panose="020F0302020204030204" pitchFamily="34" charset="0"/>
+              </a:rPr>
+              <a:t>Our Results</a:t>
+            </a:r>
+            <a:endParaRPr lang="en-US" dirty="0">
+              <a:latin typeface="Calibri Light" panose="020F0302020204030204" pitchFamily="34" charset="0"/>
+              <a:cs typeface="Calibri Light" panose="020F0302020204030204" pitchFamily="34" charset="0"/>
+            </a:endParaRPr>
+          </a:p>
+        </p:txBody>
+      </p:sp>
+      <mc:AlternateContent xmlns:mc="http://schemas.openxmlformats.org/markup-compatibility/2006">
+        <mc:Choice xmlns:a14="http://schemas.microsoft.com/office/drawing/2010/main" Requires="a14">
+          <p:sp>
+            <p:nvSpPr>
+              <p:cNvPr id="3" name="Content Placeholder 2">
+                <a:extLst>
+                  <a:ext uri="{FF2B5EF4-FFF2-40B4-BE49-F238E27FC236}">
+                    <a16:creationId xmlns:a16="http://schemas.microsoft.com/office/drawing/2014/main" id="{14539E76-585C-8A61-CC47-34CBBA3AEE36}"/>
+                  </a:ext>
+                </a:extLst>
+              </p:cNvPr>
+              <p:cNvSpPr>
+                <a:spLocks noGrp="1"/>
+              </p:cNvSpPr>
+              <p:nvPr>
+                <p:ph idx="1"/>
+              </p:nvPr>
+            </p:nvSpPr>
+            <p:spPr/>
+            <p:txBody>
+              <a:bodyPr>
+                <a:normAutofit lnSpcReduction="10000"/>
+              </a:bodyPr>
+              <a:lstStyle/>
+              <a:p>
+                <a:pPr>
+                  <a:buClr>
+                    <a:schemeClr val="tx1"/>
+                  </a:buClr>
+                </a:pPr>
+                <a:r>
+                  <a:rPr lang="en-US" sz="3200" dirty="0">
+                    <a:latin typeface="Calibri" panose="020F0502020204030204" pitchFamily="34" charset="0"/>
+                    <a:cs typeface="Calibri" panose="020F0502020204030204" pitchFamily="34" charset="0"/>
+                  </a:rPr>
+                  <a:t>Fair low-rank approximation is NP-hard to approximation within any constant factor</a:t>
+                </a:r>
+              </a:p>
+              <a:p>
+                <a:pPr>
+                  <a:buClr>
+                    <a:schemeClr val="tx1"/>
+                  </a:buClr>
+                </a:pPr>
+                <a:endParaRPr lang="en-US" sz="3200" dirty="0">
+                  <a:latin typeface="Calibri" panose="020F0502020204030204" pitchFamily="34" charset="0"/>
+                  <a:cs typeface="Calibri" panose="020F0502020204030204" pitchFamily="34" charset="0"/>
+                </a:endParaRPr>
+              </a:p>
+              <a:p>
+                <a:pPr>
+                  <a:buClr>
+                    <a:schemeClr val="tx1"/>
+                  </a:buClr>
+                </a:pPr>
+                <a:r>
+                  <a:rPr lang="en-US" sz="3200" dirty="0">
+                    <a:latin typeface="Calibri" panose="020F0502020204030204" pitchFamily="34" charset="0"/>
+                    <a:cs typeface="Calibri" panose="020F0502020204030204" pitchFamily="34" charset="0"/>
+                  </a:rPr>
+                  <a:t>Under the exponential time hypothesis (ETH), fair low-rank approximation requires </a:t>
+                </a:r>
+                <a14:m>
+                  <m:oMath xmlns:m="http://schemas.openxmlformats.org/officeDocument/2006/math">
+                    <m:sSup>
+                      <m:sSupPr>
+                        <m:ctrlPr>
+                          <a:rPr lang="en-US" sz="3200" b="0" i="1" smtClean="0">
+                            <a:solidFill>
+                              <a:srgbClr val="C00000"/>
+                            </a:solidFill>
+                            <a:latin typeface="Cambria Math" panose="02040503050406030204" pitchFamily="18" charset="0"/>
+                            <a:cs typeface="Calibri" panose="020F0502020204030204" pitchFamily="34" charset="0"/>
+                          </a:rPr>
+                        </m:ctrlPr>
+                      </m:sSupPr>
+                      <m:e>
+                        <m:r>
+                          <a:rPr lang="en-US" sz="3200" b="0" i="1" smtClean="0">
+                            <a:solidFill>
+                              <a:srgbClr val="C00000"/>
+                            </a:solidFill>
+                            <a:latin typeface="Cambria Math" panose="02040503050406030204" pitchFamily="18" charset="0"/>
+                            <a:cs typeface="Calibri" panose="020F0502020204030204" pitchFamily="34" charset="0"/>
+                          </a:rPr>
+                          <m:t>2</m:t>
+                        </m:r>
+                      </m:e>
+                      <m:sup>
+                        <m:sSup>
+                          <m:sSupPr>
+                            <m:ctrlPr>
+                              <a:rPr lang="en-US" sz="3200" b="0" i="1" smtClean="0">
+                                <a:solidFill>
+                                  <a:srgbClr val="C00000"/>
+                                </a:solidFill>
+                                <a:latin typeface="Cambria Math" panose="02040503050406030204" pitchFamily="18" charset="0"/>
+                                <a:cs typeface="Calibri" panose="020F0502020204030204" pitchFamily="34" charset="0"/>
+                              </a:rPr>
+                            </m:ctrlPr>
+                          </m:sSupPr>
+                          <m:e>
+                            <m:r>
+                              <a:rPr lang="en-US" sz="3200" b="0" i="1" smtClean="0">
+                                <a:solidFill>
+                                  <a:srgbClr val="C00000"/>
+                                </a:solidFill>
+                                <a:latin typeface="Cambria Math" panose="02040503050406030204" pitchFamily="18" charset="0"/>
+                                <a:cs typeface="Calibri" panose="020F0502020204030204" pitchFamily="34" charset="0"/>
+                              </a:rPr>
+                              <m:t>𝑘</m:t>
+                            </m:r>
+                          </m:e>
+                          <m:sup>
+                            <m:r>
+                              <m:rPr>
+                                <m:sty m:val="p"/>
+                              </m:rPr>
+                              <a:rPr lang="en-US" sz="3200" b="0" i="0" smtClean="0">
+                                <a:solidFill>
+                                  <a:srgbClr val="C00000"/>
+                                </a:solidFill>
+                                <a:latin typeface="Cambria Math" panose="02040503050406030204" pitchFamily="18" charset="0"/>
+                                <a:cs typeface="Calibri" panose="020F0502020204030204" pitchFamily="34" charset="0"/>
+                              </a:rPr>
+                              <m:t>Ω</m:t>
+                            </m:r>
+                            <m:r>
+                              <a:rPr lang="en-US" sz="3200" b="0" i="1" smtClean="0">
+                                <a:solidFill>
+                                  <a:srgbClr val="C00000"/>
+                                </a:solidFill>
+                                <a:latin typeface="Cambria Math" panose="02040503050406030204" pitchFamily="18" charset="0"/>
+                                <a:cs typeface="Calibri" panose="020F0502020204030204" pitchFamily="34" charset="0"/>
+                              </a:rPr>
+                              <m:t>(1)</m:t>
+                            </m:r>
+                          </m:sup>
+                        </m:sSup>
+                      </m:sup>
+                    </m:sSup>
+                  </m:oMath>
+                </a14:m>
+                <a:r>
+                  <a:rPr lang="en-US" sz="3200" dirty="0">
+                    <a:latin typeface="Calibri" panose="020F0502020204030204" pitchFamily="34" charset="0"/>
+                    <a:cs typeface="Calibri" panose="020F0502020204030204" pitchFamily="34" charset="0"/>
+                  </a:rPr>
+                  <a:t> time to approximate within any constant factor</a:t>
+                </a:r>
+              </a:p>
+              <a:p>
+                <a:pPr>
+                  <a:buClr>
+                    <a:schemeClr val="tx1"/>
+                  </a:buClr>
+                </a:pPr>
+                <a:endParaRPr lang="en-US" sz="3200" dirty="0">
+                  <a:latin typeface="Calibri" panose="020F0502020204030204" pitchFamily="34" charset="0"/>
+                  <a:cs typeface="Calibri" panose="020F0502020204030204" pitchFamily="34" charset="0"/>
+                </a:endParaRPr>
+              </a:p>
+              <a:p>
+                <a:pPr>
+                  <a:buClr>
+                    <a:schemeClr val="tx1"/>
+                  </a:buClr>
+                </a:pPr>
+                <a:r>
+                  <a:rPr lang="en-US" sz="3200" dirty="0">
+                    <a:solidFill>
+                      <a:srgbClr val="C00000"/>
+                    </a:solidFill>
+                    <a:latin typeface="Calibri" panose="020F0502020204030204" pitchFamily="34" charset="0"/>
+                    <a:cs typeface="Calibri" panose="020F0502020204030204" pitchFamily="34" charset="0"/>
+                  </a:rPr>
+                  <a:t>Recall</a:t>
+                </a:r>
+                <a:r>
+                  <a:rPr lang="en-US" sz="3200" dirty="0">
+                    <a:latin typeface="Calibri" panose="020F0502020204030204" pitchFamily="34" charset="0"/>
+                    <a:cs typeface="Calibri" panose="020F0502020204030204" pitchFamily="34" charset="0"/>
+                  </a:rPr>
+                  <a:t>: Low-rank approximation is exactly solvable in polynomial time</a:t>
+                </a:r>
+              </a:p>
+            </p:txBody>
+          </p:sp>
+        </mc:Choice>
+        <mc:Fallback>
+          <p:sp>
+            <p:nvSpPr>
+              <p:cNvPr id="3" name="Content Placeholder 2">
+                <a:extLst>
+                  <a:ext uri="{FF2B5EF4-FFF2-40B4-BE49-F238E27FC236}">
+                    <a16:creationId xmlns:a16="http://schemas.microsoft.com/office/drawing/2014/main" id="{14539E76-585C-8A61-CC47-34CBBA3AEE36}"/>
+                  </a:ext>
+                </a:extLst>
+              </p:cNvPr>
+              <p:cNvSpPr>
+                <a:spLocks noGrp="1" noRot="1" noChangeAspect="1" noMove="1" noResize="1" noEditPoints="1" noAdjustHandles="1" noChangeArrowheads="1" noChangeShapeType="1" noTextEdit="1"/>
+              </p:cNvSpPr>
+              <p:nvPr>
+                <p:ph idx="1"/>
+              </p:nvPr>
+            </p:nvSpPr>
+            <p:spPr>
+              <a:blipFill>
+                <a:blip r:embed="rId2"/>
+                <a:stretch>
+                  <a:fillRect l="-1333" t="-3782" b="-980"/>
+                </a:stretch>
+              </a:blipFill>
+            </p:spPr>
+            <p:txBody>
+              <a:bodyPr/>
+              <a:lstStyle/>
+              <a:p>
+                <a:r>
+                  <a:rPr lang="en-US">
+                    <a:noFill/>
+                  </a:rPr>
+                  <a:t> </a:t>
+                </a:r>
+              </a:p>
+            </p:txBody>
+          </p:sp>
+        </mc:Fallback>
+      </mc:AlternateContent>
+    </p:spTree>
+    <p:extLst>
+      <p:ext uri="{BB962C8B-B14F-4D97-AF65-F5344CB8AC3E}">
+        <p14:creationId xmlns:p14="http://schemas.microsoft.com/office/powerpoint/2010/main" val="2628471708"/>
+      </p:ext>
+    </p:extLst>
+  </p:cSld>
+  <p:clrMapOvr>
+    <a:masterClrMapping/>
+  </p:clrMapOvr>
+</p:sld>
+</file>
+
+<file path=ppt/slides/slide8.xml><?xml version="1.0" encoding="utf-8"?>
+<p:sld xmlns:a="http://schemas.openxmlformats.org/drawingml/2006/main" xmlns:r="http://schemas.openxmlformats.org/officeDocument/2006/relationships" xmlns:p="http://schemas.openxmlformats.org/presentationml/2006/main">
+  <p:cSld>
+    <p:spTree>
+      <p:nvGrpSpPr>
+        <p:cNvPr id="1" name="">
+          <a:extLst>
+            <a:ext uri="{FF2B5EF4-FFF2-40B4-BE49-F238E27FC236}">
+              <a16:creationId xmlns:a16="http://schemas.microsoft.com/office/drawing/2014/main" id="{29982CE2-320F-92C4-0745-E9C4A64E58AB}"/>
+            </a:ext>
+          </a:extLst>
+        </p:cNvPr>
+        <p:cNvGrpSpPr/>
+        <p:nvPr/>
+      </p:nvGrpSpPr>
+      <p:grpSpPr>
+        <a:xfrm>
+          <a:off x="0" y="0"/>
+          <a:ext cx="0" cy="0"/>
+          <a:chOff x="0" y="0"/>
+          <a:chExt cx="0" cy="0"/>
+        </a:xfrm>
+      </p:grpSpPr>
+      <p:sp>
+        <p:nvSpPr>
+          <p:cNvPr id="2" name="Title 1">
+            <a:extLst>
+              <a:ext uri="{FF2B5EF4-FFF2-40B4-BE49-F238E27FC236}">
+                <a16:creationId xmlns:a16="http://schemas.microsoft.com/office/drawing/2014/main" id="{2909BD07-6937-A798-AE36-6A78B962CE07}"/>
+              </a:ext>
+            </a:extLst>
+          </p:cNvPr>
+          <p:cNvSpPr>
+            <a:spLocks noGrp="1"/>
+          </p:cNvSpPr>
+          <p:nvPr>
+            <p:ph type="title"/>
+          </p:nvPr>
+        </p:nvSpPr>
+        <p:spPr/>
+        <p:txBody>
+          <a:bodyPr/>
+          <a:lstStyle/>
+          <a:p>
+            <a:r>
+              <a:rPr lang="en-US" dirty="0">
+                <a:solidFill>
+                  <a:srgbClr val="C00000"/>
+                </a:solidFill>
+                <a:latin typeface="Calibri Light" panose="020F0302020204030204" pitchFamily="34" charset="0"/>
+                <a:cs typeface="Calibri Light" panose="020F0302020204030204" pitchFamily="34" charset="0"/>
+              </a:rPr>
+              <a:t>Our Results (II)</a:t>
+            </a:r>
+            <a:endParaRPr lang="en-US" dirty="0">
+              <a:latin typeface="Calibri Light" panose="020F0302020204030204" pitchFamily="34" charset="0"/>
+              <a:cs typeface="Calibri Light" panose="020F0302020204030204" pitchFamily="34" charset="0"/>
+            </a:endParaRPr>
+          </a:p>
+        </p:txBody>
+      </p:sp>
+      <mc:AlternateContent xmlns:mc="http://schemas.openxmlformats.org/markup-compatibility/2006">
+        <mc:Choice xmlns:a14="http://schemas.microsoft.com/office/drawing/2010/main" Requires="a14">
+          <p:sp>
+            <p:nvSpPr>
+              <p:cNvPr id="3" name="Content Placeholder 2">
+                <a:extLst>
+                  <a:ext uri="{FF2B5EF4-FFF2-40B4-BE49-F238E27FC236}">
+                    <a16:creationId xmlns:a16="http://schemas.microsoft.com/office/drawing/2014/main" id="{FFBF8529-BF7C-995E-3ACD-1B13F8A48325}"/>
+                  </a:ext>
+                </a:extLst>
+              </p:cNvPr>
+              <p:cNvSpPr>
+                <a:spLocks noGrp="1"/>
+              </p:cNvSpPr>
+              <p:nvPr>
+                <p:ph idx="1"/>
+              </p:nvPr>
+            </p:nvSpPr>
+            <p:spPr/>
+            <p:txBody>
+              <a:bodyPr>
+                <a:normAutofit lnSpcReduction="10000"/>
+              </a:bodyPr>
+              <a:lstStyle/>
+              <a:p>
+                <a:pPr>
+                  <a:buClr>
+                    <a:schemeClr val="tx1"/>
+                  </a:buClr>
+                </a:pPr>
+                <a:r>
+                  <a:rPr lang="en-US" sz="3200" dirty="0">
+                    <a:latin typeface="Calibri" panose="020F0502020204030204" pitchFamily="34" charset="0"/>
+                    <a:cs typeface="Calibri" panose="020F0502020204030204" pitchFamily="34" charset="0"/>
+                  </a:rPr>
+                  <a:t>Given accuracy parameter </a:t>
+                </a:r>
+                <a14:m>
+                  <m:oMath xmlns:m="http://schemas.openxmlformats.org/officeDocument/2006/math">
+                    <m:r>
+                      <a:rPr lang="en-US" sz="3200" b="0" i="1" smtClean="0">
+                        <a:solidFill>
+                          <a:srgbClr val="C00000"/>
+                        </a:solidFill>
+                        <a:latin typeface="Cambria Math" panose="02040503050406030204" pitchFamily="18" charset="0"/>
+                        <a:cs typeface="Calibri" panose="020F0502020204030204" pitchFamily="34" charset="0"/>
+                      </a:rPr>
+                      <m:t>𝜀</m:t>
+                    </m:r>
+                    <m:r>
+                      <a:rPr lang="en-US" sz="3200" b="0" i="1" smtClean="0">
+                        <a:solidFill>
+                          <a:srgbClr val="C00000"/>
+                        </a:solidFill>
+                        <a:latin typeface="Cambria Math" panose="02040503050406030204" pitchFamily="18" charset="0"/>
+                        <a:cs typeface="Calibri" panose="020F0502020204030204" pitchFamily="34" charset="0"/>
+                      </a:rPr>
+                      <m:t>∈</m:t>
+                    </m:r>
+                    <m:d>
+                      <m:dPr>
+                        <m:ctrlPr>
+                          <a:rPr lang="en-US" sz="3200" b="0" i="1" smtClean="0">
+                            <a:solidFill>
+                              <a:srgbClr val="C00000"/>
+                            </a:solidFill>
+                            <a:latin typeface="Cambria Math" panose="02040503050406030204" pitchFamily="18" charset="0"/>
+                            <a:cs typeface="Calibri" panose="020F0502020204030204" pitchFamily="34" charset="0"/>
+                          </a:rPr>
+                        </m:ctrlPr>
+                      </m:dPr>
+                      <m:e>
+                        <m:r>
+                          <a:rPr lang="en-US" sz="3200" b="0" i="1" smtClean="0">
+                            <a:solidFill>
+                              <a:srgbClr val="C00000"/>
+                            </a:solidFill>
+                            <a:latin typeface="Cambria Math" panose="02040503050406030204" pitchFamily="18" charset="0"/>
+                            <a:cs typeface="Calibri" panose="020F0502020204030204" pitchFamily="34" charset="0"/>
+                          </a:rPr>
+                          <m:t>0,1</m:t>
+                        </m:r>
+                      </m:e>
+                    </m:d>
+                  </m:oMath>
+                </a14:m>
+                <a:r>
+                  <a:rPr lang="en-US" sz="3200" dirty="0">
+                    <a:latin typeface="Calibri" panose="020F0502020204030204" pitchFamily="34" charset="0"/>
+                    <a:cs typeface="Calibri" panose="020F0502020204030204" pitchFamily="34" charset="0"/>
+                  </a:rPr>
+                  <a:t>, there exists </a:t>
+                </a:r>
+                <a14:m>
+                  <m:oMath xmlns:m="http://schemas.openxmlformats.org/officeDocument/2006/math">
+                    <m:d>
+                      <m:dPr>
+                        <m:ctrlPr>
+                          <a:rPr lang="en-US" sz="3200" b="0" i="1" smtClean="0">
+                            <a:solidFill>
+                              <a:srgbClr val="C00000"/>
+                            </a:solidFill>
+                            <a:latin typeface="Cambria Math" panose="02040503050406030204" pitchFamily="18" charset="0"/>
+                            <a:cs typeface="Calibri" panose="020F0502020204030204" pitchFamily="34" charset="0"/>
+                          </a:rPr>
+                        </m:ctrlPr>
+                      </m:dPr>
+                      <m:e>
+                        <m:r>
+                          <a:rPr lang="en-US" sz="3200" b="0" i="1" smtClean="0">
+                            <a:solidFill>
+                              <a:srgbClr val="C00000"/>
+                            </a:solidFill>
+                            <a:latin typeface="Cambria Math" panose="02040503050406030204" pitchFamily="18" charset="0"/>
+                            <a:cs typeface="Calibri" panose="020F0502020204030204" pitchFamily="34" charset="0"/>
+                          </a:rPr>
+                          <m:t>1+</m:t>
+                        </m:r>
+                        <m:r>
+                          <a:rPr lang="en-US" sz="3200" b="0" i="1" smtClean="0">
+                            <a:solidFill>
+                              <a:srgbClr val="C00000"/>
+                            </a:solidFill>
+                            <a:latin typeface="Cambria Math" panose="02040503050406030204" pitchFamily="18" charset="0"/>
+                            <a:cs typeface="Calibri" panose="020F0502020204030204" pitchFamily="34" charset="0"/>
+                          </a:rPr>
+                          <m:t>𝜀</m:t>
+                        </m:r>
+                      </m:e>
+                    </m:d>
+                  </m:oMath>
+                </a14:m>
+                <a:r>
+                  <a:rPr lang="en-US" sz="3200" dirty="0">
+                    <a:latin typeface="Calibri" panose="020F0502020204030204" pitchFamily="34" charset="0"/>
+                    <a:cs typeface="Calibri" panose="020F0502020204030204" pitchFamily="34" charset="0"/>
+                  </a:rPr>
+                  <a:t>-approximation algorithm for fair low-rank approximation that uses time </a:t>
+                </a:r>
+                <a14:m>
+                  <m:oMath xmlns:m="http://schemas.openxmlformats.org/officeDocument/2006/math">
+                    <m:f>
+                      <m:fPr>
+                        <m:ctrlPr>
+                          <a:rPr lang="en-US" sz="3200" b="0" i="1" smtClean="0">
+                            <a:solidFill>
+                              <a:srgbClr val="C00000"/>
+                            </a:solidFill>
+                            <a:latin typeface="Cambria Math" panose="02040503050406030204" pitchFamily="18" charset="0"/>
+                            <a:cs typeface="Calibri" panose="020F0502020204030204" pitchFamily="34" charset="0"/>
+                          </a:rPr>
+                        </m:ctrlPr>
+                      </m:fPr>
+                      <m:num>
+                        <m:r>
+                          <a:rPr lang="en-US" sz="3200" b="0" i="1" smtClean="0">
+                            <a:solidFill>
+                              <a:srgbClr val="C00000"/>
+                            </a:solidFill>
+                            <a:latin typeface="Cambria Math" panose="02040503050406030204" pitchFamily="18" charset="0"/>
+                            <a:cs typeface="Calibri" panose="020F0502020204030204" pitchFamily="34" charset="0"/>
+                          </a:rPr>
+                          <m:t>1</m:t>
+                        </m:r>
+                      </m:num>
+                      <m:den>
+                        <m:r>
+                          <a:rPr lang="en-US" sz="3200" b="0" i="1" smtClean="0">
+                            <a:solidFill>
+                              <a:srgbClr val="C00000"/>
+                            </a:solidFill>
+                            <a:latin typeface="Cambria Math" panose="02040503050406030204" pitchFamily="18" charset="0"/>
+                            <a:cs typeface="Calibri" panose="020F0502020204030204" pitchFamily="34" charset="0"/>
+                          </a:rPr>
+                          <m:t>𝜀</m:t>
+                        </m:r>
+                      </m:den>
+                    </m:f>
+                    <m:r>
+                      <a:rPr lang="en-US" sz="3200" b="0" i="0" smtClean="0">
+                        <a:solidFill>
+                          <a:srgbClr val="C00000"/>
+                        </a:solidFill>
+                        <a:latin typeface="Cambria Math" panose="02040503050406030204" pitchFamily="18" charset="0"/>
+                        <a:cs typeface="Calibri" panose="020F0502020204030204" pitchFamily="34" charset="0"/>
+                      </a:rPr>
+                      <m:t> </m:t>
+                    </m:r>
+                    <m:r>
+                      <m:rPr>
+                        <m:sty m:val="p"/>
+                      </m:rPr>
+                      <a:rPr lang="en-US" sz="3200" b="0" i="0" smtClean="0">
+                        <a:solidFill>
+                          <a:srgbClr val="C00000"/>
+                        </a:solidFill>
+                        <a:latin typeface="Cambria Math" panose="02040503050406030204" pitchFamily="18" charset="0"/>
+                        <a:cs typeface="Calibri" panose="020F0502020204030204" pitchFamily="34" charset="0"/>
+                      </a:rPr>
+                      <m:t>poly</m:t>
+                    </m:r>
+                    <m:d>
+                      <m:dPr>
+                        <m:ctrlPr>
+                          <a:rPr lang="en-US" sz="3200" b="0" i="1" smtClean="0">
+                            <a:solidFill>
+                              <a:srgbClr val="C00000"/>
+                            </a:solidFill>
+                            <a:latin typeface="Cambria Math" panose="02040503050406030204" pitchFamily="18" charset="0"/>
+                            <a:cs typeface="Calibri" panose="020F0502020204030204" pitchFamily="34" charset="0"/>
+                          </a:rPr>
+                        </m:ctrlPr>
+                      </m:dPr>
+                      <m:e>
+                        <m:r>
+                          <a:rPr lang="en-US" sz="3200" b="0" i="1" smtClean="0">
+                            <a:solidFill>
+                              <a:srgbClr val="C00000"/>
+                            </a:solidFill>
+                            <a:latin typeface="Cambria Math" panose="02040503050406030204" pitchFamily="18" charset="0"/>
+                            <a:cs typeface="Calibri" panose="020F0502020204030204" pitchFamily="34" charset="0"/>
+                          </a:rPr>
+                          <m:t>𝑛</m:t>
+                        </m:r>
+                      </m:e>
+                    </m:d>
+                    <m:r>
+                      <a:rPr lang="en-US" sz="3200" b="0" i="1" smtClean="0">
+                        <a:solidFill>
+                          <a:srgbClr val="C00000"/>
+                        </a:solidFill>
+                        <a:latin typeface="Cambria Math" panose="02040503050406030204" pitchFamily="18" charset="0"/>
+                        <a:cs typeface="Calibri" panose="020F0502020204030204" pitchFamily="34" charset="0"/>
+                      </a:rPr>
+                      <m:t>⋅</m:t>
+                    </m:r>
+                    <m:sSup>
+                      <m:sSupPr>
+                        <m:ctrlPr>
+                          <a:rPr lang="en-US" sz="3200" b="0" i="1" smtClean="0">
+                            <a:solidFill>
+                              <a:srgbClr val="C00000"/>
+                            </a:solidFill>
+                            <a:latin typeface="Cambria Math" panose="02040503050406030204" pitchFamily="18" charset="0"/>
+                            <a:cs typeface="Calibri" panose="020F0502020204030204" pitchFamily="34" charset="0"/>
+                          </a:rPr>
+                        </m:ctrlPr>
+                      </m:sSupPr>
+                      <m:e>
+                        <m:d>
+                          <m:dPr>
+                            <m:ctrlPr>
+                              <a:rPr lang="en-US" sz="3200" b="0" i="1" smtClean="0">
+                                <a:solidFill>
+                                  <a:srgbClr val="C00000"/>
+                                </a:solidFill>
+                                <a:latin typeface="Cambria Math" panose="02040503050406030204" pitchFamily="18" charset="0"/>
+                                <a:cs typeface="Calibri" panose="020F0502020204030204" pitchFamily="34" charset="0"/>
+                              </a:rPr>
+                            </m:ctrlPr>
+                          </m:dPr>
+                          <m:e>
+                            <m:r>
+                              <a:rPr lang="en-US" sz="3200" b="0" i="1" smtClean="0">
+                                <a:solidFill>
+                                  <a:srgbClr val="C00000"/>
+                                </a:solidFill>
+                                <a:latin typeface="Cambria Math" panose="02040503050406030204" pitchFamily="18" charset="0"/>
+                                <a:cs typeface="Calibri" panose="020F0502020204030204" pitchFamily="34" charset="0"/>
+                              </a:rPr>
+                              <m:t>2ℓ</m:t>
+                            </m:r>
+                          </m:e>
+                        </m:d>
+                      </m:e>
+                      <m:sup>
+                        <m:r>
+                          <m:rPr>
+                            <m:sty m:val="p"/>
+                          </m:rPr>
+                          <a:rPr lang="en-US" sz="3200" b="0" i="0" smtClean="0">
+                            <a:solidFill>
+                              <a:srgbClr val="C00000"/>
+                            </a:solidFill>
+                            <a:latin typeface="Cambria Math" panose="02040503050406030204" pitchFamily="18" charset="0"/>
+                            <a:cs typeface="Calibri" panose="020F0502020204030204" pitchFamily="34" charset="0"/>
+                          </a:rPr>
+                          <m:t>poly</m:t>
+                        </m:r>
+                        <m:d>
+                          <m:dPr>
+                            <m:ctrlPr>
+                              <a:rPr lang="en-US" sz="3200" b="0" i="1" smtClean="0">
+                                <a:solidFill>
+                                  <a:srgbClr val="C00000"/>
+                                </a:solidFill>
+                                <a:latin typeface="Cambria Math" panose="02040503050406030204" pitchFamily="18" charset="0"/>
+                                <a:cs typeface="Calibri" panose="020F0502020204030204" pitchFamily="34" charset="0"/>
+                              </a:rPr>
+                            </m:ctrlPr>
+                          </m:dPr>
+                          <m:e>
+                            <m:r>
+                              <a:rPr lang="en-US" sz="3200" b="0" i="1" smtClean="0">
+                                <a:solidFill>
+                                  <a:srgbClr val="C00000"/>
+                                </a:solidFill>
+                                <a:latin typeface="Cambria Math" panose="02040503050406030204" pitchFamily="18" charset="0"/>
+                                <a:cs typeface="Calibri" panose="020F0502020204030204" pitchFamily="34" charset="0"/>
+                              </a:rPr>
+                              <m:t>ℓ,</m:t>
+                            </m:r>
+                            <m:r>
+                              <a:rPr lang="en-US" sz="3200" b="0" i="1" smtClean="0">
+                                <a:solidFill>
+                                  <a:srgbClr val="C00000"/>
+                                </a:solidFill>
+                                <a:latin typeface="Cambria Math" panose="02040503050406030204" pitchFamily="18" charset="0"/>
+                                <a:cs typeface="Calibri" panose="020F0502020204030204" pitchFamily="34" charset="0"/>
+                              </a:rPr>
+                              <m:t>𝑘</m:t>
+                            </m:r>
+                            <m:r>
+                              <a:rPr lang="en-US" sz="3200" b="0" i="1" smtClean="0">
+                                <a:solidFill>
+                                  <a:srgbClr val="C00000"/>
+                                </a:solidFill>
+                                <a:latin typeface="Cambria Math" panose="02040503050406030204" pitchFamily="18" charset="0"/>
+                                <a:cs typeface="Calibri" panose="020F0502020204030204" pitchFamily="34" charset="0"/>
+                              </a:rPr>
+                              <m:t>,</m:t>
+                            </m:r>
+                            <m:f>
+                              <m:fPr>
+                                <m:ctrlPr>
+                                  <a:rPr lang="en-US" sz="3200" b="0" i="1" smtClean="0">
+                                    <a:solidFill>
+                                      <a:srgbClr val="C00000"/>
+                                    </a:solidFill>
+                                    <a:latin typeface="Cambria Math" panose="02040503050406030204" pitchFamily="18" charset="0"/>
+                                    <a:cs typeface="Calibri" panose="020F0502020204030204" pitchFamily="34" charset="0"/>
+                                  </a:rPr>
+                                </m:ctrlPr>
+                              </m:fPr>
+                              <m:num>
+                                <m:r>
+                                  <a:rPr lang="en-US" sz="3200" b="0" i="1" smtClean="0">
+                                    <a:solidFill>
+                                      <a:srgbClr val="C00000"/>
+                                    </a:solidFill>
+                                    <a:latin typeface="Cambria Math" panose="02040503050406030204" pitchFamily="18" charset="0"/>
+                                    <a:cs typeface="Calibri" panose="020F0502020204030204" pitchFamily="34" charset="0"/>
+                                  </a:rPr>
+                                  <m:t>1</m:t>
+                                </m:r>
+                              </m:num>
+                              <m:den>
+                                <m:r>
+                                  <a:rPr lang="en-US" sz="3200" b="0" i="1" smtClean="0">
+                                    <a:solidFill>
+                                      <a:srgbClr val="C00000"/>
+                                    </a:solidFill>
+                                    <a:latin typeface="Cambria Math" panose="02040503050406030204" pitchFamily="18" charset="0"/>
+                                    <a:cs typeface="Calibri" panose="020F0502020204030204" pitchFamily="34" charset="0"/>
+                                  </a:rPr>
+                                  <m:t>𝜀</m:t>
+                                </m:r>
+                              </m:den>
+                            </m:f>
+                          </m:e>
+                        </m:d>
+                      </m:sup>
+                    </m:sSup>
+                  </m:oMath>
+                </a14:m>
+                <a:endParaRPr lang="en-US" sz="3200" b="0" dirty="0">
+                  <a:solidFill>
+                    <a:srgbClr val="C00000"/>
+                  </a:solidFill>
+                  <a:latin typeface="Calibri" panose="020F0502020204030204" pitchFamily="34" charset="0"/>
+                  <a:cs typeface="Calibri" panose="020F0502020204030204" pitchFamily="34" charset="0"/>
+                </a:endParaRPr>
+              </a:p>
+              <a:p>
+                <a:pPr>
+                  <a:buClr>
+                    <a:schemeClr val="tx1"/>
+                  </a:buClr>
+                </a:pPr>
+                <a:endParaRPr lang="en-US" sz="3200" dirty="0">
+                  <a:latin typeface="Calibri" panose="020F0502020204030204" pitchFamily="34" charset="0"/>
+                  <a:cs typeface="Calibri" panose="020F0502020204030204" pitchFamily="34" charset="0"/>
+                </a:endParaRPr>
+              </a:p>
+              <a:p>
+                <a:pPr>
+                  <a:buClr>
+                    <a:schemeClr val="tx1"/>
+                  </a:buClr>
+                </a:pPr>
+                <a:r>
+                  <a:rPr lang="en-US" sz="3200" dirty="0">
+                    <a:latin typeface="Calibri" panose="020F0502020204030204" pitchFamily="34" charset="0"/>
+                    <a:cs typeface="Calibri" panose="020F0502020204030204" pitchFamily="34" charset="0"/>
+                  </a:rPr>
+                  <a:t>Given trade-off parameter </a:t>
+                </a:r>
+                <a14:m>
+                  <m:oMath xmlns:m="http://schemas.openxmlformats.org/officeDocument/2006/math">
+                    <m:r>
+                      <a:rPr lang="en-US" sz="3200" b="0" i="1" smtClean="0">
+                        <a:solidFill>
+                          <a:srgbClr val="C00000"/>
+                        </a:solidFill>
+                        <a:latin typeface="Cambria Math" panose="02040503050406030204" pitchFamily="18" charset="0"/>
+                        <a:cs typeface="Calibri" panose="020F0502020204030204" pitchFamily="34" charset="0"/>
+                      </a:rPr>
+                      <m:t>𝑐</m:t>
+                    </m:r>
+                    <m:r>
+                      <a:rPr lang="en-US" sz="3200" b="0" i="1" smtClean="0">
+                        <a:solidFill>
+                          <a:srgbClr val="C00000"/>
+                        </a:solidFill>
+                        <a:latin typeface="Cambria Math" panose="02040503050406030204" pitchFamily="18" charset="0"/>
+                        <a:cs typeface="Calibri" panose="020F0502020204030204" pitchFamily="34" charset="0"/>
+                      </a:rPr>
+                      <m:t>∈</m:t>
+                    </m:r>
+                    <m:d>
+                      <m:dPr>
+                        <m:ctrlPr>
+                          <a:rPr lang="en-US" sz="3200" b="0" i="1" smtClean="0">
+                            <a:solidFill>
+                              <a:srgbClr val="C00000"/>
+                            </a:solidFill>
+                            <a:latin typeface="Cambria Math" panose="02040503050406030204" pitchFamily="18" charset="0"/>
+                            <a:cs typeface="Calibri" panose="020F0502020204030204" pitchFamily="34" charset="0"/>
+                          </a:rPr>
+                        </m:ctrlPr>
+                      </m:dPr>
+                      <m:e>
+                        <m:r>
+                          <a:rPr lang="en-US" sz="3200" b="0" i="1" smtClean="0">
+                            <a:solidFill>
+                              <a:srgbClr val="C00000"/>
+                            </a:solidFill>
+                            <a:latin typeface="Cambria Math" panose="02040503050406030204" pitchFamily="18" charset="0"/>
+                            <a:cs typeface="Calibri" panose="020F0502020204030204" pitchFamily="34" charset="0"/>
+                          </a:rPr>
+                          <m:t>0,1</m:t>
+                        </m:r>
+                      </m:e>
+                    </m:d>
+                  </m:oMath>
+                </a14:m>
+                <a:r>
+                  <a:rPr lang="en-US" sz="3200" dirty="0">
+                    <a:latin typeface="Calibri" panose="020F0502020204030204" pitchFamily="34" charset="0"/>
+                    <a:cs typeface="Calibri" panose="020F0502020204030204" pitchFamily="34" charset="0"/>
+                  </a:rPr>
+                  <a:t>, there exists </a:t>
+                </a:r>
+                <a14:m>
+                  <m:oMath xmlns:m="http://schemas.openxmlformats.org/officeDocument/2006/math">
+                    <m:sSup>
+                      <m:sSupPr>
+                        <m:ctrlPr>
+                          <a:rPr lang="en-US" sz="3200" b="0" i="1" smtClean="0">
+                            <a:solidFill>
+                              <a:srgbClr val="C00000"/>
+                            </a:solidFill>
+                            <a:latin typeface="Cambria Math" panose="02040503050406030204" pitchFamily="18" charset="0"/>
+                            <a:cs typeface="Calibri" panose="020F0502020204030204" pitchFamily="34" charset="0"/>
+                          </a:rPr>
+                        </m:ctrlPr>
+                      </m:sSupPr>
+                      <m:e>
+                        <m:r>
+                          <a:rPr lang="en-US" sz="3200" b="0" i="1" smtClean="0">
+                            <a:solidFill>
+                              <a:srgbClr val="C00000"/>
+                            </a:solidFill>
+                            <a:latin typeface="Cambria Math" panose="02040503050406030204" pitchFamily="18" charset="0"/>
+                            <a:cs typeface="Calibri" panose="020F0502020204030204" pitchFamily="34" charset="0"/>
+                          </a:rPr>
+                          <m:t>ℓ</m:t>
+                        </m:r>
+                      </m:e>
+                      <m:sup>
+                        <m:r>
+                          <a:rPr lang="en-US" sz="3200" b="0" i="1" smtClean="0">
+                            <a:solidFill>
+                              <a:srgbClr val="C00000"/>
+                            </a:solidFill>
+                            <a:latin typeface="Cambria Math" panose="02040503050406030204" pitchFamily="18" charset="0"/>
+                            <a:cs typeface="Calibri" panose="020F0502020204030204" pitchFamily="34" charset="0"/>
+                          </a:rPr>
+                          <m:t>𝑐</m:t>
+                        </m:r>
+                      </m:sup>
+                    </m:sSup>
+                    <m:r>
+                      <a:rPr lang="en-US" sz="3200" b="0" i="1" smtClean="0">
+                        <a:solidFill>
+                          <a:srgbClr val="C00000"/>
+                        </a:solidFill>
+                        <a:latin typeface="Cambria Math" panose="02040503050406030204" pitchFamily="18" charset="0"/>
+                        <a:cs typeface="Calibri" panose="020F0502020204030204" pitchFamily="34" charset="0"/>
+                      </a:rPr>
+                      <m:t>⋅</m:t>
+                    </m:r>
+                    <m:sSup>
+                      <m:sSupPr>
+                        <m:ctrlPr>
+                          <a:rPr lang="en-US" sz="3200" b="0" i="1" smtClean="0">
+                            <a:solidFill>
+                              <a:srgbClr val="C00000"/>
+                            </a:solidFill>
+                            <a:latin typeface="Cambria Math" panose="02040503050406030204" pitchFamily="18" charset="0"/>
+                            <a:cs typeface="Calibri" panose="020F0502020204030204" pitchFamily="34" charset="0"/>
+                          </a:rPr>
+                        </m:ctrlPr>
+                      </m:sSupPr>
+                      <m:e>
+                        <m:r>
+                          <a:rPr lang="en-US" sz="3200" b="0" i="1" smtClean="0">
+                            <a:solidFill>
+                              <a:srgbClr val="C00000"/>
+                            </a:solidFill>
+                            <a:latin typeface="Cambria Math" panose="02040503050406030204" pitchFamily="18" charset="0"/>
+                            <a:cs typeface="Calibri" panose="020F0502020204030204" pitchFamily="34" charset="0"/>
+                          </a:rPr>
+                          <m:t>2</m:t>
+                        </m:r>
+                      </m:e>
+                      <m:sup>
+                        <m:f>
+                          <m:fPr>
+                            <m:ctrlPr>
+                              <a:rPr lang="en-US" sz="3200" b="0" i="1" smtClean="0">
+                                <a:solidFill>
+                                  <a:srgbClr val="C00000"/>
+                                </a:solidFill>
+                                <a:latin typeface="Cambria Math" panose="02040503050406030204" pitchFamily="18" charset="0"/>
+                                <a:cs typeface="Calibri" panose="020F0502020204030204" pitchFamily="34" charset="0"/>
+                              </a:rPr>
+                            </m:ctrlPr>
+                          </m:fPr>
+                          <m:num>
+                            <m:r>
+                              <a:rPr lang="en-US" sz="3200" b="0" i="1" smtClean="0">
+                                <a:solidFill>
+                                  <a:srgbClr val="C00000"/>
+                                </a:solidFill>
+                                <a:latin typeface="Cambria Math" panose="02040503050406030204" pitchFamily="18" charset="0"/>
+                                <a:cs typeface="Calibri" panose="020F0502020204030204" pitchFamily="34" charset="0"/>
+                              </a:rPr>
+                              <m:t>1</m:t>
+                            </m:r>
+                          </m:num>
+                          <m:den>
+                            <m:r>
+                              <a:rPr lang="en-US" sz="3200" b="0" i="1" smtClean="0">
+                                <a:solidFill>
+                                  <a:srgbClr val="C00000"/>
+                                </a:solidFill>
+                                <a:latin typeface="Cambria Math" panose="02040503050406030204" pitchFamily="18" charset="0"/>
+                                <a:cs typeface="Calibri" panose="020F0502020204030204" pitchFamily="34" charset="0"/>
+                              </a:rPr>
+                              <m:t>𝑐</m:t>
+                            </m:r>
+                          </m:den>
+                        </m:f>
+                      </m:sup>
+                    </m:sSup>
+                    <m:r>
+                      <a:rPr lang="en-US" sz="3200" b="0" i="1" smtClean="0">
+                        <a:solidFill>
+                          <a:srgbClr val="C00000"/>
+                        </a:solidFill>
+                        <a:latin typeface="Cambria Math" panose="02040503050406030204" pitchFamily="18" charset="0"/>
+                        <a:cs typeface="Calibri" panose="020F0502020204030204" pitchFamily="34" charset="0"/>
+                      </a:rPr>
+                      <m:t>⋅</m:t>
+                    </m:r>
+                    <m:r>
+                      <a:rPr lang="en-US" sz="3200" b="0" i="1" smtClean="0">
+                        <a:solidFill>
+                          <a:srgbClr val="C00000"/>
+                        </a:solidFill>
+                        <a:latin typeface="Cambria Math" panose="02040503050406030204" pitchFamily="18" charset="0"/>
+                        <a:cs typeface="Calibri" panose="020F0502020204030204" pitchFamily="34" charset="0"/>
+                      </a:rPr>
+                      <m:t>𝑂</m:t>
+                    </m:r>
+                    <m:d>
+                      <m:dPr>
+                        <m:ctrlPr>
+                          <a:rPr lang="en-US" sz="3200" b="0" i="1" smtClean="0">
+                            <a:solidFill>
+                              <a:srgbClr val="C00000"/>
+                            </a:solidFill>
+                            <a:latin typeface="Cambria Math" panose="02040503050406030204" pitchFamily="18" charset="0"/>
+                            <a:cs typeface="Calibri" panose="020F0502020204030204" pitchFamily="34" charset="0"/>
+                          </a:rPr>
+                        </m:ctrlPr>
+                      </m:dPr>
+                      <m:e>
+                        <m:r>
+                          <a:rPr lang="en-US" sz="3200" b="0" i="1" smtClean="0">
+                            <a:solidFill>
+                              <a:srgbClr val="C00000"/>
+                            </a:solidFill>
+                            <a:latin typeface="Cambria Math" panose="02040503050406030204" pitchFamily="18" charset="0"/>
+                            <a:cs typeface="Calibri" panose="020F0502020204030204" pitchFamily="34" charset="0"/>
+                          </a:rPr>
+                          <m:t>𝑘</m:t>
+                        </m:r>
+                        <m:d>
+                          <m:dPr>
+                            <m:ctrlPr>
+                              <a:rPr lang="en-US" sz="3200" b="0" i="1" smtClean="0">
+                                <a:solidFill>
+                                  <a:srgbClr val="C00000"/>
+                                </a:solidFill>
+                                <a:latin typeface="Cambria Math" panose="02040503050406030204" pitchFamily="18" charset="0"/>
+                                <a:cs typeface="Calibri" panose="020F0502020204030204" pitchFamily="34" charset="0"/>
+                              </a:rPr>
+                            </m:ctrlPr>
+                          </m:dPr>
+                          <m:e>
+                            <m:func>
+                              <m:funcPr>
+                                <m:ctrlPr>
+                                  <a:rPr lang="en-US" sz="3200" b="0" i="1" smtClean="0">
+                                    <a:solidFill>
+                                      <a:srgbClr val="C00000"/>
+                                    </a:solidFill>
+                                    <a:latin typeface="Cambria Math" panose="02040503050406030204" pitchFamily="18" charset="0"/>
+                                    <a:cs typeface="Calibri" panose="020F0502020204030204" pitchFamily="34" charset="0"/>
+                                  </a:rPr>
+                                </m:ctrlPr>
+                              </m:funcPr>
+                              <m:fName>
+                                <m:r>
+                                  <m:rPr>
+                                    <m:sty m:val="p"/>
+                                  </m:rPr>
+                                  <a:rPr lang="en-US" sz="3200" b="0" i="0" smtClean="0">
+                                    <a:solidFill>
+                                      <a:srgbClr val="C00000"/>
+                                    </a:solidFill>
+                                    <a:latin typeface="Cambria Math" panose="02040503050406030204" pitchFamily="18" charset="0"/>
+                                    <a:cs typeface="Calibri" panose="020F0502020204030204" pitchFamily="34" charset="0"/>
+                                  </a:rPr>
+                                  <m:t>log</m:t>
+                                </m:r>
+                              </m:fName>
+                              <m:e>
+                                <m:func>
+                                  <m:funcPr>
+                                    <m:ctrlPr>
+                                      <a:rPr lang="en-US" sz="3200" b="0" i="1" smtClean="0">
+                                        <a:solidFill>
+                                          <a:srgbClr val="C00000"/>
+                                        </a:solidFill>
+                                        <a:latin typeface="Cambria Math" panose="02040503050406030204" pitchFamily="18" charset="0"/>
+                                        <a:cs typeface="Calibri" panose="020F0502020204030204" pitchFamily="34" charset="0"/>
+                                      </a:rPr>
+                                    </m:ctrlPr>
+                                  </m:funcPr>
+                                  <m:fName>
+                                    <m:r>
+                                      <m:rPr>
+                                        <m:sty m:val="p"/>
+                                      </m:rPr>
+                                      <a:rPr lang="en-US" sz="3200" b="0" i="0" smtClean="0">
+                                        <a:solidFill>
+                                          <a:srgbClr val="C00000"/>
+                                        </a:solidFill>
+                                        <a:latin typeface="Cambria Math" panose="02040503050406030204" pitchFamily="18" charset="0"/>
+                                        <a:cs typeface="Calibri" panose="020F0502020204030204" pitchFamily="34" charset="0"/>
+                                      </a:rPr>
+                                      <m:t>log</m:t>
+                                    </m:r>
+                                  </m:fName>
+                                  <m:e>
+                                    <m:r>
+                                      <a:rPr lang="en-US" sz="3200" b="0" i="1" smtClean="0">
+                                        <a:solidFill>
+                                          <a:srgbClr val="C00000"/>
+                                        </a:solidFill>
+                                        <a:latin typeface="Cambria Math" panose="02040503050406030204" pitchFamily="18" charset="0"/>
+                                        <a:cs typeface="Calibri" panose="020F0502020204030204" pitchFamily="34" charset="0"/>
+                                      </a:rPr>
+                                      <m:t>𝑘</m:t>
+                                    </m:r>
+                                  </m:e>
+                                </m:func>
+                              </m:e>
+                            </m:func>
+                          </m:e>
+                        </m:d>
+                        <m:d>
+                          <m:dPr>
+                            <m:ctrlPr>
+                              <a:rPr lang="en-US" sz="3200" b="0" i="1" smtClean="0">
+                                <a:solidFill>
+                                  <a:srgbClr val="C00000"/>
+                                </a:solidFill>
+                                <a:latin typeface="Cambria Math" panose="02040503050406030204" pitchFamily="18" charset="0"/>
+                                <a:cs typeface="Calibri" panose="020F0502020204030204" pitchFamily="34" charset="0"/>
+                              </a:rPr>
+                            </m:ctrlPr>
+                          </m:dPr>
+                          <m:e>
+                            <m:func>
+                              <m:funcPr>
+                                <m:ctrlPr>
+                                  <a:rPr lang="en-US" sz="3200" b="0" i="1" smtClean="0">
+                                    <a:solidFill>
+                                      <a:srgbClr val="C00000"/>
+                                    </a:solidFill>
+                                    <a:latin typeface="Cambria Math" panose="02040503050406030204" pitchFamily="18" charset="0"/>
+                                    <a:cs typeface="Calibri" panose="020F0502020204030204" pitchFamily="34" charset="0"/>
+                                  </a:rPr>
+                                </m:ctrlPr>
+                              </m:funcPr>
+                              <m:fName>
+                                <m:r>
+                                  <m:rPr>
+                                    <m:sty m:val="p"/>
+                                  </m:rPr>
+                                  <a:rPr lang="en-US" sz="3200" b="0" i="0" smtClean="0">
+                                    <a:solidFill>
+                                      <a:srgbClr val="C00000"/>
+                                    </a:solidFill>
+                                    <a:latin typeface="Cambria Math" panose="02040503050406030204" pitchFamily="18" charset="0"/>
+                                    <a:cs typeface="Calibri" panose="020F0502020204030204" pitchFamily="34" charset="0"/>
+                                  </a:rPr>
+                                  <m:t>log</m:t>
+                                </m:r>
+                              </m:fName>
+                              <m:e>
+                                <m:r>
+                                  <a:rPr lang="en-US" sz="3200" b="0" i="1" smtClean="0">
+                                    <a:solidFill>
+                                      <a:srgbClr val="C00000"/>
+                                    </a:solidFill>
+                                    <a:latin typeface="Cambria Math" panose="02040503050406030204" pitchFamily="18" charset="0"/>
+                                    <a:cs typeface="Calibri" panose="020F0502020204030204" pitchFamily="34" charset="0"/>
+                                  </a:rPr>
+                                  <m:t>𝑑</m:t>
+                                </m:r>
+                              </m:e>
+                            </m:func>
+                          </m:e>
+                        </m:d>
+                      </m:e>
+                    </m:d>
+                  </m:oMath>
+                </a14:m>
+                <a:r>
+                  <a:rPr lang="en-US" sz="3200" dirty="0">
+                    <a:latin typeface="Calibri" panose="020F0502020204030204" pitchFamily="34" charset="0"/>
+                    <a:cs typeface="Calibri" panose="020F0502020204030204" pitchFamily="34" charset="0"/>
+                  </a:rPr>
+                  <a:t>-approximation algorithm for fair low-rank approximation that uses polynomial time, but with bicriteria rank </a:t>
+                </a:r>
+                <a14:m>
+                  <m:oMath xmlns:m="http://schemas.openxmlformats.org/officeDocument/2006/math">
+                    <m:r>
+                      <a:rPr lang="en-US" sz="3200" i="1">
+                        <a:solidFill>
+                          <a:srgbClr val="C00000"/>
+                        </a:solidFill>
+                        <a:latin typeface="Cambria Math" panose="02040503050406030204" pitchFamily="18" charset="0"/>
+                        <a:cs typeface="Calibri" panose="020F0502020204030204" pitchFamily="34" charset="0"/>
+                      </a:rPr>
+                      <m:t>𝑂</m:t>
+                    </m:r>
+                    <m:d>
+                      <m:dPr>
+                        <m:ctrlPr>
+                          <a:rPr lang="en-US" sz="3200" i="1">
+                            <a:solidFill>
+                              <a:srgbClr val="C00000"/>
+                            </a:solidFill>
+                            <a:latin typeface="Cambria Math" panose="02040503050406030204" pitchFamily="18" charset="0"/>
+                            <a:cs typeface="Calibri" panose="020F0502020204030204" pitchFamily="34" charset="0"/>
+                          </a:rPr>
+                        </m:ctrlPr>
+                      </m:dPr>
+                      <m:e>
+                        <m:r>
+                          <a:rPr lang="en-US" sz="3200" i="1">
+                            <a:solidFill>
+                              <a:srgbClr val="C00000"/>
+                            </a:solidFill>
+                            <a:latin typeface="Cambria Math" panose="02040503050406030204" pitchFamily="18" charset="0"/>
+                            <a:cs typeface="Calibri" panose="020F0502020204030204" pitchFamily="34" charset="0"/>
+                          </a:rPr>
+                          <m:t>𝑘</m:t>
+                        </m:r>
+                        <m:d>
+                          <m:dPr>
+                            <m:ctrlPr>
+                              <a:rPr lang="en-US" sz="3200" i="1">
+                                <a:solidFill>
+                                  <a:srgbClr val="C00000"/>
+                                </a:solidFill>
+                                <a:latin typeface="Cambria Math" panose="02040503050406030204" pitchFamily="18" charset="0"/>
+                                <a:cs typeface="Calibri" panose="020F0502020204030204" pitchFamily="34" charset="0"/>
+                              </a:rPr>
+                            </m:ctrlPr>
+                          </m:dPr>
+                          <m:e>
+                            <m:func>
+                              <m:funcPr>
+                                <m:ctrlPr>
+                                  <a:rPr lang="en-US" sz="3200" i="1">
+                                    <a:solidFill>
+                                      <a:srgbClr val="C00000"/>
+                                    </a:solidFill>
+                                    <a:latin typeface="Cambria Math" panose="02040503050406030204" pitchFamily="18" charset="0"/>
+                                    <a:cs typeface="Calibri" panose="020F0502020204030204" pitchFamily="34" charset="0"/>
+                                  </a:rPr>
+                                </m:ctrlPr>
+                              </m:funcPr>
+                              <m:fName>
+                                <m:r>
+                                  <m:rPr>
+                                    <m:sty m:val="p"/>
+                                  </m:rPr>
+                                  <a:rPr lang="en-US" sz="3200">
+                                    <a:solidFill>
+                                      <a:srgbClr val="C00000"/>
+                                    </a:solidFill>
+                                    <a:latin typeface="Cambria Math" panose="02040503050406030204" pitchFamily="18" charset="0"/>
+                                    <a:cs typeface="Calibri" panose="020F0502020204030204" pitchFamily="34" charset="0"/>
+                                  </a:rPr>
+                                  <m:t>log</m:t>
+                                </m:r>
+                              </m:fName>
+                              <m:e>
+                                <m:func>
+                                  <m:funcPr>
+                                    <m:ctrlPr>
+                                      <a:rPr lang="en-US" sz="3200" i="1">
+                                        <a:solidFill>
+                                          <a:srgbClr val="C00000"/>
+                                        </a:solidFill>
+                                        <a:latin typeface="Cambria Math" panose="02040503050406030204" pitchFamily="18" charset="0"/>
+                                        <a:cs typeface="Calibri" panose="020F0502020204030204" pitchFamily="34" charset="0"/>
+                                      </a:rPr>
+                                    </m:ctrlPr>
+                                  </m:funcPr>
+                                  <m:fName>
+                                    <m:r>
+                                      <m:rPr>
+                                        <m:sty m:val="p"/>
+                                      </m:rPr>
+                                      <a:rPr lang="en-US" sz="3200">
+                                        <a:solidFill>
+                                          <a:srgbClr val="C00000"/>
+                                        </a:solidFill>
+                                        <a:latin typeface="Cambria Math" panose="02040503050406030204" pitchFamily="18" charset="0"/>
+                                        <a:cs typeface="Calibri" panose="020F0502020204030204" pitchFamily="34" charset="0"/>
+                                      </a:rPr>
+                                      <m:t>log</m:t>
+                                    </m:r>
+                                  </m:fName>
+                                  <m:e>
+                                    <m:r>
+                                      <a:rPr lang="en-US" sz="3200" i="1">
+                                        <a:solidFill>
+                                          <a:srgbClr val="C00000"/>
+                                        </a:solidFill>
+                                        <a:latin typeface="Cambria Math" panose="02040503050406030204" pitchFamily="18" charset="0"/>
+                                        <a:cs typeface="Calibri" panose="020F0502020204030204" pitchFamily="34" charset="0"/>
+                                      </a:rPr>
+                                      <m:t>𝑘</m:t>
+                                    </m:r>
+                                  </m:e>
+                                </m:func>
+                              </m:e>
+                            </m:func>
+                          </m:e>
+                        </m:d>
+                        <m:d>
+                          <m:dPr>
+                            <m:ctrlPr>
+                              <a:rPr lang="en-US" sz="3200" i="1">
+                                <a:solidFill>
+                                  <a:srgbClr val="C00000"/>
+                                </a:solidFill>
+                                <a:latin typeface="Cambria Math" panose="02040503050406030204" pitchFamily="18" charset="0"/>
+                                <a:cs typeface="Calibri" panose="020F0502020204030204" pitchFamily="34" charset="0"/>
+                              </a:rPr>
+                            </m:ctrlPr>
+                          </m:dPr>
+                          <m:e>
+                            <m:func>
+                              <m:funcPr>
+                                <m:ctrlPr>
+                                  <a:rPr lang="en-US" sz="3200" i="1">
+                                    <a:solidFill>
+                                      <a:srgbClr val="C00000"/>
+                                    </a:solidFill>
+                                    <a:latin typeface="Cambria Math" panose="02040503050406030204" pitchFamily="18" charset="0"/>
+                                    <a:cs typeface="Calibri" panose="020F0502020204030204" pitchFamily="34" charset="0"/>
+                                  </a:rPr>
+                                </m:ctrlPr>
+                              </m:funcPr>
+                              <m:fName>
+                                <m:sSup>
+                                  <m:sSupPr>
+                                    <m:ctrlPr>
+                                      <a:rPr lang="en-US" sz="3200" b="0" i="1" smtClean="0">
+                                        <a:solidFill>
+                                          <a:srgbClr val="C00000"/>
+                                        </a:solidFill>
+                                        <a:latin typeface="Cambria Math" panose="02040503050406030204" pitchFamily="18" charset="0"/>
+                                        <a:cs typeface="Calibri" panose="020F0502020204030204" pitchFamily="34" charset="0"/>
+                                      </a:rPr>
+                                    </m:ctrlPr>
+                                  </m:sSupPr>
+                                  <m:e>
+                                    <m:r>
+                                      <m:rPr>
+                                        <m:sty m:val="p"/>
+                                      </m:rPr>
+                                      <a:rPr lang="en-US" sz="3200">
+                                        <a:solidFill>
+                                          <a:srgbClr val="C00000"/>
+                                        </a:solidFill>
+                                        <a:latin typeface="Cambria Math" panose="02040503050406030204" pitchFamily="18" charset="0"/>
+                                        <a:cs typeface="Calibri" panose="020F0502020204030204" pitchFamily="34" charset="0"/>
+                                      </a:rPr>
+                                      <m:t>log</m:t>
+                                    </m:r>
+                                  </m:e>
+                                  <m:sup>
+                                    <m:r>
+                                      <a:rPr lang="en-US" sz="3200" b="0" i="1" smtClean="0">
+                                        <a:solidFill>
+                                          <a:srgbClr val="C00000"/>
+                                        </a:solidFill>
+                                        <a:latin typeface="Cambria Math" panose="02040503050406030204" pitchFamily="18" charset="0"/>
+                                        <a:cs typeface="Calibri" panose="020F0502020204030204" pitchFamily="34" charset="0"/>
+                                      </a:rPr>
+                                      <m:t>2</m:t>
+                                    </m:r>
+                                  </m:sup>
+                                </m:sSup>
+                              </m:fName>
+                              <m:e>
+                                <m:r>
+                                  <a:rPr lang="en-US" sz="3200" i="1">
+                                    <a:solidFill>
+                                      <a:srgbClr val="C00000"/>
+                                    </a:solidFill>
+                                    <a:latin typeface="Cambria Math" panose="02040503050406030204" pitchFamily="18" charset="0"/>
+                                    <a:cs typeface="Calibri" panose="020F0502020204030204" pitchFamily="34" charset="0"/>
+                                  </a:rPr>
+                                  <m:t>𝑑</m:t>
+                                </m:r>
+                              </m:e>
+                            </m:func>
+                          </m:e>
+                        </m:d>
+                      </m:e>
+                    </m:d>
+                  </m:oMath>
+                </a14:m>
+                <a:endParaRPr lang="en-US" sz="3200" dirty="0">
+                  <a:latin typeface="Calibri" panose="020F0502020204030204" pitchFamily="34" charset="0"/>
+                  <a:cs typeface="Calibri" panose="020F0502020204030204" pitchFamily="34" charset="0"/>
+                </a:endParaRPr>
+              </a:p>
+            </p:txBody>
+          </p:sp>
+        </mc:Choice>
+        <mc:Fallback>
+          <p:sp>
+            <p:nvSpPr>
+              <p:cNvPr id="3" name="Content Placeholder 2">
+                <a:extLst>
+                  <a:ext uri="{FF2B5EF4-FFF2-40B4-BE49-F238E27FC236}">
+                    <a16:creationId xmlns:a16="http://schemas.microsoft.com/office/drawing/2014/main" id="{FFBF8529-BF7C-995E-3ACD-1B13F8A48325}"/>
+                  </a:ext>
+                </a:extLst>
+              </p:cNvPr>
+              <p:cNvSpPr>
+                <a:spLocks noGrp="1" noRot="1" noChangeAspect="1" noMove="1" noResize="1" noEditPoints="1" noAdjustHandles="1" noChangeArrowheads="1" noChangeShapeType="1" noTextEdit="1"/>
+              </p:cNvSpPr>
+              <p:nvPr>
+                <p:ph idx="1"/>
+              </p:nvPr>
+            </p:nvSpPr>
+            <p:spPr>
+              <a:blipFill>
+                <a:blip r:embed="rId2"/>
+                <a:stretch>
+                  <a:fillRect l="-1333" t="-3782" r="-1275"/>
+                </a:stretch>
+              </a:blipFill>
+            </p:spPr>
+            <p:txBody>
+              <a:bodyPr/>
+              <a:lstStyle/>
+              <a:p>
+                <a:r>
+                  <a:rPr lang="en-US">
+                    <a:noFill/>
+                  </a:rPr>
+                  <a:t> </a:t>
+                </a:r>
+              </a:p>
+            </p:txBody>
+          </p:sp>
+        </mc:Fallback>
+      </mc:AlternateContent>
+    </p:spTree>
+    <p:extLst>
+      <p:ext uri="{BB962C8B-B14F-4D97-AF65-F5344CB8AC3E}">
+        <p14:creationId xmlns:p14="http://schemas.microsoft.com/office/powerpoint/2010/main" val="1466592333"/>
+      </p:ext>
+    </p:extLst>
+  </p:cSld>
+  <p:clrMapOvr>
+    <a:masterClrMapping/>
+  </p:clrMapOvr>
+</p:sld>
+</file>
+
+<file path=ppt/slides/slide9.xml><?xml version="1.0" encoding="utf-8"?>
+<p:sld xmlns:a="http://schemas.openxmlformats.org/drawingml/2006/main" xmlns:r="http://schemas.openxmlformats.org/officeDocument/2006/relationships" xmlns:p="http://schemas.openxmlformats.org/presentationml/2006/main">
+  <p:cSld>
+    <p:spTree>
+      <p:nvGrpSpPr>
+        <p:cNvPr id="1" name="">
+          <a:extLst>
+            <a:ext uri="{FF2B5EF4-FFF2-40B4-BE49-F238E27FC236}">
+              <a16:creationId xmlns:a16="http://schemas.microsoft.com/office/drawing/2014/main" id="{C7612973-530D-F71B-50A3-36965B90D7F0}"/>
+            </a:ext>
+          </a:extLst>
+        </p:cNvPr>
+        <p:cNvGrpSpPr/>
+        <p:nvPr/>
+      </p:nvGrpSpPr>
+      <p:grpSpPr>
+        <a:xfrm>
+          <a:off x="0" y="0"/>
+          <a:ext cx="0" cy="0"/>
+          <a:chOff x="0" y="0"/>
+          <a:chExt cx="0" cy="0"/>
+        </a:xfrm>
+      </p:grpSpPr>
+      <p:sp>
+        <p:nvSpPr>
+          <p:cNvPr id="2" name="Title 1">
+            <a:extLst>
+              <a:ext uri="{FF2B5EF4-FFF2-40B4-BE49-F238E27FC236}">
+                <a16:creationId xmlns:a16="http://schemas.microsoft.com/office/drawing/2014/main" id="{F1B6C97E-DD74-9FC2-A188-1EF65D73DE91}"/>
+              </a:ext>
+            </a:extLst>
+          </p:cNvPr>
+          <p:cNvSpPr>
+            <a:spLocks noGrp="1"/>
+          </p:cNvSpPr>
+          <p:nvPr>
+            <p:ph type="title"/>
+          </p:nvPr>
+        </p:nvSpPr>
+        <p:spPr/>
+        <p:txBody>
+          <a:bodyPr/>
+          <a:lstStyle/>
+          <a:p>
+            <a:r>
+              <a:rPr lang="en-US" dirty="0">
+                <a:solidFill>
+                  <a:srgbClr val="C00000"/>
+                </a:solidFill>
+                <a:latin typeface="Calibri Light" panose="020F0302020204030204" pitchFamily="34" charset="0"/>
+                <a:cs typeface="Calibri Light" panose="020F0302020204030204" pitchFamily="34" charset="0"/>
+              </a:rPr>
+              <a:t>Our Results (III)</a:t>
+            </a:r>
+            <a:endParaRPr lang="en-US" dirty="0">
+              <a:latin typeface="Calibri Light" panose="020F0302020204030204" pitchFamily="34" charset="0"/>
+              <a:cs typeface="Calibri Light" panose="020F0302020204030204" pitchFamily="34" charset="0"/>
+            </a:endParaRPr>
+          </a:p>
+        </p:txBody>
+      </p:sp>
+      <mc:AlternateContent xmlns:mc="http://schemas.openxmlformats.org/markup-compatibility/2006">
+        <mc:Choice xmlns:a14="http://schemas.microsoft.com/office/drawing/2010/main" Requires="a14">
+          <p:sp>
+            <p:nvSpPr>
+              <p:cNvPr id="3" name="Content Placeholder 2">
+                <a:extLst>
+                  <a:ext uri="{FF2B5EF4-FFF2-40B4-BE49-F238E27FC236}">
+                    <a16:creationId xmlns:a16="http://schemas.microsoft.com/office/drawing/2014/main" id="{E8479B5F-09A2-09CC-02F4-18EDB38B0AB4}"/>
+                  </a:ext>
+                </a:extLst>
+              </p:cNvPr>
+              <p:cNvSpPr>
+                <a:spLocks noGrp="1"/>
+              </p:cNvSpPr>
+              <p:nvPr>
+                <p:ph idx="1"/>
+              </p:nvPr>
+            </p:nvSpPr>
+            <p:spPr/>
+            <p:txBody>
+              <a:bodyPr>
+                <a:normAutofit/>
+              </a:bodyPr>
+              <a:lstStyle/>
+              <a:p>
+                <a:pPr>
+                  <a:buClr>
+                    <a:schemeClr val="tx1"/>
+                  </a:buClr>
+                </a:pPr>
+                <a:r>
+                  <a:rPr lang="en-US" sz="3200" dirty="0">
+                    <a:latin typeface="Calibri" panose="020F0502020204030204" pitchFamily="34" charset="0"/>
+                    <a:cs typeface="Calibri" panose="020F0502020204030204" pitchFamily="34" charset="0"/>
+                  </a:rPr>
+                  <a:t>There exists </a:t>
+                </a:r>
+                <a14:m>
+                  <m:oMath xmlns:m="http://schemas.openxmlformats.org/officeDocument/2006/math">
+                    <m:r>
+                      <a:rPr lang="en-US" sz="3200" b="0" i="1" smtClean="0">
+                        <a:solidFill>
+                          <a:srgbClr val="C00000"/>
+                        </a:solidFill>
+                        <a:latin typeface="Cambria Math" panose="02040503050406030204" pitchFamily="18" charset="0"/>
+                        <a:cs typeface="Calibri" panose="020F0502020204030204" pitchFamily="34" charset="0"/>
+                      </a:rPr>
+                      <m:t>𝑂</m:t>
+                    </m:r>
+                    <m:d>
+                      <m:dPr>
+                        <m:ctrlPr>
+                          <a:rPr lang="en-US" sz="3200" b="0" i="1" smtClean="0">
+                            <a:solidFill>
+                              <a:srgbClr val="C00000"/>
+                            </a:solidFill>
+                            <a:latin typeface="Cambria Math" panose="02040503050406030204" pitchFamily="18" charset="0"/>
+                            <a:cs typeface="Calibri" panose="020F0502020204030204" pitchFamily="34" charset="0"/>
+                          </a:rPr>
+                        </m:ctrlPr>
+                      </m:dPr>
+                      <m:e>
+                        <m:r>
+                          <a:rPr lang="en-US" sz="3200" b="0" i="1" smtClean="0">
+                            <a:solidFill>
+                              <a:srgbClr val="C00000"/>
+                            </a:solidFill>
+                            <a:latin typeface="Cambria Math" panose="02040503050406030204" pitchFamily="18" charset="0"/>
+                            <a:cs typeface="Calibri" panose="020F0502020204030204" pitchFamily="34" charset="0"/>
+                          </a:rPr>
+                          <m:t>𝑘</m:t>
+                        </m:r>
+                        <m:d>
+                          <m:dPr>
+                            <m:ctrlPr>
+                              <a:rPr lang="en-US" sz="3200" b="0" i="1" smtClean="0">
+                                <a:solidFill>
+                                  <a:srgbClr val="C00000"/>
+                                </a:solidFill>
+                                <a:latin typeface="Cambria Math" panose="02040503050406030204" pitchFamily="18" charset="0"/>
+                                <a:cs typeface="Calibri" panose="020F0502020204030204" pitchFamily="34" charset="0"/>
+                              </a:rPr>
+                            </m:ctrlPr>
+                          </m:dPr>
+                          <m:e>
+                            <m:func>
+                              <m:funcPr>
+                                <m:ctrlPr>
+                                  <a:rPr lang="en-US" sz="3200" b="0" i="1" smtClean="0">
+                                    <a:solidFill>
+                                      <a:srgbClr val="C00000"/>
+                                    </a:solidFill>
+                                    <a:latin typeface="Cambria Math" panose="02040503050406030204" pitchFamily="18" charset="0"/>
+                                    <a:cs typeface="Calibri" panose="020F0502020204030204" pitchFamily="34" charset="0"/>
+                                  </a:rPr>
+                                </m:ctrlPr>
+                              </m:funcPr>
+                              <m:fName>
+                                <m:r>
+                                  <m:rPr>
+                                    <m:sty m:val="p"/>
+                                  </m:rPr>
+                                  <a:rPr lang="en-US" sz="3200" b="0" i="0" smtClean="0">
+                                    <a:solidFill>
+                                      <a:srgbClr val="C00000"/>
+                                    </a:solidFill>
+                                    <a:latin typeface="Cambria Math" panose="02040503050406030204" pitchFamily="18" charset="0"/>
+                                    <a:cs typeface="Calibri" panose="020F0502020204030204" pitchFamily="34" charset="0"/>
+                                  </a:rPr>
+                                  <m:t>log</m:t>
+                                </m:r>
+                              </m:fName>
+                              <m:e>
+                                <m:func>
+                                  <m:funcPr>
+                                    <m:ctrlPr>
+                                      <a:rPr lang="en-US" sz="3200" b="0" i="1" smtClean="0">
+                                        <a:solidFill>
+                                          <a:srgbClr val="C00000"/>
+                                        </a:solidFill>
+                                        <a:latin typeface="Cambria Math" panose="02040503050406030204" pitchFamily="18" charset="0"/>
+                                        <a:cs typeface="Calibri" panose="020F0502020204030204" pitchFamily="34" charset="0"/>
+                                      </a:rPr>
+                                    </m:ctrlPr>
+                                  </m:funcPr>
+                                  <m:fName>
+                                    <m:r>
+                                      <m:rPr>
+                                        <m:sty m:val="p"/>
+                                      </m:rPr>
+                                      <a:rPr lang="en-US" sz="3200" b="0" i="0" smtClean="0">
+                                        <a:solidFill>
+                                          <a:srgbClr val="C00000"/>
+                                        </a:solidFill>
+                                        <a:latin typeface="Cambria Math" panose="02040503050406030204" pitchFamily="18" charset="0"/>
+                                        <a:cs typeface="Calibri" panose="020F0502020204030204" pitchFamily="34" charset="0"/>
+                                      </a:rPr>
+                                      <m:t>log</m:t>
+                                    </m:r>
+                                  </m:fName>
+                                  <m:e>
+                                    <m:r>
+                                      <a:rPr lang="en-US" sz="3200" b="0" i="1" smtClean="0">
+                                        <a:solidFill>
+                                          <a:srgbClr val="C00000"/>
+                                        </a:solidFill>
+                                        <a:latin typeface="Cambria Math" panose="02040503050406030204" pitchFamily="18" charset="0"/>
+                                        <a:cs typeface="Calibri" panose="020F0502020204030204" pitchFamily="34" charset="0"/>
+                                      </a:rPr>
+                                      <m:t>𝑘</m:t>
+                                    </m:r>
+                                  </m:e>
+                                </m:func>
+                              </m:e>
+                            </m:func>
+                          </m:e>
+                        </m:d>
+                        <m:d>
+                          <m:dPr>
+                            <m:ctrlPr>
+                              <a:rPr lang="en-US" sz="3200" b="0" i="1" smtClean="0">
+                                <a:solidFill>
+                                  <a:srgbClr val="C00000"/>
+                                </a:solidFill>
+                                <a:latin typeface="Cambria Math" panose="02040503050406030204" pitchFamily="18" charset="0"/>
+                                <a:cs typeface="Calibri" panose="020F0502020204030204" pitchFamily="34" charset="0"/>
+                              </a:rPr>
+                            </m:ctrlPr>
+                          </m:dPr>
+                          <m:e>
+                            <m:func>
+                              <m:funcPr>
+                                <m:ctrlPr>
+                                  <a:rPr lang="en-US" sz="3200" b="0" i="1" smtClean="0">
+                                    <a:solidFill>
+                                      <a:srgbClr val="C00000"/>
+                                    </a:solidFill>
+                                    <a:latin typeface="Cambria Math" panose="02040503050406030204" pitchFamily="18" charset="0"/>
+                                    <a:cs typeface="Calibri" panose="020F0502020204030204" pitchFamily="34" charset="0"/>
+                                  </a:rPr>
+                                </m:ctrlPr>
+                              </m:funcPr>
+                              <m:fName>
+                                <m:r>
+                                  <m:rPr>
+                                    <m:sty m:val="p"/>
+                                  </m:rPr>
+                                  <a:rPr lang="en-US" sz="3200" b="0" i="0" smtClean="0">
+                                    <a:solidFill>
+                                      <a:srgbClr val="C00000"/>
+                                    </a:solidFill>
+                                    <a:latin typeface="Cambria Math" panose="02040503050406030204" pitchFamily="18" charset="0"/>
+                                    <a:cs typeface="Calibri" panose="020F0502020204030204" pitchFamily="34" charset="0"/>
+                                  </a:rPr>
+                                  <m:t>log</m:t>
+                                </m:r>
+                              </m:fName>
+                              <m:e>
+                                <m:r>
+                                  <a:rPr lang="en-US" sz="3200" b="0" i="1" smtClean="0">
+                                    <a:solidFill>
+                                      <a:srgbClr val="C00000"/>
+                                    </a:solidFill>
+                                    <a:latin typeface="Cambria Math" panose="02040503050406030204" pitchFamily="18" charset="0"/>
+                                    <a:cs typeface="Calibri" panose="020F0502020204030204" pitchFamily="34" charset="0"/>
+                                  </a:rPr>
+                                  <m:t>𝑑</m:t>
+                                </m:r>
+                              </m:e>
+                            </m:func>
+                          </m:e>
+                        </m:d>
+                      </m:e>
+                    </m:d>
+                  </m:oMath>
+                </a14:m>
+                <a:r>
+                  <a:rPr lang="en-US" sz="3200" dirty="0">
+                    <a:latin typeface="Calibri" panose="020F0502020204030204" pitchFamily="34" charset="0"/>
+                    <a:cs typeface="Calibri" panose="020F0502020204030204" pitchFamily="34" charset="0"/>
+                  </a:rPr>
+                  <a:t>-approximation algorithm for fair column subset selection that uses polynomial time, but with bicriteria rank </a:t>
+                </a:r>
+                <a14:m>
+                  <m:oMath xmlns:m="http://schemas.openxmlformats.org/officeDocument/2006/math">
+                    <m:r>
+                      <a:rPr lang="en-US" sz="3200" i="1">
+                        <a:solidFill>
+                          <a:srgbClr val="C00000"/>
+                        </a:solidFill>
+                        <a:latin typeface="Cambria Math" panose="02040503050406030204" pitchFamily="18" charset="0"/>
+                        <a:cs typeface="Calibri" panose="020F0502020204030204" pitchFamily="34" charset="0"/>
+                      </a:rPr>
+                      <m:t>𝑂</m:t>
+                    </m:r>
+                    <m:d>
+                      <m:dPr>
+                        <m:ctrlPr>
+                          <a:rPr lang="en-US" sz="3200" i="1">
+                            <a:solidFill>
+                              <a:srgbClr val="C00000"/>
+                            </a:solidFill>
+                            <a:latin typeface="Cambria Math" panose="02040503050406030204" pitchFamily="18" charset="0"/>
+                            <a:cs typeface="Calibri" panose="020F0502020204030204" pitchFamily="34" charset="0"/>
+                          </a:rPr>
+                        </m:ctrlPr>
+                      </m:dPr>
+                      <m:e>
+                        <m:r>
+                          <a:rPr lang="en-US" sz="3200" i="1">
+                            <a:solidFill>
+                              <a:srgbClr val="C00000"/>
+                            </a:solidFill>
+                            <a:latin typeface="Cambria Math" panose="02040503050406030204" pitchFamily="18" charset="0"/>
+                            <a:cs typeface="Calibri" panose="020F0502020204030204" pitchFamily="34" charset="0"/>
+                          </a:rPr>
+                          <m:t>𝑘</m:t>
+                        </m:r>
+                        <m:func>
+                          <m:funcPr>
+                            <m:ctrlPr>
+                              <a:rPr lang="en-US" sz="3200" b="0" i="1" smtClean="0">
+                                <a:solidFill>
+                                  <a:srgbClr val="C00000"/>
+                                </a:solidFill>
+                                <a:latin typeface="Cambria Math" panose="02040503050406030204" pitchFamily="18" charset="0"/>
+                                <a:cs typeface="Calibri" panose="020F0502020204030204" pitchFamily="34" charset="0"/>
+                              </a:rPr>
+                            </m:ctrlPr>
+                          </m:funcPr>
+                          <m:fName>
+                            <m:r>
+                              <m:rPr>
+                                <m:sty m:val="p"/>
+                              </m:rPr>
+                              <a:rPr lang="en-US" sz="3200" b="0" i="0" smtClean="0">
+                                <a:solidFill>
+                                  <a:srgbClr val="C00000"/>
+                                </a:solidFill>
+                                <a:latin typeface="Cambria Math" panose="02040503050406030204" pitchFamily="18" charset="0"/>
+                                <a:cs typeface="Calibri" panose="020F0502020204030204" pitchFamily="34" charset="0"/>
+                              </a:rPr>
+                              <m:t>log</m:t>
+                            </m:r>
+                          </m:fName>
+                          <m:e>
+                            <m:r>
+                              <a:rPr lang="en-US" sz="3200" b="0" i="1" smtClean="0">
+                                <a:solidFill>
+                                  <a:srgbClr val="C00000"/>
+                                </a:solidFill>
+                                <a:latin typeface="Cambria Math" panose="02040503050406030204" pitchFamily="18" charset="0"/>
+                                <a:cs typeface="Calibri" panose="020F0502020204030204" pitchFamily="34" charset="0"/>
+                              </a:rPr>
+                              <m:t>𝑘</m:t>
+                            </m:r>
+                          </m:e>
+                        </m:func>
+                      </m:e>
+                    </m:d>
+                  </m:oMath>
+                </a14:m>
+                <a:endParaRPr lang="en-US" sz="3200" dirty="0">
+                  <a:latin typeface="Calibri" panose="020F0502020204030204" pitchFamily="34" charset="0"/>
+                  <a:cs typeface="Calibri" panose="020F0502020204030204" pitchFamily="34" charset="0"/>
+                </a:endParaRPr>
+              </a:p>
+            </p:txBody>
+          </p:sp>
+        </mc:Choice>
+        <mc:Fallback>
+          <p:sp>
+            <p:nvSpPr>
+              <p:cNvPr id="3" name="Content Placeholder 2">
+                <a:extLst>
+                  <a:ext uri="{FF2B5EF4-FFF2-40B4-BE49-F238E27FC236}">
+                    <a16:creationId xmlns:a16="http://schemas.microsoft.com/office/drawing/2014/main" id="{E8479B5F-09A2-09CC-02F4-18EDB38B0AB4}"/>
+                  </a:ext>
+                </a:extLst>
+              </p:cNvPr>
+              <p:cNvSpPr>
+                <a:spLocks noGrp="1" noRot="1" noChangeAspect="1" noMove="1" noResize="1" noEditPoints="1" noAdjustHandles="1" noChangeArrowheads="1" noChangeShapeType="1" noTextEdit="1"/>
+              </p:cNvSpPr>
+              <p:nvPr>
+                <p:ph idx="1"/>
+              </p:nvPr>
+            </p:nvSpPr>
+            <p:spPr>
+              <a:blipFill>
+                <a:blip r:embed="rId2"/>
+                <a:stretch>
+                  <a:fillRect l="-1333" t="-1961"/>
+                </a:stretch>
+              </a:blipFill>
+            </p:spPr>
+            <p:txBody>
+              <a:bodyPr/>
+              <a:lstStyle/>
+              <a:p>
+                <a:r>
+                  <a:rPr lang="en-US">
+                    <a:noFill/>
+                  </a:rPr>
+                  <a:t> </a:t>
+                </a:r>
+              </a:p>
+            </p:txBody>
+          </p:sp>
+        </mc:Fallback>
+      </mc:AlternateContent>
+    </p:spTree>
+    <p:extLst>
+      <p:ext uri="{BB962C8B-B14F-4D97-AF65-F5344CB8AC3E}">
+        <p14:creationId xmlns:p14="http://schemas.microsoft.com/office/powerpoint/2010/main" val="3891299186"/>
       </p:ext>
     </p:extLst>
   </p:cSld>
